--- a/Project2_HypothesisTesting_NonTechnicalPresentation.pptx
+++ b/Project2_HypothesisTesting_NonTechnicalPresentation.pptx
@@ -6,6 +6,16 @@
   </p:sldMasterIdLst>
   <p:sldIdLst>
     <p:sldId id="256" r:id="rId2"/>
+    <p:sldId id="258" r:id="rId3"/>
+    <p:sldId id="260" r:id="rId4"/>
+    <p:sldId id="262" r:id="rId5"/>
+    <p:sldId id="264" r:id="rId6"/>
+    <p:sldId id="263" r:id="rId7"/>
+    <p:sldId id="261" r:id="rId8"/>
+    <p:sldId id="257" r:id="rId9"/>
+    <p:sldId id="259" r:id="rId10"/>
+    <p:sldId id="265" r:id="rId11"/>
+    <p:sldId id="266" r:id="rId12"/>
   </p:sldIdLst>
   <p:sldSz cx="9144000" cy="6858000" type="screen4x3"/>
   <p:notesSz cx="6858000" cy="9144000"/>
@@ -288,7 +298,7 @@
           <a:p>
             <a:fld id="{DA2E1FCE-6484-8846-A653-8EE9D37FC717}" type="datetimeFigureOut">
               <a:rPr lang="en-US" smtClean="0"/>
-              <a:t>24/02/20</a:t>
+              <a:t>07/03/20</a:t>
             </a:fld>
             <a:endParaRPr lang="en-US"/>
           </a:p>
@@ -458,7 +468,7 @@
           <a:p>
             <a:fld id="{DA2E1FCE-6484-8846-A653-8EE9D37FC717}" type="datetimeFigureOut">
               <a:rPr lang="en-US" smtClean="0"/>
-              <a:t>24/02/20</a:t>
+              <a:t>07/03/20</a:t>
             </a:fld>
             <a:endParaRPr lang="en-US"/>
           </a:p>
@@ -638,7 +648,7 @@
           <a:p>
             <a:fld id="{DA2E1FCE-6484-8846-A653-8EE9D37FC717}" type="datetimeFigureOut">
               <a:rPr lang="en-US" smtClean="0"/>
-              <a:t>24/02/20</a:t>
+              <a:t>07/03/20</a:t>
             </a:fld>
             <a:endParaRPr lang="en-US"/>
           </a:p>
@@ -808,7 +818,7 @@
           <a:p>
             <a:fld id="{DA2E1FCE-6484-8846-A653-8EE9D37FC717}" type="datetimeFigureOut">
               <a:rPr lang="en-US" smtClean="0"/>
-              <a:t>24/02/20</a:t>
+              <a:t>07/03/20</a:t>
             </a:fld>
             <a:endParaRPr lang="en-US"/>
           </a:p>
@@ -1054,7 +1064,7 @@
           <a:p>
             <a:fld id="{DA2E1FCE-6484-8846-A653-8EE9D37FC717}" type="datetimeFigureOut">
               <a:rPr lang="en-US" smtClean="0"/>
-              <a:t>24/02/20</a:t>
+              <a:t>07/03/20</a:t>
             </a:fld>
             <a:endParaRPr lang="en-US"/>
           </a:p>
@@ -1342,7 +1352,7 @@
           <a:p>
             <a:fld id="{DA2E1FCE-6484-8846-A653-8EE9D37FC717}" type="datetimeFigureOut">
               <a:rPr lang="en-US" smtClean="0"/>
-              <a:t>24/02/20</a:t>
+              <a:t>07/03/20</a:t>
             </a:fld>
             <a:endParaRPr lang="en-US"/>
           </a:p>
@@ -1764,7 +1774,7 @@
           <a:p>
             <a:fld id="{DA2E1FCE-6484-8846-A653-8EE9D37FC717}" type="datetimeFigureOut">
               <a:rPr lang="en-US" smtClean="0"/>
-              <a:t>24/02/20</a:t>
+              <a:t>07/03/20</a:t>
             </a:fld>
             <a:endParaRPr lang="en-US"/>
           </a:p>
@@ -1882,7 +1892,7 @@
           <a:p>
             <a:fld id="{DA2E1FCE-6484-8846-A653-8EE9D37FC717}" type="datetimeFigureOut">
               <a:rPr lang="en-US" smtClean="0"/>
-              <a:t>24/02/20</a:t>
+              <a:t>07/03/20</a:t>
             </a:fld>
             <a:endParaRPr lang="en-US"/>
           </a:p>
@@ -1977,7 +1987,7 @@
           <a:p>
             <a:fld id="{DA2E1FCE-6484-8846-A653-8EE9D37FC717}" type="datetimeFigureOut">
               <a:rPr lang="en-US" smtClean="0"/>
-              <a:t>24/02/20</a:t>
+              <a:t>07/03/20</a:t>
             </a:fld>
             <a:endParaRPr lang="en-US"/>
           </a:p>
@@ -2254,7 +2264,7 @@
           <a:p>
             <a:fld id="{DA2E1FCE-6484-8846-A653-8EE9D37FC717}" type="datetimeFigureOut">
               <a:rPr lang="en-US" smtClean="0"/>
-              <a:t>24/02/20</a:t>
+              <a:t>07/03/20</a:t>
             </a:fld>
             <a:endParaRPr lang="en-US"/>
           </a:p>
@@ -2507,7 +2517,7 @@
           <a:p>
             <a:fld id="{DA2E1FCE-6484-8846-A653-8EE9D37FC717}" type="datetimeFigureOut">
               <a:rPr lang="en-US" smtClean="0"/>
-              <a:t>24/02/20</a:t>
+              <a:t>07/03/20</a:t>
             </a:fld>
             <a:endParaRPr lang="en-US"/>
           </a:p>
@@ -2720,7 +2730,7 @@
           <a:p>
             <a:fld id="{DA2E1FCE-6484-8846-A653-8EE9D37FC717}" type="datetimeFigureOut">
               <a:rPr lang="en-US" smtClean="0"/>
-              <a:t>24/02/20</a:t>
+              <a:t>07/03/20</a:t>
             </a:fld>
             <a:endParaRPr lang="en-US"/>
           </a:p>
@@ -3097,12 +3107,12 @@
       </p:grpSpPr>
       <p:sp>
         <p:nvSpPr>
-          <p:cNvPr id="2" name="Title 1"/>
-          <p:cNvSpPr>
-            <a:spLocks noGrp="1"/>
-          </p:cNvSpPr>
-          <p:nvPr>
-            <p:ph type="ctrTitle"/>
+          <p:cNvPr id="3" name="Subtitle 2"/>
+          <p:cNvSpPr>
+            <a:spLocks noGrp="1"/>
+          </p:cNvSpPr>
+          <p:nvPr>
+            <p:ph type="subTitle" idx="1"/>
           </p:nvPr>
         </p:nvSpPr>
         <p:spPr/>
@@ -3111,44 +3121,1544 @@
           <a:lstStyle/>
           <a:p>
             <a:r>
-              <a:rPr lang="en-US" dirty="0" smtClean="0"/>
-              <a:t>HYPOTHESIS TESTING</a:t>
-            </a:r>
-            <a:endParaRPr lang="en-US" dirty="0"/>
-          </a:p>
-        </p:txBody>
-      </p:sp>
-      <p:sp>
-        <p:nvSpPr>
-          <p:cNvPr id="3" name="Subtitle 2"/>
-          <p:cNvSpPr>
-            <a:spLocks noGrp="1"/>
-          </p:cNvSpPr>
-          <p:nvPr>
-            <p:ph type="subTitle" idx="1"/>
-          </p:nvPr>
-        </p:nvSpPr>
-        <p:spPr/>
-        <p:txBody>
-          <a:bodyPr/>
-          <a:lstStyle/>
-          <a:p>
-            <a:r>
-              <a:rPr lang="en-US" dirty="0" smtClean="0"/>
-              <a:t>Does Discount have a significant effect on quantity of </a:t>
-            </a:r>
-            <a:r>
-              <a:rPr lang="en-US" smtClean="0"/>
-              <a:t>products sold?</a:t>
-            </a:r>
-            <a:endParaRPr lang="en-US"/>
-          </a:p>
-        </p:txBody>
-      </p:sp>
+              <a:rPr lang="en-US" dirty="0">
+                <a:solidFill>
+                  <a:schemeClr val="tx1">
+                    <a:lumMod val="50000"/>
+                    <a:lumOff val="50000"/>
+                  </a:schemeClr>
+                </a:solidFill>
+              </a:rPr>
+              <a:t>Does Discount have a significant effect on </a:t>
+            </a:r>
+            <a:r>
+              <a:rPr lang="en-US" dirty="0" smtClean="0">
+                <a:solidFill>
+                  <a:schemeClr val="tx1">
+                    <a:lumMod val="50000"/>
+                    <a:lumOff val="50000"/>
+                  </a:schemeClr>
+                </a:solidFill>
+              </a:rPr>
+              <a:t>the quantity of products ordered?</a:t>
+            </a:r>
+            <a:endParaRPr lang="en-US" dirty="0">
+              <a:solidFill>
+                <a:schemeClr val="tx1">
+                  <a:lumMod val="50000"/>
+                  <a:lumOff val="50000"/>
+                </a:schemeClr>
+              </a:solidFill>
+            </a:endParaRPr>
+          </a:p>
+        </p:txBody>
+      </p:sp>
+      <p:pic>
+        <p:nvPicPr>
+          <p:cNvPr id="6" name="Picture 5" descr="shutterstock_139007459.jpg"/>
+          <p:cNvPicPr>
+            <a:picLocks noChangeAspect="1"/>
+          </p:cNvPicPr>
+          <p:nvPr/>
+        </p:nvPicPr>
+        <p:blipFill>
+          <a:blip r:embed="rId2">
+            <a:extLst>
+              <a:ext uri="{28A0092B-C50C-407E-A947-70E740481C1C}">
+                <a14:useLocalDpi xmlns:a14="http://schemas.microsoft.com/office/drawing/2010/main" val="0"/>
+              </a:ext>
+            </a:extLst>
+          </a:blip>
+          <a:stretch>
+            <a:fillRect/>
+          </a:stretch>
+        </p:blipFill>
+        <p:spPr>
+          <a:xfrm>
+            <a:off x="1704195" y="208784"/>
+            <a:ext cx="5914254" cy="3677416"/>
+          </a:xfrm>
+          <a:prstGeom prst="rect">
+            <a:avLst/>
+          </a:prstGeom>
+        </p:spPr>
+      </p:pic>
     </p:spTree>
     <p:extLst>
       <p:ext uri="{BB962C8B-B14F-4D97-AF65-F5344CB8AC3E}">
         <p14:creationId xmlns:p14="http://schemas.microsoft.com/office/powerpoint/2010/main" val="4041625656"/>
+      </p:ext>
+    </p:extLst>
+  </p:cSld>
+  <p:clrMapOvr>
+    <a:masterClrMapping/>
+  </p:clrMapOvr>
+  <p:timing>
+    <p:tnLst>
+      <p:par>
+        <p:cTn xmlns:p14="http://schemas.microsoft.com/office/powerpoint/2010/main" id="1" dur="indefinite" restart="never" nodeType="tmRoot"/>
+      </p:par>
+    </p:tnLst>
+  </p:timing>
+</p:sld>
+</file>
+
+<file path=ppt/slides/slide10.xml><?xml version="1.0" encoding="utf-8"?>
+<p:sld xmlns:a="http://schemas.openxmlformats.org/drawingml/2006/main" xmlns:r="http://schemas.openxmlformats.org/officeDocument/2006/relationships" xmlns:p="http://schemas.openxmlformats.org/presentationml/2006/main">
+  <p:cSld>
+    <p:spTree>
+      <p:nvGrpSpPr>
+        <p:cNvPr id="1" name=""/>
+        <p:cNvGrpSpPr/>
+        <p:nvPr/>
+      </p:nvGrpSpPr>
+      <p:grpSpPr>
+        <a:xfrm>
+          <a:off x="0" y="0"/>
+          <a:ext cx="0" cy="0"/>
+          <a:chOff x="0" y="0"/>
+          <a:chExt cx="0" cy="0"/>
+        </a:xfrm>
+      </p:grpSpPr>
+      <p:sp>
+        <p:nvSpPr>
+          <p:cNvPr id="2" name="Title 1"/>
+          <p:cNvSpPr>
+            <a:spLocks noGrp="1"/>
+          </p:cNvSpPr>
+          <p:nvPr>
+            <p:ph type="title"/>
+          </p:nvPr>
+        </p:nvSpPr>
+        <p:spPr/>
+        <p:txBody>
+          <a:bodyPr/>
+          <a:lstStyle/>
+          <a:p>
+            <a:r>
+              <a:rPr lang="en-US" dirty="0" smtClean="0">
+                <a:solidFill>
+                  <a:schemeClr val="accent3">
+                    <a:lumMod val="75000"/>
+                  </a:schemeClr>
+                </a:solidFill>
+              </a:rPr>
+              <a:t>Recommendations</a:t>
+            </a:r>
+            <a:endParaRPr lang="en-US" dirty="0">
+              <a:solidFill>
+                <a:schemeClr val="accent3">
+                  <a:lumMod val="75000"/>
+                </a:schemeClr>
+              </a:solidFill>
+            </a:endParaRPr>
+          </a:p>
+        </p:txBody>
+      </p:sp>
+      <p:sp>
+        <p:nvSpPr>
+          <p:cNvPr id="3" name="Content Placeholder 2"/>
+          <p:cNvSpPr>
+            <a:spLocks noGrp="1"/>
+          </p:cNvSpPr>
+          <p:nvPr>
+            <p:ph idx="1"/>
+          </p:nvPr>
+        </p:nvSpPr>
+        <p:spPr/>
+        <p:txBody>
+          <a:bodyPr/>
+          <a:lstStyle/>
+          <a:p>
+            <a:r>
+              <a:rPr lang="en-US" dirty="0" smtClean="0">
+                <a:solidFill>
+                  <a:schemeClr val="bg1">
+                    <a:lumMod val="50000"/>
+                  </a:schemeClr>
+                </a:solidFill>
+              </a:rPr>
+              <a:t>The discount amounts 15%, 25%, 5%, 25% did not have significantly different effects.</a:t>
+            </a:r>
+          </a:p>
+          <a:p>
+            <a:r>
+              <a:rPr lang="en-US" dirty="0" smtClean="0">
+                <a:solidFill>
+                  <a:schemeClr val="bg1">
+                    <a:lumMod val="50000"/>
+                  </a:schemeClr>
+                </a:solidFill>
+              </a:rPr>
+              <a:t>Offering a 5% discount instead of 25% may be profitable as they both have similar effects on the quantity and total sale of products.</a:t>
+            </a:r>
+          </a:p>
+          <a:p>
+            <a:r>
+              <a:rPr lang="en-US" dirty="0" smtClean="0">
+                <a:solidFill>
+                  <a:schemeClr val="bg1">
+                    <a:lumMod val="50000"/>
+                  </a:schemeClr>
+                </a:solidFill>
+              </a:rPr>
+              <a:t>A larger amount of even sales data between discounted orders and full price orders may be more effective.</a:t>
+            </a:r>
+          </a:p>
+          <a:p>
+            <a:endParaRPr lang="en-US" dirty="0"/>
+          </a:p>
+        </p:txBody>
+      </p:sp>
+    </p:spTree>
+    <p:extLst>
+      <p:ext uri="{BB962C8B-B14F-4D97-AF65-F5344CB8AC3E}">
+        <p14:creationId xmlns:p14="http://schemas.microsoft.com/office/powerpoint/2010/main" val="746679616"/>
+      </p:ext>
+    </p:extLst>
+  </p:cSld>
+  <p:clrMapOvr>
+    <a:masterClrMapping/>
+  </p:clrMapOvr>
+</p:sld>
+</file>
+
+<file path=ppt/slides/slide11.xml><?xml version="1.0" encoding="utf-8"?>
+<p:sld xmlns:a="http://schemas.openxmlformats.org/drawingml/2006/main" xmlns:r="http://schemas.openxmlformats.org/officeDocument/2006/relationships" xmlns:p="http://schemas.openxmlformats.org/presentationml/2006/main">
+  <p:cSld>
+    <p:spTree>
+      <p:nvGrpSpPr>
+        <p:cNvPr id="1" name=""/>
+        <p:cNvGrpSpPr/>
+        <p:nvPr/>
+      </p:nvGrpSpPr>
+      <p:grpSpPr>
+        <a:xfrm>
+          <a:off x="0" y="0"/>
+          <a:ext cx="0" cy="0"/>
+          <a:chOff x="0" y="0"/>
+          <a:chExt cx="0" cy="0"/>
+        </a:xfrm>
+      </p:grpSpPr>
+      <p:pic>
+        <p:nvPicPr>
+          <p:cNvPr id="4" name="Picture 3" descr="images (1).png"/>
+          <p:cNvPicPr>
+            <a:picLocks noChangeAspect="1"/>
+          </p:cNvPicPr>
+          <p:nvPr/>
+        </p:nvPicPr>
+        <p:blipFill>
+          <a:blip r:embed="rId2">
+            <a:extLst>
+              <a:ext uri="{28A0092B-C50C-407E-A947-70E740481C1C}">
+                <a14:useLocalDpi xmlns:a14="http://schemas.microsoft.com/office/drawing/2010/main" val="0"/>
+              </a:ext>
+            </a:extLst>
+          </a:blip>
+          <a:stretch>
+            <a:fillRect/>
+          </a:stretch>
+        </p:blipFill>
+        <p:spPr>
+          <a:xfrm>
+            <a:off x="3429000" y="2489200"/>
+            <a:ext cx="2286000" cy="1879600"/>
+          </a:xfrm>
+          <a:prstGeom prst="rect">
+            <a:avLst/>
+          </a:prstGeom>
+        </p:spPr>
+      </p:pic>
+    </p:spTree>
+    <p:extLst>
+      <p:ext uri="{BB962C8B-B14F-4D97-AF65-F5344CB8AC3E}">
+        <p14:creationId xmlns:p14="http://schemas.microsoft.com/office/powerpoint/2010/main" val="3965654285"/>
+      </p:ext>
+    </p:extLst>
+  </p:cSld>
+  <p:clrMapOvr>
+    <a:masterClrMapping/>
+  </p:clrMapOvr>
+</p:sld>
+</file>
+
+<file path=ppt/slides/slide2.xml><?xml version="1.0" encoding="utf-8"?>
+<p:sld xmlns:a="http://schemas.openxmlformats.org/drawingml/2006/main" xmlns:r="http://schemas.openxmlformats.org/officeDocument/2006/relationships" xmlns:p="http://schemas.openxmlformats.org/presentationml/2006/main">
+  <p:cSld>
+    <p:spTree>
+      <p:nvGrpSpPr>
+        <p:cNvPr id="1" name=""/>
+        <p:cNvGrpSpPr/>
+        <p:nvPr/>
+      </p:nvGrpSpPr>
+      <p:grpSpPr>
+        <a:xfrm>
+          <a:off x="0" y="0"/>
+          <a:ext cx="0" cy="0"/>
+          <a:chOff x="0" y="0"/>
+          <a:chExt cx="0" cy="0"/>
+        </a:xfrm>
+      </p:grpSpPr>
+      <p:sp>
+        <p:nvSpPr>
+          <p:cNvPr id="2" name="Title 1"/>
+          <p:cNvSpPr>
+            <a:spLocks noGrp="1"/>
+          </p:cNvSpPr>
+          <p:nvPr>
+            <p:ph type="title"/>
+          </p:nvPr>
+        </p:nvSpPr>
+        <p:spPr>
+          <a:xfrm>
+            <a:off x="538827" y="2411603"/>
+            <a:ext cx="6760978" cy="3714559"/>
+          </a:xfrm>
+        </p:spPr>
+        <p:txBody>
+          <a:bodyPr/>
+          <a:lstStyle/>
+          <a:p>
+            <a:pPr algn="l"/>
+            <a:r>
+              <a:rPr lang="en-US" dirty="0" smtClean="0"/>
+              <a:t>Increase </a:t>
+            </a:r>
+            <a:br>
+              <a:rPr lang="en-US" dirty="0" smtClean="0"/>
+            </a:br>
+            <a:r>
+              <a:rPr lang="en-US" dirty="0" smtClean="0"/>
+              <a:t>	</a:t>
+            </a:r>
+            <a:r>
+              <a:rPr lang="en-US" sz="3200" dirty="0" smtClean="0"/>
+              <a:t>- Quantity of Products Ordered</a:t>
+            </a:r>
+            <a:br>
+              <a:rPr lang="en-US" sz="3200" dirty="0" smtClean="0"/>
+            </a:br>
+            <a:r>
+              <a:rPr lang="en-US" sz="3200" dirty="0" smtClean="0"/>
+              <a:t>	- Total Price Ordered</a:t>
+            </a:r>
+            <a:endParaRPr lang="en-US" sz="3200" dirty="0"/>
+          </a:p>
+        </p:txBody>
+      </p:sp>
+      <p:pic>
+        <p:nvPicPr>
+          <p:cNvPr id="8" name="Picture 7"/>
+          <p:cNvPicPr>
+            <a:picLocks noChangeAspect="1"/>
+          </p:cNvPicPr>
+          <p:nvPr/>
+        </p:nvPicPr>
+        <p:blipFill>
+          <a:blip r:embed="rId2">
+            <a:extLst>
+              <a:ext uri="{28A0092B-C50C-407E-A947-70E740481C1C}">
+                <a14:useLocalDpi xmlns:a14="http://schemas.microsoft.com/office/drawing/2010/main" val="0"/>
+              </a:ext>
+            </a:extLst>
+          </a:blip>
+          <a:stretch>
+            <a:fillRect/>
+          </a:stretch>
+        </p:blipFill>
+        <p:spPr>
+          <a:xfrm>
+            <a:off x="6331196" y="2851318"/>
+            <a:ext cx="1937217" cy="2988849"/>
+          </a:xfrm>
+          <a:prstGeom prst="rect">
+            <a:avLst/>
+          </a:prstGeom>
+        </p:spPr>
+      </p:pic>
+      <p:pic>
+        <p:nvPicPr>
+          <p:cNvPr id="10" name="Picture 9" descr="images.png"/>
+          <p:cNvPicPr>
+            <a:picLocks noChangeAspect="1"/>
+          </p:cNvPicPr>
+          <p:nvPr/>
+        </p:nvPicPr>
+        <p:blipFill>
+          <a:blip r:embed="rId3">
+            <a:extLst>
+              <a:ext uri="{28A0092B-C50C-407E-A947-70E740481C1C}">
+                <a14:useLocalDpi xmlns:a14="http://schemas.microsoft.com/office/drawing/2010/main" val="0"/>
+              </a:ext>
+            </a:extLst>
+          </a:blip>
+          <a:stretch>
+            <a:fillRect/>
+          </a:stretch>
+        </p:blipFill>
+        <p:spPr>
+          <a:xfrm>
+            <a:off x="3022600" y="196874"/>
+            <a:ext cx="3086100" cy="2641600"/>
+          </a:xfrm>
+          <a:prstGeom prst="rect">
+            <a:avLst/>
+          </a:prstGeom>
+        </p:spPr>
+      </p:pic>
+    </p:spTree>
+    <p:extLst>
+      <p:ext uri="{BB962C8B-B14F-4D97-AF65-F5344CB8AC3E}">
+        <p14:creationId xmlns:p14="http://schemas.microsoft.com/office/powerpoint/2010/main" val="3212176887"/>
+      </p:ext>
+    </p:extLst>
+  </p:cSld>
+  <p:clrMapOvr>
+    <a:masterClrMapping/>
+  </p:clrMapOvr>
+  <p:timing>
+    <p:tnLst>
+      <p:par>
+        <p:cTn xmlns:p14="http://schemas.microsoft.com/office/powerpoint/2010/main" id="1" dur="indefinite" restart="never" nodeType="tmRoot"/>
+      </p:par>
+    </p:tnLst>
+  </p:timing>
+</p:sld>
+</file>
+
+<file path=ppt/slides/slide3.xml><?xml version="1.0" encoding="utf-8"?>
+<p:sld xmlns:a="http://schemas.openxmlformats.org/drawingml/2006/main" xmlns:r="http://schemas.openxmlformats.org/officeDocument/2006/relationships" xmlns:p="http://schemas.openxmlformats.org/presentationml/2006/main">
+  <p:cSld>
+    <p:spTree>
+      <p:nvGrpSpPr>
+        <p:cNvPr id="1" name=""/>
+        <p:cNvGrpSpPr/>
+        <p:nvPr/>
+      </p:nvGrpSpPr>
+      <p:grpSpPr>
+        <a:xfrm>
+          <a:off x="0" y="0"/>
+          <a:ext cx="0" cy="0"/>
+          <a:chOff x="0" y="0"/>
+          <a:chExt cx="0" cy="0"/>
+        </a:xfrm>
+      </p:grpSpPr>
+      <p:sp>
+        <p:nvSpPr>
+          <p:cNvPr id="2" name="Title 1"/>
+          <p:cNvSpPr>
+            <a:spLocks noGrp="1"/>
+          </p:cNvSpPr>
+          <p:nvPr>
+            <p:ph type="title"/>
+          </p:nvPr>
+        </p:nvSpPr>
+        <p:spPr/>
+        <p:txBody>
+          <a:bodyPr/>
+          <a:lstStyle/>
+          <a:p>
+            <a:r>
+              <a:rPr lang="en-US" dirty="0" smtClean="0"/>
+              <a:t>Orders Detail</a:t>
+            </a:r>
+            <a:endParaRPr lang="en-US" dirty="0"/>
+          </a:p>
+        </p:txBody>
+      </p:sp>
+      <p:sp>
+        <p:nvSpPr>
+          <p:cNvPr id="3" name="Content Placeholder 2"/>
+          <p:cNvSpPr>
+            <a:spLocks noGrp="1"/>
+          </p:cNvSpPr>
+          <p:nvPr>
+            <p:ph idx="1"/>
+          </p:nvPr>
+        </p:nvSpPr>
+        <p:spPr>
+          <a:xfrm>
+            <a:off x="2719787" y="1635423"/>
+            <a:ext cx="5736088" cy="4525963"/>
+          </a:xfrm>
+        </p:spPr>
+        <p:txBody>
+          <a:bodyPr/>
+          <a:lstStyle/>
+          <a:p>
+            <a:pPr marL="0" indent="0">
+              <a:buNone/>
+            </a:pPr>
+            <a:r>
+              <a:rPr lang="en-US" dirty="0" smtClean="0"/>
+              <a:t>	</a:t>
+            </a:r>
+          </a:p>
+          <a:p>
+            <a:pPr marL="0" indent="0">
+              <a:buNone/>
+            </a:pPr>
+            <a:r>
+              <a:rPr lang="en-US" dirty="0" smtClean="0">
+                <a:solidFill>
+                  <a:schemeClr val="tx1">
+                    <a:lumMod val="65000"/>
+                    <a:lumOff val="35000"/>
+                  </a:schemeClr>
+                </a:solidFill>
+              </a:rPr>
+              <a:t>Northwind Database</a:t>
+            </a:r>
+          </a:p>
+          <a:p>
+            <a:pPr marL="0" indent="0">
+              <a:buNone/>
+            </a:pPr>
+            <a:r>
+              <a:rPr lang="en-US" dirty="0">
+                <a:solidFill>
+                  <a:schemeClr val="tx1">
+                    <a:lumMod val="65000"/>
+                    <a:lumOff val="35000"/>
+                  </a:schemeClr>
+                </a:solidFill>
+              </a:rPr>
+              <a:t>830 </a:t>
+            </a:r>
+            <a:r>
+              <a:rPr lang="en-US" dirty="0" smtClean="0">
+                <a:solidFill>
+                  <a:schemeClr val="tx1">
+                    <a:lumMod val="65000"/>
+                    <a:lumOff val="35000"/>
+                  </a:schemeClr>
+                </a:solidFill>
+              </a:rPr>
+              <a:t>Orders</a:t>
+            </a:r>
+          </a:p>
+          <a:p>
+            <a:pPr marL="0" indent="0">
+              <a:buNone/>
+            </a:pPr>
+            <a:r>
+              <a:rPr lang="en-US" dirty="0" smtClean="0">
+                <a:solidFill>
+                  <a:schemeClr val="tx1">
+                    <a:lumMod val="65000"/>
+                    <a:lumOff val="35000"/>
+                  </a:schemeClr>
+                </a:solidFill>
+              </a:rPr>
+              <a:t>Between May/2014 - July/2012</a:t>
+            </a:r>
+          </a:p>
+          <a:p>
+            <a:pPr marL="0" indent="0">
+              <a:buNone/>
+            </a:pPr>
+            <a:r>
+              <a:rPr lang="en-US" dirty="0" smtClean="0">
+                <a:solidFill>
+                  <a:schemeClr val="tx1">
+                    <a:lumMod val="65000"/>
+                    <a:lumOff val="35000"/>
+                  </a:schemeClr>
+                </a:solidFill>
+              </a:rPr>
+              <a:t>Shipped to France, Germany, Brazil, Switzerland</a:t>
+            </a:r>
+          </a:p>
+          <a:p>
+            <a:pPr marL="0" indent="0">
+              <a:buNone/>
+            </a:pPr>
+            <a:endParaRPr lang="en-US" dirty="0"/>
+          </a:p>
+        </p:txBody>
+      </p:sp>
+      <p:sp>
+        <p:nvSpPr>
+          <p:cNvPr id="5" name="Right Arrow 4"/>
+          <p:cNvSpPr/>
+          <p:nvPr/>
+        </p:nvSpPr>
+        <p:spPr>
+          <a:xfrm>
+            <a:off x="1497624" y="4074851"/>
+            <a:ext cx="978408" cy="484632"/>
+          </a:xfrm>
+          <a:prstGeom prst="rightArrow">
+            <a:avLst/>
+          </a:prstGeom>
+          <a:solidFill>
+            <a:schemeClr val="accent3">
+              <a:lumMod val="20000"/>
+              <a:lumOff val="80000"/>
+            </a:schemeClr>
+          </a:solidFill>
+          <a:ln>
+            <a:noFill/>
+          </a:ln>
+        </p:spPr>
+        <p:style>
+          <a:lnRef idx="1">
+            <a:schemeClr val="accent1"/>
+          </a:lnRef>
+          <a:fillRef idx="3">
+            <a:schemeClr val="accent1"/>
+          </a:fillRef>
+          <a:effectRef idx="2">
+            <a:schemeClr val="accent1"/>
+          </a:effectRef>
+          <a:fontRef idx="minor">
+            <a:schemeClr val="lt1"/>
+          </a:fontRef>
+        </p:style>
+        <p:txBody>
+          <a:bodyPr rtlCol="0" anchor="ctr"/>
+          <a:lstStyle/>
+          <a:p>
+            <a:pPr algn="ctr"/>
+            <a:endParaRPr lang="en-US"/>
+          </a:p>
+        </p:txBody>
+      </p:sp>
+      <p:sp>
+        <p:nvSpPr>
+          <p:cNvPr id="6" name="Right Arrow 5"/>
+          <p:cNvSpPr/>
+          <p:nvPr/>
+        </p:nvSpPr>
+        <p:spPr>
+          <a:xfrm>
+            <a:off x="1497624" y="2907531"/>
+            <a:ext cx="978408" cy="484632"/>
+          </a:xfrm>
+          <a:prstGeom prst="rightArrow">
+            <a:avLst/>
+          </a:prstGeom>
+          <a:solidFill>
+            <a:schemeClr val="accent3">
+              <a:lumMod val="20000"/>
+              <a:lumOff val="80000"/>
+            </a:schemeClr>
+          </a:solidFill>
+          <a:ln>
+            <a:noFill/>
+          </a:ln>
+        </p:spPr>
+        <p:style>
+          <a:lnRef idx="1">
+            <a:schemeClr val="accent1"/>
+          </a:lnRef>
+          <a:fillRef idx="3">
+            <a:schemeClr val="accent1"/>
+          </a:fillRef>
+          <a:effectRef idx="2">
+            <a:schemeClr val="accent1"/>
+          </a:effectRef>
+          <a:fontRef idx="minor">
+            <a:schemeClr val="lt1"/>
+          </a:fontRef>
+        </p:style>
+        <p:txBody>
+          <a:bodyPr rtlCol="0" anchor="ctr"/>
+          <a:lstStyle/>
+          <a:p>
+            <a:pPr algn="ctr"/>
+            <a:endParaRPr lang="en-US"/>
+          </a:p>
+        </p:txBody>
+      </p:sp>
+      <p:sp>
+        <p:nvSpPr>
+          <p:cNvPr id="7" name="Right Arrow 6"/>
+          <p:cNvSpPr/>
+          <p:nvPr/>
+        </p:nvSpPr>
+        <p:spPr>
+          <a:xfrm>
+            <a:off x="1497624" y="3500425"/>
+            <a:ext cx="978408" cy="484632"/>
+          </a:xfrm>
+          <a:prstGeom prst="rightArrow">
+            <a:avLst/>
+          </a:prstGeom>
+          <a:solidFill>
+            <a:schemeClr val="accent3">
+              <a:lumMod val="20000"/>
+              <a:lumOff val="80000"/>
+            </a:schemeClr>
+          </a:solidFill>
+          <a:ln>
+            <a:noFill/>
+          </a:ln>
+        </p:spPr>
+        <p:style>
+          <a:lnRef idx="1">
+            <a:schemeClr val="accent1"/>
+          </a:lnRef>
+          <a:fillRef idx="3">
+            <a:schemeClr val="accent1"/>
+          </a:fillRef>
+          <a:effectRef idx="2">
+            <a:schemeClr val="accent1"/>
+          </a:effectRef>
+          <a:fontRef idx="minor">
+            <a:schemeClr val="lt1"/>
+          </a:fontRef>
+        </p:style>
+        <p:txBody>
+          <a:bodyPr rtlCol="0" anchor="ctr"/>
+          <a:lstStyle/>
+          <a:p>
+            <a:pPr algn="ctr"/>
+            <a:endParaRPr lang="en-US"/>
+          </a:p>
+        </p:txBody>
+      </p:sp>
+      <p:sp>
+        <p:nvSpPr>
+          <p:cNvPr id="8" name="Right Arrow 7"/>
+          <p:cNvSpPr/>
+          <p:nvPr/>
+        </p:nvSpPr>
+        <p:spPr>
+          <a:xfrm>
+            <a:off x="1497624" y="2320278"/>
+            <a:ext cx="978408" cy="484632"/>
+          </a:xfrm>
+          <a:prstGeom prst="rightArrow">
+            <a:avLst/>
+          </a:prstGeom>
+          <a:solidFill>
+            <a:schemeClr val="accent3">
+              <a:lumMod val="20000"/>
+              <a:lumOff val="80000"/>
+            </a:schemeClr>
+          </a:solidFill>
+          <a:ln>
+            <a:noFill/>
+          </a:ln>
+        </p:spPr>
+        <p:style>
+          <a:lnRef idx="1">
+            <a:schemeClr val="accent1"/>
+          </a:lnRef>
+          <a:fillRef idx="3">
+            <a:schemeClr val="accent1"/>
+          </a:fillRef>
+          <a:effectRef idx="2">
+            <a:schemeClr val="accent1"/>
+          </a:effectRef>
+          <a:fontRef idx="minor">
+            <a:schemeClr val="lt1"/>
+          </a:fontRef>
+        </p:style>
+        <p:txBody>
+          <a:bodyPr rtlCol="0" anchor="ctr"/>
+          <a:lstStyle/>
+          <a:p>
+            <a:pPr algn="ctr"/>
+            <a:endParaRPr lang="en-US"/>
+          </a:p>
+        </p:txBody>
+      </p:sp>
+    </p:spTree>
+    <p:extLst>
+      <p:ext uri="{BB962C8B-B14F-4D97-AF65-F5344CB8AC3E}">
+        <p14:creationId xmlns:p14="http://schemas.microsoft.com/office/powerpoint/2010/main" val="2359365105"/>
+      </p:ext>
+    </p:extLst>
+  </p:cSld>
+  <p:clrMapOvr>
+    <a:masterClrMapping/>
+  </p:clrMapOvr>
+  <p:timing>
+    <p:tnLst>
+      <p:par>
+        <p:cTn xmlns:p14="http://schemas.microsoft.com/office/powerpoint/2010/main" id="1" dur="indefinite" restart="never" nodeType="tmRoot"/>
+      </p:par>
+    </p:tnLst>
+  </p:timing>
+</p:sld>
+</file>
+
+<file path=ppt/slides/slide4.xml><?xml version="1.0" encoding="utf-8"?>
+<p:sld xmlns:a="http://schemas.openxmlformats.org/drawingml/2006/main" xmlns:r="http://schemas.openxmlformats.org/officeDocument/2006/relationships" xmlns:p="http://schemas.openxmlformats.org/presentationml/2006/main">
+  <p:cSld>
+    <p:spTree>
+      <p:nvGrpSpPr>
+        <p:cNvPr id="1" name=""/>
+        <p:cNvGrpSpPr/>
+        <p:nvPr/>
+      </p:nvGrpSpPr>
+      <p:grpSpPr>
+        <a:xfrm>
+          <a:off x="0" y="0"/>
+          <a:ext cx="0" cy="0"/>
+          <a:chOff x="0" y="0"/>
+          <a:chExt cx="0" cy="0"/>
+        </a:xfrm>
+      </p:grpSpPr>
+      <p:sp>
+        <p:nvSpPr>
+          <p:cNvPr id="2" name="Title 1"/>
+          <p:cNvSpPr>
+            <a:spLocks noGrp="1"/>
+          </p:cNvSpPr>
+          <p:nvPr>
+            <p:ph type="title"/>
+          </p:nvPr>
+        </p:nvSpPr>
+        <p:spPr>
+          <a:xfrm>
+            <a:off x="457200" y="274638"/>
+            <a:ext cx="8229600" cy="1841930"/>
+          </a:xfrm>
+        </p:spPr>
+        <p:txBody>
+          <a:bodyPr/>
+          <a:lstStyle/>
+          <a:p>
+            <a:r>
+              <a:rPr lang="en-US" dirty="0" smtClean="0">
+                <a:solidFill>
+                  <a:srgbClr val="FF0000"/>
+                </a:solidFill>
+              </a:rPr>
+              <a:t>RESULTS</a:t>
+            </a:r>
+            <a:endParaRPr lang="en-US" dirty="0">
+              <a:solidFill>
+                <a:srgbClr val="FF0000"/>
+              </a:solidFill>
+            </a:endParaRPr>
+          </a:p>
+        </p:txBody>
+      </p:sp>
+      <p:sp>
+        <p:nvSpPr>
+          <p:cNvPr id="3" name="Content Placeholder 2"/>
+          <p:cNvSpPr>
+            <a:spLocks noGrp="1"/>
+          </p:cNvSpPr>
+          <p:nvPr>
+            <p:ph idx="1"/>
+          </p:nvPr>
+        </p:nvSpPr>
+        <p:spPr>
+          <a:xfrm>
+            <a:off x="457200" y="2847745"/>
+            <a:ext cx="8229600" cy="3278417"/>
+          </a:xfrm>
+        </p:spPr>
+        <p:txBody>
+          <a:bodyPr/>
+          <a:lstStyle/>
+          <a:p>
+            <a:pPr marL="0" indent="0">
+              <a:buNone/>
+            </a:pPr>
+            <a:r>
+              <a:rPr lang="en-US" dirty="0" smtClean="0">
+                <a:solidFill>
+                  <a:srgbClr val="7F7F7F"/>
+                </a:solidFill>
+              </a:rPr>
+              <a:t>	Discount had a </a:t>
+            </a:r>
+            <a:r>
+              <a:rPr lang="en-US" b="1" dirty="0" smtClean="0">
+                <a:solidFill>
+                  <a:srgbClr val="FF0000"/>
+                </a:solidFill>
+              </a:rPr>
+              <a:t>slight</a:t>
+            </a:r>
+            <a:r>
+              <a:rPr lang="en-US" dirty="0" smtClean="0">
+                <a:solidFill>
+                  <a:srgbClr val="7F7F7F"/>
+                </a:solidFill>
+              </a:rPr>
+              <a:t> effect on the quantity </a:t>
+            </a:r>
+          </a:p>
+          <a:p>
+            <a:pPr marL="0" indent="0">
+              <a:buNone/>
+            </a:pPr>
+            <a:r>
+              <a:rPr lang="en-US" dirty="0">
+                <a:solidFill>
+                  <a:srgbClr val="7F7F7F"/>
+                </a:solidFill>
+              </a:rPr>
+              <a:t>	</a:t>
+            </a:r>
+            <a:r>
+              <a:rPr lang="en-US" dirty="0" smtClean="0">
+                <a:solidFill>
+                  <a:srgbClr val="7F7F7F"/>
+                </a:solidFill>
+              </a:rPr>
+              <a:t>or 	total price of products in an order</a:t>
+            </a:r>
+            <a:endParaRPr lang="en-US" dirty="0">
+              <a:solidFill>
+                <a:srgbClr val="7F7F7F"/>
+              </a:solidFill>
+            </a:endParaRPr>
+          </a:p>
+        </p:txBody>
+      </p:sp>
+    </p:spTree>
+    <p:extLst>
+      <p:ext uri="{BB962C8B-B14F-4D97-AF65-F5344CB8AC3E}">
+        <p14:creationId xmlns:p14="http://schemas.microsoft.com/office/powerpoint/2010/main" val="1040074888"/>
+      </p:ext>
+    </p:extLst>
+  </p:cSld>
+  <p:clrMapOvr>
+    <a:masterClrMapping/>
+  </p:clrMapOvr>
+  <p:timing>
+    <p:tnLst>
+      <p:par>
+        <p:cTn xmlns:p14="http://schemas.microsoft.com/office/powerpoint/2010/main" id="1" dur="indefinite" restart="never" nodeType="tmRoot"/>
+      </p:par>
+    </p:tnLst>
+  </p:timing>
+</p:sld>
+</file>
+
+<file path=ppt/slides/slide5.xml><?xml version="1.0" encoding="utf-8"?>
+<p:sld xmlns:a="http://schemas.openxmlformats.org/drawingml/2006/main" xmlns:r="http://schemas.openxmlformats.org/officeDocument/2006/relationships" xmlns:p="http://schemas.openxmlformats.org/presentationml/2006/main">
+  <p:cSld>
+    <p:spTree>
+      <p:nvGrpSpPr>
+        <p:cNvPr id="1" name=""/>
+        <p:cNvGrpSpPr/>
+        <p:nvPr/>
+      </p:nvGrpSpPr>
+      <p:grpSpPr>
+        <a:xfrm>
+          <a:off x="0" y="0"/>
+          <a:ext cx="0" cy="0"/>
+          <a:chOff x="0" y="0"/>
+          <a:chExt cx="0" cy="0"/>
+        </a:xfrm>
+      </p:grpSpPr>
+      <p:pic>
+        <p:nvPicPr>
+          <p:cNvPr id="4" name="Picture 3" descr="Screen Shot 2020-03-07 at 15.30.16.png"/>
+          <p:cNvPicPr>
+            <a:picLocks noChangeAspect="1"/>
+          </p:cNvPicPr>
+          <p:nvPr/>
+        </p:nvPicPr>
+        <p:blipFill>
+          <a:blip r:embed="rId2">
+            <a:extLst>
+              <a:ext uri="{28A0092B-C50C-407E-A947-70E740481C1C}">
+                <a14:useLocalDpi xmlns:a14="http://schemas.microsoft.com/office/drawing/2010/main" val="0"/>
+              </a:ext>
+            </a:extLst>
+          </a:blip>
+          <a:stretch>
+            <a:fillRect/>
+          </a:stretch>
+        </p:blipFill>
+        <p:spPr>
+          <a:xfrm>
+            <a:off x="0" y="1092200"/>
+            <a:ext cx="9144000" cy="4651513"/>
+          </a:xfrm>
+          <a:prstGeom prst="rect">
+            <a:avLst/>
+          </a:prstGeom>
+        </p:spPr>
+      </p:pic>
+    </p:spTree>
+    <p:extLst>
+      <p:ext uri="{BB962C8B-B14F-4D97-AF65-F5344CB8AC3E}">
+        <p14:creationId xmlns:p14="http://schemas.microsoft.com/office/powerpoint/2010/main" val="3862027461"/>
+      </p:ext>
+    </p:extLst>
+  </p:cSld>
+  <p:clrMapOvr>
+    <a:masterClrMapping/>
+  </p:clrMapOvr>
+  <p:timing>
+    <p:tnLst>
+      <p:par>
+        <p:cTn xmlns:p14="http://schemas.microsoft.com/office/powerpoint/2010/main" id="1" dur="indefinite" restart="never" nodeType="tmRoot"/>
+      </p:par>
+    </p:tnLst>
+  </p:timing>
+</p:sld>
+</file>
+
+<file path=ppt/slides/slide6.xml><?xml version="1.0" encoding="utf-8"?>
+<p:sld xmlns:a="http://schemas.openxmlformats.org/drawingml/2006/main" xmlns:r="http://schemas.openxmlformats.org/officeDocument/2006/relationships" xmlns:p="http://schemas.openxmlformats.org/presentationml/2006/main">
+  <p:cSld>
+    <p:spTree>
+      <p:nvGrpSpPr>
+        <p:cNvPr id="1" name=""/>
+        <p:cNvGrpSpPr/>
+        <p:nvPr/>
+      </p:nvGrpSpPr>
+      <p:grpSpPr>
+        <a:xfrm>
+          <a:off x="0" y="0"/>
+          <a:ext cx="0" cy="0"/>
+          <a:chOff x="0" y="0"/>
+          <a:chExt cx="0" cy="0"/>
+        </a:xfrm>
+      </p:grpSpPr>
+      <p:sp>
+        <p:nvSpPr>
+          <p:cNvPr id="2" name="Title 1"/>
+          <p:cNvSpPr>
+            <a:spLocks noGrp="1"/>
+          </p:cNvSpPr>
+          <p:nvPr>
+            <p:ph type="title"/>
+          </p:nvPr>
+        </p:nvSpPr>
+        <p:spPr/>
+        <p:txBody>
+          <a:bodyPr/>
+          <a:lstStyle/>
+          <a:p>
+            <a:r>
+              <a:rPr lang="en-US" dirty="0" smtClean="0">
+                <a:solidFill>
+                  <a:srgbClr val="FF0000"/>
+                </a:solidFill>
+              </a:rPr>
+              <a:t>Most Effective Discounts?</a:t>
+            </a:r>
+            <a:endParaRPr lang="en-US" dirty="0">
+              <a:solidFill>
+                <a:srgbClr val="FF0000"/>
+              </a:solidFill>
+            </a:endParaRPr>
+          </a:p>
+        </p:txBody>
+      </p:sp>
+      <p:sp>
+        <p:nvSpPr>
+          <p:cNvPr id="3" name="Content Placeholder 2"/>
+          <p:cNvSpPr>
+            <a:spLocks noGrp="1"/>
+          </p:cNvSpPr>
+          <p:nvPr>
+            <p:ph idx="1"/>
+          </p:nvPr>
+        </p:nvSpPr>
+        <p:spPr>
+          <a:xfrm>
+            <a:off x="3603235" y="2123161"/>
+            <a:ext cx="5083565" cy="2816621"/>
+          </a:xfrm>
+        </p:spPr>
+        <p:txBody>
+          <a:bodyPr>
+            <a:normAutofit/>
+          </a:bodyPr>
+          <a:lstStyle/>
+          <a:p>
+            <a:pPr marL="0" indent="0">
+              <a:buNone/>
+            </a:pPr>
+            <a:r>
+              <a:rPr lang="en-US" dirty="0" smtClean="0"/>
+              <a:t>				</a:t>
+            </a:r>
+            <a:r>
+              <a:rPr lang="en-US" dirty="0" smtClean="0">
+                <a:solidFill>
+                  <a:srgbClr val="FF0000"/>
+                </a:solidFill>
+              </a:rPr>
+              <a:t>1</a:t>
+            </a:r>
+            <a:r>
+              <a:rPr lang="en-US" dirty="0" smtClean="0"/>
+              <a:t>		15</a:t>
+            </a:r>
+            <a:r>
+              <a:rPr lang="en-US" dirty="0"/>
+              <a:t>%</a:t>
+            </a:r>
+          </a:p>
+          <a:p>
+            <a:pPr marL="0" indent="0">
+              <a:buNone/>
+            </a:pPr>
+            <a:r>
+              <a:rPr lang="en-US" dirty="0" smtClean="0"/>
+              <a:t>				</a:t>
+            </a:r>
+            <a:r>
+              <a:rPr lang="en-US" dirty="0" smtClean="0">
+                <a:solidFill>
+                  <a:srgbClr val="FF0000"/>
+                </a:solidFill>
+              </a:rPr>
+              <a:t>2</a:t>
+            </a:r>
+            <a:r>
+              <a:rPr lang="en-US" dirty="0" smtClean="0"/>
+              <a:t>		25%</a:t>
+            </a:r>
+          </a:p>
+          <a:p>
+            <a:pPr marL="0" indent="0">
+              <a:buNone/>
+            </a:pPr>
+            <a:r>
+              <a:rPr lang="en-US" dirty="0"/>
+              <a:t>	</a:t>
+            </a:r>
+            <a:r>
+              <a:rPr lang="en-US" dirty="0" smtClean="0"/>
+              <a:t>			</a:t>
+            </a:r>
+            <a:r>
+              <a:rPr lang="en-US" dirty="0" smtClean="0">
+                <a:solidFill>
+                  <a:srgbClr val="FF0000"/>
+                </a:solidFill>
+              </a:rPr>
+              <a:t>3</a:t>
+            </a:r>
+            <a:r>
+              <a:rPr lang="en-US" dirty="0" smtClean="0"/>
+              <a:t>		5%</a:t>
+            </a:r>
+          </a:p>
+          <a:p>
+            <a:pPr marL="0" indent="0">
+              <a:buNone/>
+            </a:pPr>
+            <a:r>
+              <a:rPr lang="en-US" dirty="0"/>
+              <a:t>	</a:t>
+            </a:r>
+            <a:r>
+              <a:rPr lang="en-US" dirty="0" smtClean="0"/>
+              <a:t>			</a:t>
+            </a:r>
+            <a:r>
+              <a:rPr lang="en-US" dirty="0" smtClean="0">
+                <a:solidFill>
+                  <a:srgbClr val="FF0000"/>
+                </a:solidFill>
+              </a:rPr>
+              <a:t>4</a:t>
+            </a:r>
+            <a:r>
+              <a:rPr lang="en-US" dirty="0" smtClean="0"/>
+              <a:t>		20</a:t>
+            </a:r>
+            <a:r>
+              <a:rPr lang="en-US" dirty="0"/>
+              <a:t>%</a:t>
+            </a:r>
+          </a:p>
+          <a:p>
+            <a:pPr marL="0" indent="0">
+              <a:buNone/>
+            </a:pPr>
+            <a:endParaRPr lang="en-US" dirty="0"/>
+          </a:p>
+        </p:txBody>
+      </p:sp>
+      <p:pic>
+        <p:nvPicPr>
+          <p:cNvPr id="4" name="Picture 3" descr="discounts.jpg"/>
+          <p:cNvPicPr>
+            <a:picLocks noChangeAspect="1"/>
+          </p:cNvPicPr>
+          <p:nvPr/>
+        </p:nvPicPr>
+        <p:blipFill>
+          <a:blip r:embed="rId2">
+            <a:extLst>
+              <a:ext uri="{28A0092B-C50C-407E-A947-70E740481C1C}">
+                <a14:useLocalDpi xmlns:a14="http://schemas.microsoft.com/office/drawing/2010/main" val="0"/>
+              </a:ext>
+            </a:extLst>
+          </a:blip>
+          <a:stretch>
+            <a:fillRect/>
+          </a:stretch>
+        </p:blipFill>
+        <p:spPr>
+          <a:xfrm>
+            <a:off x="997467" y="2123161"/>
+            <a:ext cx="3079004" cy="2919421"/>
+          </a:xfrm>
+          <a:prstGeom prst="rect">
+            <a:avLst/>
+          </a:prstGeom>
+        </p:spPr>
+      </p:pic>
+    </p:spTree>
+    <p:extLst>
+      <p:ext uri="{BB962C8B-B14F-4D97-AF65-F5344CB8AC3E}">
+        <p14:creationId xmlns:p14="http://schemas.microsoft.com/office/powerpoint/2010/main" val="3881791542"/>
+      </p:ext>
+    </p:extLst>
+  </p:cSld>
+  <p:clrMapOvr>
+    <a:masterClrMapping/>
+  </p:clrMapOvr>
+</p:sld>
+</file>
+
+<file path=ppt/slides/slide7.xml><?xml version="1.0" encoding="utf-8"?>
+<p:sld xmlns:a="http://schemas.openxmlformats.org/drawingml/2006/main" xmlns:r="http://schemas.openxmlformats.org/officeDocument/2006/relationships" xmlns:p="http://schemas.openxmlformats.org/presentationml/2006/main">
+  <p:cSld>
+    <p:spTree>
+      <p:nvGrpSpPr>
+        <p:cNvPr id="1" name=""/>
+        <p:cNvGrpSpPr/>
+        <p:nvPr/>
+      </p:nvGrpSpPr>
+      <p:grpSpPr>
+        <a:xfrm>
+          <a:off x="0" y="0"/>
+          <a:ext cx="0" cy="0"/>
+          <a:chOff x="0" y="0"/>
+          <a:chExt cx="0" cy="0"/>
+        </a:xfrm>
+      </p:grpSpPr>
+      <p:sp>
+        <p:nvSpPr>
+          <p:cNvPr id="2" name="Title 1"/>
+          <p:cNvSpPr>
+            <a:spLocks noGrp="1"/>
+          </p:cNvSpPr>
+          <p:nvPr>
+            <p:ph type="title"/>
+          </p:nvPr>
+        </p:nvSpPr>
+        <p:spPr/>
+        <p:txBody>
+          <a:bodyPr/>
+          <a:lstStyle/>
+          <a:p>
+            <a:r>
+              <a:rPr lang="en-US" dirty="0" smtClean="0">
+                <a:solidFill>
+                  <a:srgbClr val="FF0000"/>
+                </a:solidFill>
+              </a:rPr>
+              <a:t>5% or 25% ?</a:t>
+            </a:r>
+            <a:endParaRPr lang="en-US" dirty="0">
+              <a:solidFill>
+                <a:srgbClr val="FF0000"/>
+              </a:solidFill>
+            </a:endParaRPr>
+          </a:p>
+        </p:txBody>
+      </p:sp>
+      <p:sp>
+        <p:nvSpPr>
+          <p:cNvPr id="3" name="Content Placeholder 2"/>
+          <p:cNvSpPr>
+            <a:spLocks noGrp="1"/>
+          </p:cNvSpPr>
+          <p:nvPr>
+            <p:ph idx="1"/>
+          </p:nvPr>
+        </p:nvSpPr>
+        <p:spPr>
+          <a:xfrm>
+            <a:off x="457200" y="1600200"/>
+            <a:ext cx="8484740" cy="1337339"/>
+          </a:xfrm>
+        </p:spPr>
+        <p:txBody>
+          <a:bodyPr>
+            <a:normAutofit/>
+          </a:bodyPr>
+          <a:lstStyle/>
+          <a:p>
+            <a:r>
+              <a:rPr lang="en-US" dirty="0" smtClean="0"/>
+              <a:t>Quantity purchased from these two discounts were very similar.</a:t>
+            </a:r>
+          </a:p>
+          <a:p>
+            <a:endParaRPr lang="en-US" dirty="0"/>
+          </a:p>
+          <a:p>
+            <a:endParaRPr lang="en-US" dirty="0"/>
+          </a:p>
+          <a:p>
+            <a:endParaRPr lang="en-US" dirty="0"/>
+          </a:p>
+        </p:txBody>
+      </p:sp>
+      <p:pic>
+        <p:nvPicPr>
+          <p:cNvPr id="4" name="Picture 3" descr="discount-5-percent-off-3d-illustration-on-white-background-drawing_csp38335846.png"/>
+          <p:cNvPicPr>
+            <a:picLocks noChangeAspect="1"/>
+          </p:cNvPicPr>
+          <p:nvPr/>
+        </p:nvPicPr>
+        <p:blipFill>
+          <a:blip r:embed="rId2">
+            <a:extLst>
+              <a:ext uri="{28A0092B-C50C-407E-A947-70E740481C1C}">
+                <a14:useLocalDpi xmlns:a14="http://schemas.microsoft.com/office/drawing/2010/main" val="0"/>
+              </a:ext>
+            </a:extLst>
+          </a:blip>
+          <a:stretch>
+            <a:fillRect/>
+          </a:stretch>
+        </p:blipFill>
+        <p:spPr>
+          <a:xfrm>
+            <a:off x="2078633" y="2937539"/>
+            <a:ext cx="3720158" cy="2686781"/>
+          </a:xfrm>
+          <a:prstGeom prst="rect">
+            <a:avLst/>
+          </a:prstGeom>
+        </p:spPr>
+      </p:pic>
+      <p:pic>
+        <p:nvPicPr>
+          <p:cNvPr id="5" name="Picture 4" descr="download.jpeg"/>
+          <p:cNvPicPr>
+            <a:picLocks noChangeAspect="1"/>
+          </p:cNvPicPr>
+          <p:nvPr/>
+        </p:nvPicPr>
+        <p:blipFill>
+          <a:blip r:embed="rId3">
+            <a:extLst>
+              <a:ext uri="{28A0092B-C50C-407E-A947-70E740481C1C}">
+                <a14:useLocalDpi xmlns:a14="http://schemas.microsoft.com/office/drawing/2010/main" val="0"/>
+              </a:ext>
+            </a:extLst>
+          </a:blip>
+          <a:stretch>
+            <a:fillRect/>
+          </a:stretch>
+        </p:blipFill>
+        <p:spPr>
+          <a:xfrm>
+            <a:off x="6260641" y="3181265"/>
+            <a:ext cx="1721651" cy="1983449"/>
+          </a:xfrm>
+          <a:prstGeom prst="rect">
+            <a:avLst/>
+          </a:prstGeom>
+        </p:spPr>
+      </p:pic>
+    </p:spTree>
+    <p:extLst>
+      <p:ext uri="{BB962C8B-B14F-4D97-AF65-F5344CB8AC3E}">
+        <p14:creationId xmlns:p14="http://schemas.microsoft.com/office/powerpoint/2010/main" val="1356362580"/>
+      </p:ext>
+    </p:extLst>
+  </p:cSld>
+  <p:clrMapOvr>
+    <a:masterClrMapping/>
+  </p:clrMapOvr>
+</p:sld>
+</file>
+
+<file path=ppt/slides/slide8.xml><?xml version="1.0" encoding="utf-8"?>
+<p:sld xmlns:a="http://schemas.openxmlformats.org/drawingml/2006/main" xmlns:r="http://schemas.openxmlformats.org/officeDocument/2006/relationships" xmlns:p="http://schemas.openxmlformats.org/presentationml/2006/main">
+  <p:cSld>
+    <p:spTree>
+      <p:nvGrpSpPr>
+        <p:cNvPr id="1" name=""/>
+        <p:cNvGrpSpPr/>
+        <p:nvPr/>
+      </p:nvGrpSpPr>
+      <p:grpSpPr>
+        <a:xfrm>
+          <a:off x="0" y="0"/>
+          <a:ext cx="0" cy="0"/>
+          <a:chOff x="0" y="0"/>
+          <a:chExt cx="0" cy="0"/>
+        </a:xfrm>
+      </p:grpSpPr>
+      <p:sp>
+        <p:nvSpPr>
+          <p:cNvPr id="2" name="Title 1"/>
+          <p:cNvSpPr>
+            <a:spLocks noGrp="1"/>
+          </p:cNvSpPr>
+          <p:nvPr>
+            <p:ph type="title"/>
+          </p:nvPr>
+        </p:nvSpPr>
+        <p:spPr/>
+        <p:txBody>
+          <a:bodyPr>
+            <a:normAutofit fontScale="90000"/>
+          </a:bodyPr>
+          <a:lstStyle/>
+          <a:p>
+            <a:r>
+              <a:rPr lang="en-US" dirty="0" smtClean="0">
+                <a:solidFill>
+                  <a:schemeClr val="accent3">
+                    <a:lumMod val="75000"/>
+                  </a:schemeClr>
+                </a:solidFill>
+              </a:rPr>
+              <a:t>Did Month have an effect on the quantity or total sale of products?</a:t>
+            </a:r>
+            <a:endParaRPr lang="en-US" dirty="0">
+              <a:solidFill>
+                <a:schemeClr val="accent3">
+                  <a:lumMod val="75000"/>
+                </a:schemeClr>
+              </a:solidFill>
+            </a:endParaRPr>
+          </a:p>
+        </p:txBody>
+      </p:sp>
+      <p:pic>
+        <p:nvPicPr>
+          <p:cNvPr id="5" name="Picture 4" descr="calendar.png"/>
+          <p:cNvPicPr>
+            <a:picLocks noChangeAspect="1"/>
+          </p:cNvPicPr>
+          <p:nvPr/>
+        </p:nvPicPr>
+        <p:blipFill>
+          <a:blip r:embed="rId2">
+            <a:extLst>
+              <a:ext uri="{28A0092B-C50C-407E-A947-70E740481C1C}">
+                <a14:useLocalDpi xmlns:a14="http://schemas.microsoft.com/office/drawing/2010/main" val="0"/>
+              </a:ext>
+            </a:extLst>
+          </a:blip>
+          <a:stretch>
+            <a:fillRect/>
+          </a:stretch>
+        </p:blipFill>
+        <p:spPr>
+          <a:xfrm>
+            <a:off x="284388" y="1720373"/>
+            <a:ext cx="2287357" cy="1850447"/>
+          </a:xfrm>
+          <a:prstGeom prst="rect">
+            <a:avLst/>
+          </a:prstGeom>
+        </p:spPr>
+      </p:pic>
+      <p:pic>
+        <p:nvPicPr>
+          <p:cNvPr id="6" name="Picture 5" descr="Screen Shot 2020-03-07 at 15.27.31.png"/>
+          <p:cNvPicPr>
+            <a:picLocks noChangeAspect="1"/>
+          </p:cNvPicPr>
+          <p:nvPr/>
+        </p:nvPicPr>
+        <p:blipFill>
+          <a:blip r:embed="rId3">
+            <a:extLst>
+              <a:ext uri="{28A0092B-C50C-407E-A947-70E740481C1C}">
+                <a14:useLocalDpi xmlns:a14="http://schemas.microsoft.com/office/drawing/2010/main" val="0"/>
+              </a:ext>
+            </a:extLst>
+          </a:blip>
+          <a:stretch>
+            <a:fillRect/>
+          </a:stretch>
+        </p:blipFill>
+        <p:spPr>
+          <a:xfrm>
+            <a:off x="2571746" y="1720373"/>
+            <a:ext cx="5911832" cy="3795532"/>
+          </a:xfrm>
+          <a:prstGeom prst="rect">
+            <a:avLst/>
+          </a:prstGeom>
+        </p:spPr>
+      </p:pic>
+    </p:spTree>
+    <p:extLst>
+      <p:ext uri="{BB962C8B-B14F-4D97-AF65-F5344CB8AC3E}">
+        <p14:creationId xmlns:p14="http://schemas.microsoft.com/office/powerpoint/2010/main" val="1677585941"/>
+      </p:ext>
+    </p:extLst>
+  </p:cSld>
+  <p:clrMapOvr>
+    <a:masterClrMapping/>
+  </p:clrMapOvr>
+</p:sld>
+</file>
+
+<file path=ppt/slides/slide9.xml><?xml version="1.0" encoding="utf-8"?>
+<p:sld xmlns:a="http://schemas.openxmlformats.org/drawingml/2006/main" xmlns:r="http://schemas.openxmlformats.org/officeDocument/2006/relationships" xmlns:p="http://schemas.openxmlformats.org/presentationml/2006/main">
+  <p:cSld>
+    <p:spTree>
+      <p:nvGrpSpPr>
+        <p:cNvPr id="1" name=""/>
+        <p:cNvGrpSpPr/>
+        <p:nvPr/>
+      </p:nvGrpSpPr>
+      <p:grpSpPr>
+        <a:xfrm>
+          <a:off x="0" y="0"/>
+          <a:ext cx="0" cy="0"/>
+          <a:chOff x="0" y="0"/>
+          <a:chExt cx="0" cy="0"/>
+        </a:xfrm>
+      </p:grpSpPr>
+      <p:pic>
+        <p:nvPicPr>
+          <p:cNvPr id="4" name="Picture 3" descr="Screen Shot 2020-03-07 at 15.29.05.png"/>
+          <p:cNvPicPr>
+            <a:picLocks noChangeAspect="1"/>
+          </p:cNvPicPr>
+          <p:nvPr/>
+        </p:nvPicPr>
+        <p:blipFill>
+          <a:blip r:embed="rId2">
+            <a:extLst>
+              <a:ext uri="{28A0092B-C50C-407E-A947-70E740481C1C}">
+                <a14:useLocalDpi xmlns:a14="http://schemas.microsoft.com/office/drawing/2010/main" val="0"/>
+              </a:ext>
+            </a:extLst>
+          </a:blip>
+          <a:stretch>
+            <a:fillRect/>
+          </a:stretch>
+        </p:blipFill>
+        <p:spPr>
+          <a:xfrm>
+            <a:off x="533400" y="1143000"/>
+            <a:ext cx="8064500" cy="4559300"/>
+          </a:xfrm>
+          <a:prstGeom prst="rect">
+            <a:avLst/>
+          </a:prstGeom>
+        </p:spPr>
+      </p:pic>
+    </p:spTree>
+    <p:extLst>
+      <p:ext uri="{BB962C8B-B14F-4D97-AF65-F5344CB8AC3E}">
+        <p14:creationId xmlns:p14="http://schemas.microsoft.com/office/powerpoint/2010/main" val="3118551509"/>
       </p:ext>
     </p:extLst>
   </p:cSld>

--- a/Project2_HypothesisTesting_NonTechnicalPresentation.pptx
+++ b/Project2_HypothesisTesting_NonTechnicalPresentation.pptx
@@ -6,16 +6,19 @@
   </p:sldMasterIdLst>
   <p:sldIdLst>
     <p:sldId id="256" r:id="rId2"/>
-    <p:sldId id="258" r:id="rId3"/>
+    <p:sldId id="267" r:id="rId3"/>
     <p:sldId id="260" r:id="rId4"/>
-    <p:sldId id="262" r:id="rId5"/>
-    <p:sldId id="264" r:id="rId6"/>
-    <p:sldId id="263" r:id="rId7"/>
-    <p:sldId id="261" r:id="rId8"/>
-    <p:sldId id="257" r:id="rId9"/>
-    <p:sldId id="259" r:id="rId10"/>
-    <p:sldId id="265" r:id="rId11"/>
-    <p:sldId id="266" r:id="rId12"/>
+    <p:sldId id="258" r:id="rId5"/>
+    <p:sldId id="263" r:id="rId6"/>
+    <p:sldId id="261" r:id="rId7"/>
+    <p:sldId id="268" r:id="rId8"/>
+    <p:sldId id="269" r:id="rId9"/>
+    <p:sldId id="270" r:id="rId10"/>
+    <p:sldId id="257" r:id="rId11"/>
+    <p:sldId id="271" r:id="rId12"/>
+    <p:sldId id="259" r:id="rId13"/>
+    <p:sldId id="265" r:id="rId14"/>
+    <p:sldId id="266" r:id="rId15"/>
   </p:sldIdLst>
   <p:sldSz cx="9144000" cy="6858000" type="screen4x3"/>
   <p:notesSz cx="6858000" cy="9144000"/>
@@ -3129,7 +3132,7 @@
                   </a:schemeClr>
                 </a:solidFill>
               </a:rPr>
-              <a:t>Does Discount have a significant effect on </a:t>
+              <a:t>Does Discount have a </a:t>
             </a:r>
             <a:r>
               <a:rPr lang="en-US" dirty="0" smtClean="0">
@@ -3140,7 +3143,7 @@
                   </a:schemeClr>
                 </a:solidFill>
               </a:rPr>
-              <a:t>the quantity of products ordered?</a:t>
+              <a:t>significant effect on order detail?</a:t>
             </a:r>
             <a:endParaRPr lang="en-US" dirty="0">
               <a:solidFill>
@@ -3220,6 +3223,455 @@
           <a:chExt cx="0" cy="0"/>
         </a:xfrm>
       </p:grpSpPr>
+      <p:pic>
+        <p:nvPicPr>
+          <p:cNvPr id="5" name="Picture 4" descr="calendar.png"/>
+          <p:cNvPicPr>
+            <a:picLocks noChangeAspect="1"/>
+          </p:cNvPicPr>
+          <p:nvPr/>
+        </p:nvPicPr>
+        <p:blipFill>
+          <a:blip r:embed="rId2">
+            <a:extLst>
+              <a:ext uri="{28A0092B-C50C-407E-A947-70E740481C1C}">
+                <a14:useLocalDpi xmlns:a14="http://schemas.microsoft.com/office/drawing/2010/main" val="0"/>
+              </a:ext>
+            </a:extLst>
+          </a:blip>
+          <a:stretch>
+            <a:fillRect/>
+          </a:stretch>
+        </p:blipFill>
+        <p:spPr>
+          <a:xfrm>
+            <a:off x="284388" y="1720373"/>
+            <a:ext cx="2287357" cy="1850447"/>
+          </a:xfrm>
+          <a:prstGeom prst="rect">
+            <a:avLst/>
+          </a:prstGeom>
+        </p:spPr>
+      </p:pic>
+      <p:pic>
+        <p:nvPicPr>
+          <p:cNvPr id="6" name="Picture 5" descr="Screen Shot 2020-03-07 at 15.27.31.png"/>
+          <p:cNvPicPr>
+            <a:picLocks noChangeAspect="1"/>
+          </p:cNvPicPr>
+          <p:nvPr/>
+        </p:nvPicPr>
+        <p:blipFill>
+          <a:blip r:embed="rId3">
+            <a:extLst>
+              <a:ext uri="{28A0092B-C50C-407E-A947-70E740481C1C}">
+                <a14:useLocalDpi xmlns:a14="http://schemas.microsoft.com/office/drawing/2010/main" val="0"/>
+              </a:ext>
+            </a:extLst>
+          </a:blip>
+          <a:stretch>
+            <a:fillRect/>
+          </a:stretch>
+        </p:blipFill>
+        <p:spPr>
+          <a:xfrm>
+            <a:off x="2571746" y="1720373"/>
+            <a:ext cx="5911832" cy="3795532"/>
+          </a:xfrm>
+          <a:prstGeom prst="rect">
+            <a:avLst/>
+          </a:prstGeom>
+        </p:spPr>
+      </p:pic>
+    </p:spTree>
+    <p:extLst>
+      <p:ext uri="{BB962C8B-B14F-4D97-AF65-F5344CB8AC3E}">
+        <p14:creationId xmlns:p14="http://schemas.microsoft.com/office/powerpoint/2010/main" val="1677585941"/>
+      </p:ext>
+    </p:extLst>
+  </p:cSld>
+  <p:clrMapOvr>
+    <a:masterClrMapping/>
+  </p:clrMapOvr>
+  <p:timing>
+    <p:tnLst>
+      <p:par>
+        <p:cTn xmlns:p14="http://schemas.microsoft.com/office/powerpoint/2010/main" id="1" dur="indefinite" restart="never" nodeType="tmRoot"/>
+      </p:par>
+    </p:tnLst>
+  </p:timing>
+</p:sld>
+</file>
+
+<file path=ppt/slides/slide11.xml><?xml version="1.0" encoding="utf-8"?>
+<p:sld xmlns:a="http://schemas.openxmlformats.org/drawingml/2006/main" xmlns:r="http://schemas.openxmlformats.org/officeDocument/2006/relationships" xmlns:p="http://schemas.openxmlformats.org/presentationml/2006/main">
+  <p:cSld>
+    <p:spTree>
+      <p:nvGrpSpPr>
+        <p:cNvPr id="1" name=""/>
+        <p:cNvGrpSpPr/>
+        <p:nvPr/>
+      </p:nvGrpSpPr>
+      <p:grpSpPr>
+        <a:xfrm>
+          <a:off x="0" y="0"/>
+          <a:ext cx="0" cy="0"/>
+          <a:chOff x="0" y="0"/>
+          <a:chExt cx="0" cy="0"/>
+        </a:xfrm>
+      </p:grpSpPr>
+      <p:sp>
+        <p:nvSpPr>
+          <p:cNvPr id="2" name="Title 1"/>
+          <p:cNvSpPr>
+            <a:spLocks noGrp="1"/>
+          </p:cNvSpPr>
+          <p:nvPr>
+            <p:ph type="title"/>
+          </p:nvPr>
+        </p:nvSpPr>
+        <p:spPr>
+          <a:xfrm>
+            <a:off x="1693452" y="252643"/>
+            <a:ext cx="6684004" cy="1517578"/>
+          </a:xfrm>
+        </p:spPr>
+        <p:txBody>
+          <a:bodyPr>
+            <a:normAutofit fontScale="90000"/>
+          </a:bodyPr>
+          <a:lstStyle/>
+          <a:p>
+            <a:pPr algn="l"/>
+            <a:r>
+              <a:rPr lang="en-US" sz="3200" dirty="0" smtClean="0">
+                <a:solidFill>
+                  <a:srgbClr val="7F7F7F"/>
+                </a:solidFill>
+              </a:rPr>
+              <a:t>Month with </a:t>
+            </a:r>
+            <a:r>
+              <a:rPr lang="en-US" sz="3200" dirty="0" smtClean="0">
+                <a:solidFill>
+                  <a:srgbClr val="7F7F7F"/>
+                </a:solidFill>
+              </a:rPr>
+              <a:t>d</a:t>
+            </a:r>
+            <a:r>
+              <a:rPr lang="en-US" sz="3200" dirty="0" smtClean="0">
+                <a:solidFill>
+                  <a:srgbClr val="7F7F7F"/>
+                </a:solidFill>
+              </a:rPr>
+              <a:t>iscounts effect on </a:t>
+            </a:r>
+            <a:br>
+              <a:rPr lang="en-US" sz="3200" dirty="0" smtClean="0">
+                <a:solidFill>
+                  <a:srgbClr val="7F7F7F"/>
+                </a:solidFill>
+              </a:rPr>
+            </a:br>
+            <a:r>
+              <a:rPr lang="en-US" sz="3200" u="sng" dirty="0" smtClean="0">
+                <a:solidFill>
+                  <a:srgbClr val="7F7F7F"/>
+                </a:solidFill>
+              </a:rPr>
+              <a:t>Total Spent</a:t>
+            </a:r>
+            <a:r>
+              <a:rPr lang="en-US" sz="3200" dirty="0" smtClean="0">
+                <a:solidFill>
+                  <a:srgbClr val="7F7F7F"/>
+                </a:solidFill>
+              </a:rPr>
+              <a:t> on products in </a:t>
+            </a:r>
+            <a:r>
+              <a:rPr lang="en-US" sz="3200" dirty="0">
+                <a:solidFill>
+                  <a:srgbClr val="7F7F7F"/>
+                </a:solidFill>
+              </a:rPr>
+              <a:t>an </a:t>
+            </a:r>
+            <a:r>
+              <a:rPr lang="en-US" sz="3200" dirty="0" smtClean="0">
+                <a:solidFill>
+                  <a:srgbClr val="7F7F7F"/>
+                </a:solidFill>
+              </a:rPr>
+              <a:t/>
+            </a:r>
+            <a:br>
+              <a:rPr lang="en-US" sz="3200" dirty="0" smtClean="0">
+                <a:solidFill>
+                  <a:srgbClr val="7F7F7F"/>
+                </a:solidFill>
+              </a:rPr>
+            </a:br>
+            <a:r>
+              <a:rPr lang="en-US" sz="3200" dirty="0" smtClean="0">
+                <a:solidFill>
+                  <a:srgbClr val="7F7F7F"/>
+                </a:solidFill>
+              </a:rPr>
+              <a:t>order</a:t>
+            </a:r>
+            <a:endParaRPr lang="en-US" sz="3200" dirty="0">
+              <a:solidFill>
+                <a:srgbClr val="7F7F7F"/>
+              </a:solidFill>
+            </a:endParaRPr>
+          </a:p>
+        </p:txBody>
+      </p:sp>
+      <p:pic>
+        <p:nvPicPr>
+          <p:cNvPr id="8" name="Picture 7"/>
+          <p:cNvPicPr>
+            <a:picLocks noChangeAspect="1"/>
+          </p:cNvPicPr>
+          <p:nvPr/>
+        </p:nvPicPr>
+        <p:blipFill>
+          <a:blip r:embed="rId2">
+            <a:extLst>
+              <a:ext uri="{28A0092B-C50C-407E-A947-70E740481C1C}">
+                <a14:useLocalDpi xmlns:a14="http://schemas.microsoft.com/office/drawing/2010/main" val="0"/>
+              </a:ext>
+            </a:extLst>
+          </a:blip>
+          <a:stretch>
+            <a:fillRect/>
+          </a:stretch>
+        </p:blipFill>
+        <p:spPr>
+          <a:xfrm>
+            <a:off x="7004734" y="252643"/>
+            <a:ext cx="1372722" cy="2002004"/>
+          </a:xfrm>
+          <a:prstGeom prst="rect">
+            <a:avLst/>
+          </a:prstGeom>
+        </p:spPr>
+      </p:pic>
+      <p:pic>
+        <p:nvPicPr>
+          <p:cNvPr id="10" name="Picture 9" descr="images.png"/>
+          <p:cNvPicPr>
+            <a:picLocks noChangeAspect="1"/>
+          </p:cNvPicPr>
+          <p:nvPr/>
+        </p:nvPicPr>
+        <p:blipFill>
+          <a:blip r:embed="rId3">
+            <a:extLst>
+              <a:ext uri="{28A0092B-C50C-407E-A947-70E740481C1C}">
+                <a14:useLocalDpi xmlns:a14="http://schemas.microsoft.com/office/drawing/2010/main" val="0"/>
+              </a:ext>
+            </a:extLst>
+          </a:blip>
+          <a:stretch>
+            <a:fillRect/>
+          </a:stretch>
+        </p:blipFill>
+        <p:spPr>
+          <a:xfrm>
+            <a:off x="6108700" y="2672617"/>
+            <a:ext cx="3086100" cy="2641600"/>
+          </a:xfrm>
+          <a:prstGeom prst="rect">
+            <a:avLst/>
+          </a:prstGeom>
+        </p:spPr>
+      </p:pic>
+      <p:sp>
+        <p:nvSpPr>
+          <p:cNvPr id="4" name="TextBox 3"/>
+          <p:cNvSpPr txBox="1"/>
+          <p:nvPr/>
+        </p:nvSpPr>
+        <p:spPr>
+          <a:xfrm>
+            <a:off x="1834573" y="2672617"/>
+            <a:ext cx="5439574" cy="1015663"/>
+          </a:xfrm>
+          <a:prstGeom prst="rect">
+            <a:avLst/>
+          </a:prstGeom>
+          <a:noFill/>
+        </p:spPr>
+        <p:txBody>
+          <a:bodyPr wrap="square" rtlCol="0">
+            <a:spAutoFit/>
+          </a:bodyPr>
+          <a:lstStyle/>
+          <a:p>
+            <a:r>
+              <a:rPr lang="en-US" sz="2000" dirty="0" smtClean="0">
+                <a:solidFill>
+                  <a:srgbClr val="FF0000"/>
+                </a:solidFill>
+              </a:rPr>
+              <a:t>There were no months with discounts that had a particularly significant effect </a:t>
+            </a:r>
+            <a:r>
+              <a:rPr lang="en-US" sz="2000" dirty="0" smtClean="0">
+                <a:solidFill>
+                  <a:srgbClr val="7F7F7F"/>
+                </a:solidFill>
+              </a:rPr>
+              <a:t>on the total sales as compared to other months with discounts.</a:t>
+            </a:r>
+          </a:p>
+        </p:txBody>
+      </p:sp>
+      <p:sp>
+        <p:nvSpPr>
+          <p:cNvPr id="5" name="TextBox 4"/>
+          <p:cNvSpPr txBox="1"/>
+          <p:nvPr/>
+        </p:nvSpPr>
+        <p:spPr>
+          <a:xfrm>
+            <a:off x="872384" y="254889"/>
+            <a:ext cx="1359893" cy="1323439"/>
+          </a:xfrm>
+          <a:prstGeom prst="rect">
+            <a:avLst/>
+          </a:prstGeom>
+          <a:noFill/>
+        </p:spPr>
+        <p:txBody>
+          <a:bodyPr wrap="square" rtlCol="0">
+            <a:spAutoFit/>
+          </a:bodyPr>
+          <a:lstStyle/>
+          <a:p>
+            <a:r>
+              <a:rPr lang="en-US" sz="8000" b="1" dirty="0">
+                <a:solidFill>
+                  <a:srgbClr val="FF0000"/>
+                </a:solidFill>
+              </a:rPr>
+              <a:t>4</a:t>
+            </a:r>
+            <a:endParaRPr lang="en-US" sz="8000" b="1" dirty="0">
+              <a:solidFill>
+                <a:srgbClr val="FF0000"/>
+              </a:solidFill>
+            </a:endParaRPr>
+          </a:p>
+        </p:txBody>
+      </p:sp>
+    </p:spTree>
+    <p:extLst>
+      <p:ext uri="{BB962C8B-B14F-4D97-AF65-F5344CB8AC3E}">
+        <p14:creationId xmlns:p14="http://schemas.microsoft.com/office/powerpoint/2010/main" val="2276380942"/>
+      </p:ext>
+    </p:extLst>
+  </p:cSld>
+  <p:clrMapOvr>
+    <a:masterClrMapping/>
+  </p:clrMapOvr>
+  <p:timing>
+    <p:tnLst>
+      <p:par>
+        <p:cTn xmlns:p14="http://schemas.microsoft.com/office/powerpoint/2010/main" id="1" dur="indefinite" restart="never" nodeType="tmRoot"/>
+      </p:par>
+    </p:tnLst>
+  </p:timing>
+</p:sld>
+</file>
+
+<file path=ppt/slides/slide12.xml><?xml version="1.0" encoding="utf-8"?>
+<p:sld xmlns:a="http://schemas.openxmlformats.org/drawingml/2006/main" xmlns:r="http://schemas.openxmlformats.org/officeDocument/2006/relationships" xmlns:p="http://schemas.openxmlformats.org/presentationml/2006/main">
+  <p:cSld>
+    <p:spTree>
+      <p:nvGrpSpPr>
+        <p:cNvPr id="1" name=""/>
+        <p:cNvGrpSpPr/>
+        <p:nvPr/>
+      </p:nvGrpSpPr>
+      <p:grpSpPr>
+        <a:xfrm>
+          <a:off x="0" y="0"/>
+          <a:ext cx="0" cy="0"/>
+          <a:chOff x="0" y="0"/>
+          <a:chExt cx="0" cy="0"/>
+        </a:xfrm>
+      </p:grpSpPr>
+      <p:pic>
+        <p:nvPicPr>
+          <p:cNvPr id="4" name="Picture 3" descr="Screen Shot 2020-03-07 at 15.29.05.png"/>
+          <p:cNvPicPr>
+            <a:picLocks noChangeAspect="1"/>
+          </p:cNvPicPr>
+          <p:nvPr/>
+        </p:nvPicPr>
+        <p:blipFill>
+          <a:blip r:embed="rId2">
+            <a:extLst>
+              <a:ext uri="{28A0092B-C50C-407E-A947-70E740481C1C}">
+                <a14:useLocalDpi xmlns:a14="http://schemas.microsoft.com/office/drawing/2010/main" val="0"/>
+              </a:ext>
+            </a:extLst>
+          </a:blip>
+          <a:stretch>
+            <a:fillRect/>
+          </a:stretch>
+        </p:blipFill>
+        <p:spPr>
+          <a:xfrm>
+            <a:off x="533400" y="1143000"/>
+            <a:ext cx="8064500" cy="4559300"/>
+          </a:xfrm>
+          <a:prstGeom prst="rect">
+            <a:avLst/>
+          </a:prstGeom>
+        </p:spPr>
+      </p:pic>
+    </p:spTree>
+    <p:extLst>
+      <p:ext uri="{BB962C8B-B14F-4D97-AF65-F5344CB8AC3E}">
+        <p14:creationId xmlns:p14="http://schemas.microsoft.com/office/powerpoint/2010/main" val="3118551509"/>
+      </p:ext>
+    </p:extLst>
+  </p:cSld>
+  <p:clrMapOvr>
+    <a:masterClrMapping/>
+  </p:clrMapOvr>
+  <p:timing>
+    <p:tnLst>
+      <p:par>
+        <p:cTn xmlns:p14="http://schemas.microsoft.com/office/powerpoint/2010/main" id="1" dur="indefinite" restart="never" nodeType="tmRoot"/>
+      </p:par>
+    </p:tnLst>
+  </p:timing>
+</p:sld>
+</file>
+
+<file path=ppt/slides/slide13.xml><?xml version="1.0" encoding="utf-8"?>
+<p:sld xmlns:a="http://schemas.openxmlformats.org/drawingml/2006/main" xmlns:r="http://schemas.openxmlformats.org/officeDocument/2006/relationships" xmlns:p="http://schemas.openxmlformats.org/presentationml/2006/main">
+  <p:cSld>
+    <p:spTree>
+      <p:nvGrpSpPr>
+        <p:cNvPr id="1" name=""/>
+        <p:cNvGrpSpPr/>
+        <p:nvPr/>
+      </p:nvGrpSpPr>
+      <p:grpSpPr>
+        <a:xfrm>
+          <a:off x="0" y="0"/>
+          <a:ext cx="0" cy="0"/>
+          <a:chOff x="0" y="0"/>
+          <a:chExt cx="0" cy="0"/>
+        </a:xfrm>
+      </p:grpSpPr>
       <p:sp>
         <p:nvSpPr>
           <p:cNvPr id="2" name="Title 1"/>
@@ -3265,9 +3717,16 @@
             <p:ph idx="1"/>
           </p:nvPr>
         </p:nvSpPr>
-        <p:spPr/>
-        <p:txBody>
-          <a:bodyPr/>
+        <p:spPr>
+          <a:xfrm>
+            <a:off x="457200" y="1192976"/>
+            <a:ext cx="8229600" cy="4933188"/>
+          </a:xfrm>
+        </p:spPr>
+        <p:txBody>
+          <a:bodyPr>
+            <a:normAutofit fontScale="85000" lnSpcReduction="10000"/>
+          </a:bodyPr>
           <a:lstStyle/>
           <a:p>
             <a:r>
@@ -3278,10 +3737,8 @@
                   </a:schemeClr>
                 </a:solidFill>
               </a:rPr>
-              <a:t>The discount amounts 15%, 25%, 5%, 25% did not have significantly different effects.</a:t>
-            </a:r>
-          </a:p>
-          <a:p>
+              <a:t>The discount amounts 15%, 25%, 5%, 25% </a:t>
+            </a:r>
             <a:r>
               <a:rPr lang="en-US" dirty="0" smtClean="0">
                 <a:solidFill>
@@ -3290,8 +3747,138 @@
                   </a:schemeClr>
                 </a:solidFill>
               </a:rPr>
-              <a:t>Offering a 5% discount instead of 25% may be profitable as they both have similar effects on the quantity and total sale of products.</a:t>
-            </a:r>
+              <a:t>has sl</a:t>
+            </a:r>
+            <a:r>
+              <a:rPr lang="en-US" dirty="0" smtClean="0">
+                <a:solidFill>
+                  <a:schemeClr val="bg1">
+                    <a:lumMod val="50000"/>
+                  </a:schemeClr>
+                </a:solidFill>
+              </a:rPr>
+              <a:t>ight – medium effect on quantity ordered.</a:t>
+            </a:r>
+          </a:p>
+          <a:p>
+            <a:r>
+              <a:rPr lang="en-US" dirty="0">
+                <a:solidFill>
+                  <a:schemeClr val="bg1">
+                    <a:lumMod val="50000"/>
+                  </a:schemeClr>
+                </a:solidFill>
+              </a:rPr>
+              <a:t>The discount amounts </a:t>
+            </a:r>
+            <a:r>
+              <a:rPr lang="en-US" dirty="0" smtClean="0">
+                <a:solidFill>
+                  <a:schemeClr val="bg1">
+                    <a:lumMod val="50000"/>
+                  </a:schemeClr>
+                </a:solidFill>
+              </a:rPr>
+              <a:t>5</a:t>
+            </a:r>
+            <a:r>
+              <a:rPr lang="en-US" dirty="0">
+                <a:solidFill>
+                  <a:schemeClr val="bg1">
+                    <a:lumMod val="50000"/>
+                  </a:schemeClr>
+                </a:solidFill>
+              </a:rPr>
+              <a:t>%, 25% </a:t>
+            </a:r>
+            <a:r>
+              <a:rPr lang="en-US" dirty="0" smtClean="0">
+                <a:solidFill>
+                  <a:schemeClr val="bg1">
+                    <a:lumMod val="50000"/>
+                  </a:schemeClr>
+                </a:solidFill>
+              </a:rPr>
+              <a:t>had </a:t>
+            </a:r>
+            <a:r>
+              <a:rPr lang="en-US" dirty="0">
+                <a:solidFill>
+                  <a:schemeClr val="bg1">
+                    <a:lumMod val="50000"/>
+                  </a:schemeClr>
+                </a:solidFill>
+              </a:rPr>
+              <a:t>slight – medium effect on </a:t>
+            </a:r>
+            <a:r>
+              <a:rPr lang="en-US" dirty="0" smtClean="0">
+                <a:solidFill>
+                  <a:schemeClr val="bg1">
+                    <a:lumMod val="50000"/>
+                  </a:schemeClr>
+                </a:solidFill>
+              </a:rPr>
+              <a:t>total sales in an order.</a:t>
+            </a:r>
+            <a:endParaRPr lang="en-US" dirty="0" smtClean="0">
+              <a:solidFill>
+                <a:schemeClr val="bg1">
+                  <a:lumMod val="50000"/>
+                </a:schemeClr>
+              </a:solidFill>
+            </a:endParaRPr>
+          </a:p>
+          <a:p>
+            <a:r>
+              <a:rPr lang="en-US" dirty="0" smtClean="0">
+                <a:solidFill>
+                  <a:schemeClr val="bg1">
+                    <a:lumMod val="50000"/>
+                  </a:schemeClr>
+                </a:solidFill>
+              </a:rPr>
+              <a:t>Offering </a:t>
+            </a:r>
+            <a:r>
+              <a:rPr lang="en-US" dirty="0" smtClean="0">
+                <a:solidFill>
+                  <a:schemeClr val="bg1">
+                    <a:lumMod val="50000"/>
+                  </a:schemeClr>
+                </a:solidFill>
+              </a:rPr>
+              <a:t>a 5% discount instead of 25% may be profitable as they both have similar effects on the quantity and total sale of products</a:t>
+            </a:r>
+            <a:r>
+              <a:rPr lang="en-US" dirty="0" smtClean="0">
+                <a:solidFill>
+                  <a:schemeClr val="bg1">
+                    <a:lumMod val="50000"/>
+                  </a:schemeClr>
+                </a:solidFill>
+              </a:rPr>
+              <a:t>.</a:t>
+            </a:r>
+          </a:p>
+          <a:p>
+            <a:r>
+              <a:rPr lang="en-US" dirty="0" smtClean="0">
+                <a:solidFill>
+                  <a:schemeClr val="bg1">
+                    <a:lumMod val="50000"/>
+                  </a:schemeClr>
+                </a:solidFill>
+              </a:rPr>
+              <a:t>The discounted month does not have a significantly different effect to other discounted months.</a:t>
+            </a:r>
+            <a:endParaRPr lang="en-US" dirty="0" smtClean="0">
+              <a:solidFill>
+                <a:schemeClr val="bg1">
+                  <a:lumMod val="50000"/>
+                </a:schemeClr>
+              </a:solidFill>
+            </a:endParaRPr>
           </a:p>
           <a:p>
             <a:r>
@@ -3320,10 +3907,17 @@
   <p:clrMapOvr>
     <a:masterClrMapping/>
   </p:clrMapOvr>
+  <p:timing>
+    <p:tnLst>
+      <p:par>
+        <p:cTn xmlns:p14="http://schemas.microsoft.com/office/powerpoint/2010/main" id="1" dur="indefinite" restart="never" nodeType="tmRoot"/>
+      </p:par>
+    </p:tnLst>
+  </p:timing>
 </p:sld>
 </file>
 
-<file path=ppt/slides/slide11.xml><?xml version="1.0" encoding="utf-8"?>
+<file path=ppt/slides/slide14.xml><?xml version="1.0" encoding="utf-8"?>
 <p:sld xmlns:a="http://schemas.openxmlformats.org/drawingml/2006/main" xmlns:r="http://schemas.openxmlformats.org/officeDocument/2006/relationships" xmlns:p="http://schemas.openxmlformats.org/presentationml/2006/main">
   <p:cSld>
     <p:spTree>
@@ -3380,6 +3974,13 @@
   <p:clrMapOvr>
     <a:masterClrMapping/>
   </p:clrMapOvr>
+  <p:timing>
+    <p:tnLst>
+      <p:par>
+        <p:cTn xmlns:p14="http://schemas.microsoft.com/office/powerpoint/2010/main" id="1" dur="indefinite" restart="never" nodeType="tmRoot"/>
+      </p:par>
+    </p:tnLst>
+  </p:timing>
 </p:sld>
 </file>
 
@@ -3402,128 +4003,144 @@
       </p:grpSpPr>
       <p:sp>
         <p:nvSpPr>
-          <p:cNvPr id="2" name="Title 1"/>
-          <p:cNvSpPr>
-            <a:spLocks noGrp="1"/>
-          </p:cNvSpPr>
-          <p:nvPr>
-            <p:ph type="title"/>
-          </p:nvPr>
-        </p:nvSpPr>
-        <p:spPr>
-          <a:xfrm>
-            <a:off x="538827" y="2411603"/>
-            <a:ext cx="6760978" cy="3714559"/>
+          <p:cNvPr id="3" name="Content Placeholder 2"/>
+          <p:cNvSpPr>
+            <a:spLocks noGrp="1"/>
+          </p:cNvSpPr>
+          <p:nvPr>
+            <p:ph idx="1"/>
+          </p:nvPr>
+        </p:nvSpPr>
+        <p:spPr>
+          <a:xfrm>
+            <a:off x="457200" y="230898"/>
+            <a:ext cx="8229600" cy="5895265"/>
           </a:xfrm>
         </p:spPr>
         <p:txBody>
           <a:bodyPr/>
           <a:lstStyle/>
           <a:p>
-            <a:pPr algn="l"/>
-            <a:r>
-              <a:rPr lang="en-US" dirty="0" smtClean="0"/>
-              <a:t>Increase </a:t>
-            </a:r>
-            <a:br>
-              <a:rPr lang="en-US" dirty="0" smtClean="0"/>
-            </a:br>
-            <a:r>
-              <a:rPr lang="en-US" dirty="0" smtClean="0"/>
-              <a:t>	</a:t>
-            </a:r>
-            <a:r>
-              <a:rPr lang="en-US" sz="3200" dirty="0" smtClean="0"/>
-              <a:t>- Quantity of Products Ordered</a:t>
-            </a:r>
-            <a:br>
-              <a:rPr lang="en-US" sz="3200" dirty="0" smtClean="0"/>
-            </a:br>
-            <a:r>
-              <a:rPr lang="en-US" sz="3200" dirty="0" smtClean="0"/>
-              <a:t>	- Total Price Ordered</a:t>
-            </a:r>
-            <a:endParaRPr lang="en-US" sz="3200" dirty="0"/>
-          </a:p>
-        </p:txBody>
-      </p:sp>
-      <p:pic>
-        <p:nvPicPr>
-          <p:cNvPr id="8" name="Picture 7"/>
-          <p:cNvPicPr>
-            <a:picLocks noChangeAspect="1"/>
-          </p:cNvPicPr>
-          <p:nvPr/>
-        </p:nvPicPr>
-        <p:blipFill>
-          <a:blip r:embed="rId2">
-            <a:extLst>
-              <a:ext uri="{28A0092B-C50C-407E-A947-70E740481C1C}">
-                <a14:useLocalDpi xmlns:a14="http://schemas.microsoft.com/office/drawing/2010/main" val="0"/>
-              </a:ext>
-            </a:extLst>
-          </a:blip>
-          <a:stretch>
-            <a:fillRect/>
-          </a:stretch>
-        </p:blipFill>
-        <p:spPr>
-          <a:xfrm>
-            <a:off x="6331196" y="2851318"/>
-            <a:ext cx="1937217" cy="2988849"/>
-          </a:xfrm>
-          <a:prstGeom prst="rect">
-            <a:avLst/>
-          </a:prstGeom>
-        </p:spPr>
-      </p:pic>
-      <p:pic>
-        <p:nvPicPr>
-          <p:cNvPr id="10" name="Picture 9" descr="images.png"/>
-          <p:cNvPicPr>
-            <a:picLocks noChangeAspect="1"/>
-          </p:cNvPicPr>
-          <p:nvPr/>
-        </p:nvPicPr>
-        <p:blipFill>
-          <a:blip r:embed="rId3">
-            <a:extLst>
-              <a:ext uri="{28A0092B-C50C-407E-A947-70E740481C1C}">
-                <a14:useLocalDpi xmlns:a14="http://schemas.microsoft.com/office/drawing/2010/main" val="0"/>
-              </a:ext>
-            </a:extLst>
-          </a:blip>
-          <a:stretch>
-            <a:fillRect/>
-          </a:stretch>
-        </p:blipFill>
-        <p:spPr>
-          <a:xfrm>
-            <a:off x="3022600" y="196874"/>
-            <a:ext cx="3086100" cy="2641600"/>
-          </a:xfrm>
-          <a:prstGeom prst="rect">
-            <a:avLst/>
-          </a:prstGeom>
-        </p:spPr>
-      </p:pic>
+            <a:endParaRPr lang="en-US" dirty="0" smtClean="0"/>
+          </a:p>
+          <a:p>
+            <a:r>
+              <a:rPr lang="en-US" dirty="0" smtClean="0">
+                <a:solidFill>
+                  <a:srgbClr val="FF0000"/>
+                </a:solidFill>
+              </a:rPr>
+              <a:t>1] </a:t>
+            </a:r>
+            <a:r>
+              <a:rPr lang="en-US" dirty="0" smtClean="0">
+                <a:solidFill>
+                  <a:schemeClr val="tx1">
+                    <a:lumMod val="50000"/>
+                    <a:lumOff val="50000"/>
+                  </a:schemeClr>
+                </a:solidFill>
+              </a:rPr>
+              <a:t>Does Discount have a significant effect on the Quantity of products in an order?</a:t>
+            </a:r>
+          </a:p>
+          <a:p>
+            <a:r>
+              <a:rPr lang="en-US" dirty="0" smtClean="0">
+                <a:solidFill>
+                  <a:srgbClr val="FF0000"/>
+                </a:solidFill>
+              </a:rPr>
+              <a:t>2] </a:t>
+            </a:r>
+            <a:r>
+              <a:rPr lang="en-US" dirty="0" smtClean="0">
+                <a:solidFill>
+                  <a:schemeClr val="tx1">
+                    <a:lumMod val="50000"/>
+                    <a:lumOff val="50000"/>
+                  </a:schemeClr>
+                </a:solidFill>
+              </a:rPr>
+              <a:t>Does Discount have a significant effect on the Total Price paid in an order?</a:t>
+            </a:r>
+          </a:p>
+          <a:p>
+            <a:r>
+              <a:rPr lang="en-US" dirty="0" smtClean="0">
+                <a:solidFill>
+                  <a:srgbClr val="FF0000"/>
+                </a:solidFill>
+              </a:rPr>
+              <a:t>3] </a:t>
+            </a:r>
+            <a:r>
+              <a:rPr lang="en-US" dirty="0" smtClean="0">
+                <a:solidFill>
+                  <a:schemeClr val="tx1">
+                    <a:lumMod val="50000"/>
+                    <a:lumOff val="50000"/>
+                  </a:schemeClr>
+                </a:solidFill>
+              </a:rPr>
+              <a:t>Does any month with discounts have a significant effect on the Quantity in an order?</a:t>
+            </a:r>
+          </a:p>
+          <a:p>
+            <a:r>
+              <a:rPr lang="en-US" dirty="0" smtClean="0">
+                <a:solidFill>
+                  <a:srgbClr val="FF0000"/>
+                </a:solidFill>
+              </a:rPr>
+              <a:t>4] </a:t>
+            </a:r>
+            <a:r>
+              <a:rPr lang="en-US" dirty="0">
+                <a:solidFill>
+                  <a:schemeClr val="tx1">
+                    <a:lumMod val="50000"/>
+                    <a:lumOff val="50000"/>
+                  </a:schemeClr>
+                </a:solidFill>
+              </a:rPr>
+              <a:t>Does any month with discounts have a significant effect on the </a:t>
+            </a:r>
+            <a:r>
+              <a:rPr lang="en-US" dirty="0" smtClean="0">
+                <a:solidFill>
+                  <a:schemeClr val="tx1">
+                    <a:lumMod val="50000"/>
+                    <a:lumOff val="50000"/>
+                  </a:schemeClr>
+                </a:solidFill>
+              </a:rPr>
+              <a:t>Total Price paid in an order?</a:t>
+            </a:r>
+            <a:endParaRPr lang="en-US" dirty="0">
+              <a:solidFill>
+                <a:schemeClr val="tx1">
+                  <a:lumMod val="50000"/>
+                  <a:lumOff val="50000"/>
+                </a:schemeClr>
+              </a:solidFill>
+            </a:endParaRPr>
+          </a:p>
+          <a:p>
+            <a:endParaRPr lang="en-US" dirty="0"/>
+          </a:p>
+        </p:txBody>
+      </p:sp>
     </p:spTree>
     <p:extLst>
       <p:ext uri="{BB962C8B-B14F-4D97-AF65-F5344CB8AC3E}">
-        <p14:creationId xmlns:p14="http://schemas.microsoft.com/office/powerpoint/2010/main" val="3212176887"/>
+        <p14:creationId xmlns:p14="http://schemas.microsoft.com/office/powerpoint/2010/main" val="1890072544"/>
       </p:ext>
     </p:extLst>
   </p:cSld>
   <p:clrMapOvr>
     <a:masterClrMapping/>
   </p:clrMapOvr>
-  <p:timing>
-    <p:tnLst>
-      <p:par>
-        <p:cTn xmlns:p14="http://schemas.microsoft.com/office/powerpoint/2010/main" id="1" dur="indefinite" restart="never" nodeType="tmRoot"/>
-      </p:par>
-    </p:tnLst>
-  </p:timing>
 </p:sld>
 </file>
 
@@ -3561,7 +4178,11 @@
           <a:p>
             <a:r>
               <a:rPr lang="en-US" dirty="0" smtClean="0"/>
-              <a:t>Orders Detail</a:t>
+              <a:t>Data </a:t>
+            </a:r>
+            <a:r>
+              <a:rPr lang="en-US" dirty="0" err="1" smtClean="0"/>
+              <a:t>Analysed</a:t>
             </a:r>
             <a:endParaRPr lang="en-US" dirty="0"/>
           </a:p>
@@ -3658,70 +4279,7 @@
             <a:pPr marL="0" indent="0">
               <a:buNone/>
             </a:pPr>
-            <a:r>
-              <a:rPr lang="en-US" dirty="0" smtClean="0">
-                <a:solidFill>
-                  <a:schemeClr val="tx1">
-                    <a:lumMod val="65000"/>
-                    <a:lumOff val="35000"/>
-                  </a:schemeClr>
-                </a:solidFill>
-              </a:rPr>
-              <a:t>Shipped to France, Germany, Brazil, Switzerland</a:t>
-            </a:r>
-          </a:p>
-          <a:p>
-            <a:pPr marL="0" indent="0">
-              <a:buNone/>
-            </a:pPr>
             <a:endParaRPr lang="en-US" dirty="0"/>
-          </a:p>
-        </p:txBody>
-      </p:sp>
-      <p:sp>
-        <p:nvSpPr>
-          <p:cNvPr id="5" name="Right Arrow 4"/>
-          <p:cNvSpPr/>
-          <p:nvPr/>
-        </p:nvSpPr>
-        <p:spPr>
-          <a:xfrm>
-            <a:off x="1497624" y="4074851"/>
-            <a:ext cx="978408" cy="484632"/>
-          </a:xfrm>
-          <a:prstGeom prst="rightArrow">
-            <a:avLst/>
-          </a:prstGeom>
-          <a:solidFill>
-            <a:schemeClr val="accent3">
-              <a:lumMod val="20000"/>
-              <a:lumOff val="80000"/>
-            </a:schemeClr>
-          </a:solidFill>
-          <a:ln>
-            <a:noFill/>
-          </a:ln>
-        </p:spPr>
-        <p:style>
-          <a:lnRef idx="1">
-            <a:schemeClr val="accent1"/>
-          </a:lnRef>
-          <a:fillRef idx="3">
-            <a:schemeClr val="accent1"/>
-          </a:fillRef>
-          <a:effectRef idx="2">
-            <a:schemeClr val="accent1"/>
-          </a:effectRef>
-          <a:fontRef idx="minor">
-            <a:schemeClr val="lt1"/>
-          </a:fontRef>
-        </p:style>
-        <p:txBody>
-          <a:bodyPr rtlCol="0" anchor="ctr"/>
-          <a:lstStyle/>
-          <a:p>
-            <a:pPr algn="ctr"/>
-            <a:endParaRPr lang="en-US"/>
           </a:p>
         </p:txBody>
       </p:sp>
@@ -3915,23 +4473,247 @@
         </p:nvSpPr>
         <p:spPr>
           <a:xfrm>
-            <a:off x="457200" y="274638"/>
-            <a:ext cx="8229600" cy="1841930"/>
-          </a:xfrm>
-        </p:spPr>
-        <p:txBody>
-          <a:bodyPr/>
-          <a:lstStyle/>
-          <a:p>
-            <a:r>
-              <a:rPr lang="en-US" dirty="0" smtClean="0">
+            <a:off x="1693452" y="252643"/>
+            <a:ext cx="6684004" cy="1517578"/>
+          </a:xfrm>
+        </p:spPr>
+        <p:txBody>
+          <a:bodyPr>
+            <a:normAutofit/>
+          </a:bodyPr>
+          <a:lstStyle/>
+          <a:p>
+            <a:pPr algn="l"/>
+            <a:r>
+              <a:rPr lang="en-US" sz="3200" dirty="0" smtClean="0">
+                <a:solidFill>
+                  <a:srgbClr val="7F7F7F"/>
+                </a:solidFill>
+              </a:rPr>
+              <a:t>Discount effect on </a:t>
+            </a:r>
+            <a:r>
+              <a:rPr lang="en-US" sz="3200" u="sng" dirty="0" smtClean="0">
+                <a:solidFill>
+                  <a:srgbClr val="7F7F7F"/>
+                </a:solidFill>
+              </a:rPr>
+              <a:t>Quantity</a:t>
+            </a:r>
+            <a:r>
+              <a:rPr lang="en-US" sz="3200" dirty="0" smtClean="0">
+                <a:solidFill>
+                  <a:srgbClr val="7F7F7F"/>
+                </a:solidFill>
+              </a:rPr>
+              <a:t> </a:t>
+            </a:r>
+            <a:r>
+              <a:rPr lang="en-US" sz="3200" dirty="0">
+                <a:solidFill>
+                  <a:srgbClr val="7F7F7F"/>
+                </a:solidFill>
+              </a:rPr>
+              <a:t>of </a:t>
+            </a:r>
+            <a:r>
+              <a:rPr lang="en-US" sz="3200" dirty="0" smtClean="0">
+                <a:solidFill>
+                  <a:srgbClr val="7F7F7F"/>
+                </a:solidFill>
+              </a:rPr>
+              <a:t/>
+            </a:r>
+            <a:br>
+              <a:rPr lang="en-US" sz="3200" dirty="0" smtClean="0">
+                <a:solidFill>
+                  <a:srgbClr val="7F7F7F"/>
+                </a:solidFill>
+              </a:rPr>
+            </a:br>
+            <a:r>
+              <a:rPr lang="en-US" sz="3200" dirty="0" smtClean="0">
+                <a:solidFill>
+                  <a:srgbClr val="7F7F7F"/>
+                </a:solidFill>
+              </a:rPr>
+              <a:t>products in </a:t>
+            </a:r>
+            <a:r>
+              <a:rPr lang="en-US" sz="3200" dirty="0">
+                <a:solidFill>
+                  <a:srgbClr val="7F7F7F"/>
+                </a:solidFill>
+              </a:rPr>
+              <a:t>an order</a:t>
+            </a:r>
+            <a:endParaRPr lang="en-US" sz="3200" dirty="0">
+              <a:solidFill>
+                <a:srgbClr val="7F7F7F"/>
+              </a:solidFill>
+            </a:endParaRPr>
+          </a:p>
+        </p:txBody>
+      </p:sp>
+      <p:pic>
+        <p:nvPicPr>
+          <p:cNvPr id="8" name="Picture 7"/>
+          <p:cNvPicPr>
+            <a:picLocks noChangeAspect="1"/>
+          </p:cNvPicPr>
+          <p:nvPr/>
+        </p:nvPicPr>
+        <p:blipFill>
+          <a:blip r:embed="rId2">
+            <a:extLst>
+              <a:ext uri="{28A0092B-C50C-407E-A947-70E740481C1C}">
+                <a14:useLocalDpi xmlns:a14="http://schemas.microsoft.com/office/drawing/2010/main" val="0"/>
+              </a:ext>
+            </a:extLst>
+          </a:blip>
+          <a:stretch>
+            <a:fillRect/>
+          </a:stretch>
+        </p:blipFill>
+        <p:spPr>
+          <a:xfrm>
+            <a:off x="7004734" y="252643"/>
+            <a:ext cx="1372722" cy="2002004"/>
+          </a:xfrm>
+          <a:prstGeom prst="rect">
+            <a:avLst/>
+          </a:prstGeom>
+        </p:spPr>
+      </p:pic>
+      <p:pic>
+        <p:nvPicPr>
+          <p:cNvPr id="10" name="Picture 9" descr="images.png"/>
+          <p:cNvPicPr>
+            <a:picLocks noChangeAspect="1"/>
+          </p:cNvPicPr>
+          <p:nvPr/>
+        </p:nvPicPr>
+        <p:blipFill>
+          <a:blip r:embed="rId3">
+            <a:extLst>
+              <a:ext uri="{28A0092B-C50C-407E-A947-70E740481C1C}">
+                <a14:useLocalDpi xmlns:a14="http://schemas.microsoft.com/office/drawing/2010/main" val="0"/>
+              </a:ext>
+            </a:extLst>
+          </a:blip>
+          <a:stretch>
+            <a:fillRect/>
+          </a:stretch>
+        </p:blipFill>
+        <p:spPr>
+          <a:xfrm>
+            <a:off x="6108700" y="2672617"/>
+            <a:ext cx="3086100" cy="2641600"/>
+          </a:xfrm>
+          <a:prstGeom prst="rect">
+            <a:avLst/>
+          </a:prstGeom>
+        </p:spPr>
+      </p:pic>
+      <p:sp>
+        <p:nvSpPr>
+          <p:cNvPr id="4" name="TextBox 3"/>
+          <p:cNvSpPr txBox="1"/>
+          <p:nvPr/>
+        </p:nvSpPr>
+        <p:spPr>
+          <a:xfrm>
+            <a:off x="1834573" y="2672617"/>
+            <a:ext cx="5439574" cy="984885"/>
+          </a:xfrm>
+          <a:prstGeom prst="rect">
+            <a:avLst/>
+          </a:prstGeom>
+          <a:noFill/>
+        </p:spPr>
+        <p:txBody>
+          <a:bodyPr wrap="square" rtlCol="0">
+            <a:spAutoFit/>
+          </a:bodyPr>
+          <a:lstStyle/>
+          <a:p>
+            <a:r>
+              <a:rPr lang="en-US" sz="2000" dirty="0">
+                <a:solidFill>
+                  <a:srgbClr val="7F7F7F"/>
+                </a:solidFill>
+              </a:rPr>
+              <a:t>Discount had a </a:t>
+            </a:r>
+            <a:r>
+              <a:rPr lang="en-US" sz="2000" b="1" dirty="0">
                 <a:solidFill>
                   <a:srgbClr val="FF0000"/>
                 </a:solidFill>
               </a:rPr>
-              <a:t>RESULTS</a:t>
-            </a:r>
-            <a:endParaRPr lang="en-US" dirty="0">
+              <a:t>slight - medium</a:t>
+            </a:r>
+            <a:r>
+              <a:rPr lang="en-US" sz="2000" dirty="0">
+                <a:solidFill>
+                  <a:srgbClr val="7F7F7F"/>
+                </a:solidFill>
+              </a:rPr>
+              <a:t> effect on the </a:t>
+            </a:r>
+            <a:r>
+              <a:rPr lang="en-US" sz="2000" dirty="0" smtClean="0">
+                <a:solidFill>
+                  <a:srgbClr val="7F7F7F"/>
+                </a:solidFill>
+              </a:rPr>
+              <a:t>quantity of </a:t>
+            </a:r>
+            <a:r>
+              <a:rPr lang="en-US" sz="2000" dirty="0">
+                <a:solidFill>
+                  <a:srgbClr val="7F7F7F"/>
+                </a:solidFill>
+              </a:rPr>
+              <a:t>products in an order</a:t>
+            </a:r>
+          </a:p>
+          <a:p>
+            <a:endParaRPr lang="en-US" dirty="0"/>
+          </a:p>
+        </p:txBody>
+      </p:sp>
+      <p:sp>
+        <p:nvSpPr>
+          <p:cNvPr id="5" name="TextBox 4"/>
+          <p:cNvSpPr txBox="1"/>
+          <p:nvPr/>
+        </p:nvSpPr>
+        <p:spPr>
+          <a:xfrm>
+            <a:off x="872384" y="254889"/>
+            <a:ext cx="1359893" cy="1323439"/>
+          </a:xfrm>
+          <a:prstGeom prst="rect">
+            <a:avLst/>
+          </a:prstGeom>
+          <a:noFill/>
+        </p:spPr>
+        <p:txBody>
+          <a:bodyPr wrap="square" rtlCol="0">
+            <a:spAutoFit/>
+          </a:bodyPr>
+          <a:lstStyle/>
+          <a:p>
+            <a:r>
+              <a:rPr lang="en-US" sz="8000" b="1" dirty="0" smtClean="0">
+                <a:solidFill>
+                  <a:srgbClr val="FF0000"/>
+                </a:solidFill>
+              </a:rPr>
+              <a:t>1</a:t>
+            </a:r>
+            <a:endParaRPr lang="en-US" sz="8000" b="1" dirty="0">
               <a:solidFill>
                 <a:srgbClr val="FF0000"/>
               </a:solidFill>
@@ -3939,86 +4721,10 @@
           </a:p>
         </p:txBody>
       </p:sp>
-      <p:sp>
-        <p:nvSpPr>
-          <p:cNvPr id="3" name="Content Placeholder 2"/>
-          <p:cNvSpPr>
-            <a:spLocks noGrp="1"/>
-          </p:cNvSpPr>
-          <p:nvPr>
-            <p:ph idx="1"/>
-          </p:nvPr>
-        </p:nvSpPr>
-        <p:spPr>
-          <a:xfrm>
-            <a:off x="457200" y="2847745"/>
-            <a:ext cx="8229600" cy="3278417"/>
-          </a:xfrm>
-        </p:spPr>
-        <p:txBody>
-          <a:bodyPr/>
-          <a:lstStyle/>
-          <a:p>
-            <a:pPr marL="0" indent="0">
-              <a:buNone/>
-            </a:pPr>
-            <a:r>
-              <a:rPr lang="en-US" dirty="0" smtClean="0">
-                <a:solidFill>
-                  <a:srgbClr val="7F7F7F"/>
-                </a:solidFill>
-              </a:rPr>
-              <a:t>	Discount had a </a:t>
-            </a:r>
-            <a:r>
-              <a:rPr lang="en-US" b="1" dirty="0" smtClean="0">
-                <a:solidFill>
-                  <a:srgbClr val="FF0000"/>
-                </a:solidFill>
-              </a:rPr>
-              <a:t>slight</a:t>
-            </a:r>
-            <a:r>
-              <a:rPr lang="en-US" dirty="0" smtClean="0">
-                <a:solidFill>
-                  <a:srgbClr val="7F7F7F"/>
-                </a:solidFill>
-              </a:rPr>
-              <a:t> effect on the quantity </a:t>
-            </a:r>
-          </a:p>
-          <a:p>
-            <a:pPr marL="0" indent="0">
-              <a:buNone/>
-            </a:pPr>
-            <a:r>
-              <a:rPr lang="en-US" dirty="0">
-                <a:solidFill>
-                  <a:srgbClr val="7F7F7F"/>
-                </a:solidFill>
-              </a:rPr>
-              <a:t>	</a:t>
-            </a:r>
-            <a:r>
-              <a:rPr lang="en-US" dirty="0" smtClean="0">
-                <a:solidFill>
-                  <a:srgbClr val="7F7F7F"/>
-                </a:solidFill>
-              </a:rPr>
-              <a:t>or 	total price of products in an order</a:t>
-            </a:r>
-            <a:endParaRPr lang="en-US" dirty="0">
-              <a:solidFill>
-                <a:srgbClr val="7F7F7F"/>
-              </a:solidFill>
-            </a:endParaRPr>
-          </a:p>
-        </p:txBody>
-      </p:sp>
     </p:spTree>
     <p:extLst>
       <p:ext uri="{BB962C8B-B14F-4D97-AF65-F5344CB8AC3E}">
-        <p14:creationId xmlns:p14="http://schemas.microsoft.com/office/powerpoint/2010/main" val="1040074888"/>
+        <p14:creationId xmlns:p14="http://schemas.microsoft.com/office/powerpoint/2010/main" val="3212176887"/>
       </p:ext>
     </p:extLst>
   </p:cSld>
@@ -4052,9 +4758,198 @@
           <a:chExt cx="0" cy="0"/>
         </a:xfrm>
       </p:grpSpPr>
+      <p:sp>
+        <p:nvSpPr>
+          <p:cNvPr id="2" name="Title 1"/>
+          <p:cNvSpPr>
+            <a:spLocks noGrp="1"/>
+          </p:cNvSpPr>
+          <p:nvPr>
+            <p:ph type="title"/>
+          </p:nvPr>
+        </p:nvSpPr>
+        <p:spPr>
+          <a:xfrm>
+            <a:off x="2463202" y="274638"/>
+            <a:ext cx="6223597" cy="1143000"/>
+          </a:xfrm>
+        </p:spPr>
+        <p:txBody>
+          <a:bodyPr/>
+          <a:lstStyle/>
+          <a:p>
+            <a:r>
+              <a:rPr lang="en-US" dirty="0" smtClean="0">
+                <a:solidFill>
+                  <a:srgbClr val="FF0000"/>
+                </a:solidFill>
+              </a:rPr>
+              <a:t>Most Effective Discounts?</a:t>
+            </a:r>
+            <a:endParaRPr lang="en-US" dirty="0">
+              <a:solidFill>
+                <a:srgbClr val="FF0000"/>
+              </a:solidFill>
+            </a:endParaRPr>
+          </a:p>
+        </p:txBody>
+      </p:sp>
+      <p:sp>
+        <p:nvSpPr>
+          <p:cNvPr id="3" name="Content Placeholder 2"/>
+          <p:cNvSpPr>
+            <a:spLocks noGrp="1"/>
+          </p:cNvSpPr>
+          <p:nvPr>
+            <p:ph idx="1"/>
+          </p:nvPr>
+        </p:nvSpPr>
+        <p:spPr>
+          <a:xfrm>
+            <a:off x="3603235" y="2123161"/>
+            <a:ext cx="5083565" cy="4495923"/>
+          </a:xfrm>
+        </p:spPr>
+        <p:txBody>
+          <a:bodyPr>
+            <a:normAutofit/>
+          </a:bodyPr>
+          <a:lstStyle/>
+          <a:p>
+            <a:pPr marL="0" indent="0">
+              <a:buNone/>
+            </a:pPr>
+            <a:r>
+              <a:rPr lang="en-US" dirty="0" smtClean="0"/>
+              <a:t>				</a:t>
+            </a:r>
+            <a:r>
+              <a:rPr lang="en-US" dirty="0" smtClean="0">
+                <a:solidFill>
+                  <a:srgbClr val="FF0000"/>
+                </a:solidFill>
+              </a:rPr>
+              <a:t>1</a:t>
+            </a:r>
+            <a:r>
+              <a:rPr lang="en-US" dirty="0" smtClean="0"/>
+              <a:t>		15</a:t>
+            </a:r>
+            <a:r>
+              <a:rPr lang="en-US" dirty="0"/>
+              <a:t>%</a:t>
+            </a:r>
+          </a:p>
+          <a:p>
+            <a:pPr marL="0" indent="0">
+              <a:buNone/>
+            </a:pPr>
+            <a:r>
+              <a:rPr lang="en-US" dirty="0" smtClean="0"/>
+              <a:t>				</a:t>
+            </a:r>
+            <a:r>
+              <a:rPr lang="en-US" dirty="0" smtClean="0">
+                <a:solidFill>
+                  <a:srgbClr val="FF0000"/>
+                </a:solidFill>
+              </a:rPr>
+              <a:t>2</a:t>
+            </a:r>
+            <a:r>
+              <a:rPr lang="en-US" dirty="0" smtClean="0"/>
+              <a:t>		25%</a:t>
+            </a:r>
+          </a:p>
+          <a:p>
+            <a:pPr marL="0" indent="0">
+              <a:buNone/>
+            </a:pPr>
+            <a:r>
+              <a:rPr lang="en-US" dirty="0"/>
+              <a:t>	</a:t>
+            </a:r>
+            <a:r>
+              <a:rPr lang="en-US" dirty="0" smtClean="0"/>
+              <a:t>			</a:t>
+            </a:r>
+            <a:r>
+              <a:rPr lang="en-US" dirty="0" smtClean="0">
+                <a:solidFill>
+                  <a:srgbClr val="FF0000"/>
+                </a:solidFill>
+              </a:rPr>
+              <a:t>3</a:t>
+            </a:r>
+            <a:r>
+              <a:rPr lang="en-US" dirty="0" smtClean="0"/>
+              <a:t>		5%</a:t>
+            </a:r>
+          </a:p>
+          <a:p>
+            <a:pPr marL="0" indent="0">
+              <a:buNone/>
+            </a:pPr>
+            <a:r>
+              <a:rPr lang="en-US" dirty="0"/>
+              <a:t>	</a:t>
+            </a:r>
+            <a:r>
+              <a:rPr lang="en-US" dirty="0" smtClean="0"/>
+              <a:t>			</a:t>
+            </a:r>
+            <a:r>
+              <a:rPr lang="en-US" dirty="0" smtClean="0">
+                <a:solidFill>
+                  <a:srgbClr val="FF0000"/>
+                </a:solidFill>
+              </a:rPr>
+              <a:t>4</a:t>
+            </a:r>
+            <a:r>
+              <a:rPr lang="en-US" dirty="0" smtClean="0"/>
+              <a:t>		20</a:t>
+            </a:r>
+            <a:r>
+              <a:rPr lang="en-US" dirty="0" smtClean="0"/>
+              <a:t>%</a:t>
+            </a:r>
+          </a:p>
+          <a:p>
+            <a:pPr marL="0" indent="0">
+              <a:buNone/>
+            </a:pPr>
+            <a:endParaRPr lang="en-US" dirty="0"/>
+          </a:p>
+          <a:p>
+            <a:pPr marL="0" indent="0">
+              <a:buNone/>
+            </a:pPr>
+            <a:r>
+              <a:rPr lang="en-US" dirty="0" smtClean="0">
+                <a:solidFill>
+                  <a:srgbClr val="7F7F7F"/>
+                </a:solidFill>
+              </a:rPr>
+              <a:t>Discounts were of similar effect</a:t>
+            </a:r>
+            <a:endParaRPr lang="en-US" dirty="0">
+              <a:solidFill>
+                <a:srgbClr val="7F7F7F"/>
+              </a:solidFill>
+            </a:endParaRPr>
+          </a:p>
+          <a:p>
+            <a:pPr marL="0" indent="0">
+              <a:buNone/>
+            </a:pPr>
+            <a:endParaRPr lang="en-US" dirty="0"/>
+          </a:p>
+        </p:txBody>
+      </p:sp>
       <p:pic>
         <p:nvPicPr>
-          <p:cNvPr id="4" name="Picture 3" descr="Screen Shot 2020-03-07 at 15.30.16.png"/>
+          <p:cNvPr id="4" name="Picture 3" descr="discounts.jpg"/>
           <p:cNvPicPr>
             <a:picLocks noChangeAspect="1"/>
           </p:cNvPicPr>
@@ -4074,8 +4969,38 @@
         </p:blipFill>
         <p:spPr>
           <a:xfrm>
-            <a:off x="0" y="1092200"/>
-            <a:ext cx="9144000" cy="4651513"/>
+            <a:off x="946149" y="274638"/>
+            <a:ext cx="1517053" cy="1438425"/>
+          </a:xfrm>
+          <a:prstGeom prst="rect">
+            <a:avLst/>
+          </a:prstGeom>
+        </p:spPr>
+      </p:pic>
+      <p:pic>
+        <p:nvPicPr>
+          <p:cNvPr id="6" name="Picture 5" descr="Screen Shot 2020-03-08 at 21.44.04.png"/>
+          <p:cNvPicPr>
+            <a:picLocks noChangeAspect="1"/>
+          </p:cNvPicPr>
+          <p:nvPr/>
+        </p:nvPicPr>
+        <p:blipFill>
+          <a:blip r:embed="rId3">
+            <a:extLst>
+              <a:ext uri="{28A0092B-C50C-407E-A947-70E740481C1C}">
+                <a14:useLocalDpi xmlns:a14="http://schemas.microsoft.com/office/drawing/2010/main" val="0"/>
+              </a:ext>
+            </a:extLst>
+          </a:blip>
+          <a:stretch>
+            <a:fillRect/>
+          </a:stretch>
+        </p:blipFill>
+        <p:spPr>
+          <a:xfrm>
+            <a:off x="633490" y="2123161"/>
+            <a:ext cx="4144000" cy="2800844"/>
           </a:xfrm>
           <a:prstGeom prst="rect">
             <a:avLst/>
@@ -4085,7 +5010,7 @@
     </p:spTree>
     <p:extLst>
       <p:ext uri="{BB962C8B-B14F-4D97-AF65-F5344CB8AC3E}">
-        <p14:creationId xmlns:p14="http://schemas.microsoft.com/office/powerpoint/2010/main" val="3862027461"/>
+        <p14:creationId xmlns:p14="http://schemas.microsoft.com/office/powerpoint/2010/main" val="3881791542"/>
       </p:ext>
     </p:extLst>
   </p:cSld>
@@ -4140,226 +5065,6 @@
                   <a:srgbClr val="FF0000"/>
                 </a:solidFill>
               </a:rPr>
-              <a:t>Most Effective Discounts?</a:t>
-            </a:r>
-            <a:endParaRPr lang="en-US" dirty="0">
-              <a:solidFill>
-                <a:srgbClr val="FF0000"/>
-              </a:solidFill>
-            </a:endParaRPr>
-          </a:p>
-        </p:txBody>
-      </p:sp>
-      <p:sp>
-        <p:nvSpPr>
-          <p:cNvPr id="3" name="Content Placeholder 2"/>
-          <p:cNvSpPr>
-            <a:spLocks noGrp="1"/>
-          </p:cNvSpPr>
-          <p:nvPr>
-            <p:ph idx="1"/>
-          </p:nvPr>
-        </p:nvSpPr>
-        <p:spPr>
-          <a:xfrm>
-            <a:off x="3603235" y="2123161"/>
-            <a:ext cx="5083565" cy="2816621"/>
-          </a:xfrm>
-        </p:spPr>
-        <p:txBody>
-          <a:bodyPr>
-            <a:normAutofit/>
-          </a:bodyPr>
-          <a:lstStyle/>
-          <a:p>
-            <a:pPr marL="0" indent="0">
-              <a:buNone/>
-            </a:pPr>
-            <a:r>
-              <a:rPr lang="en-US" dirty="0" smtClean="0"/>
-              <a:t>				</a:t>
-            </a:r>
-            <a:r>
-              <a:rPr lang="en-US" dirty="0" smtClean="0">
-                <a:solidFill>
-                  <a:srgbClr val="FF0000"/>
-                </a:solidFill>
-              </a:rPr>
-              <a:t>1</a:t>
-            </a:r>
-            <a:r>
-              <a:rPr lang="en-US" dirty="0" smtClean="0"/>
-              <a:t>		15</a:t>
-            </a:r>
-            <a:r>
-              <a:rPr lang="en-US" dirty="0"/>
-              <a:t>%</a:t>
-            </a:r>
-          </a:p>
-          <a:p>
-            <a:pPr marL="0" indent="0">
-              <a:buNone/>
-            </a:pPr>
-            <a:r>
-              <a:rPr lang="en-US" dirty="0" smtClean="0"/>
-              <a:t>				</a:t>
-            </a:r>
-            <a:r>
-              <a:rPr lang="en-US" dirty="0" smtClean="0">
-                <a:solidFill>
-                  <a:srgbClr val="FF0000"/>
-                </a:solidFill>
-              </a:rPr>
-              <a:t>2</a:t>
-            </a:r>
-            <a:r>
-              <a:rPr lang="en-US" dirty="0" smtClean="0"/>
-              <a:t>		25%</a:t>
-            </a:r>
-          </a:p>
-          <a:p>
-            <a:pPr marL="0" indent="0">
-              <a:buNone/>
-            </a:pPr>
-            <a:r>
-              <a:rPr lang="en-US" dirty="0"/>
-              <a:t>	</a:t>
-            </a:r>
-            <a:r>
-              <a:rPr lang="en-US" dirty="0" smtClean="0"/>
-              <a:t>			</a:t>
-            </a:r>
-            <a:r>
-              <a:rPr lang="en-US" dirty="0" smtClean="0">
-                <a:solidFill>
-                  <a:srgbClr val="FF0000"/>
-                </a:solidFill>
-              </a:rPr>
-              <a:t>3</a:t>
-            </a:r>
-            <a:r>
-              <a:rPr lang="en-US" dirty="0" smtClean="0"/>
-              <a:t>		5%</a:t>
-            </a:r>
-          </a:p>
-          <a:p>
-            <a:pPr marL="0" indent="0">
-              <a:buNone/>
-            </a:pPr>
-            <a:r>
-              <a:rPr lang="en-US" dirty="0"/>
-              <a:t>	</a:t>
-            </a:r>
-            <a:r>
-              <a:rPr lang="en-US" dirty="0" smtClean="0"/>
-              <a:t>			</a:t>
-            </a:r>
-            <a:r>
-              <a:rPr lang="en-US" dirty="0" smtClean="0">
-                <a:solidFill>
-                  <a:srgbClr val="FF0000"/>
-                </a:solidFill>
-              </a:rPr>
-              <a:t>4</a:t>
-            </a:r>
-            <a:r>
-              <a:rPr lang="en-US" dirty="0" smtClean="0"/>
-              <a:t>		20</a:t>
-            </a:r>
-            <a:r>
-              <a:rPr lang="en-US" dirty="0"/>
-              <a:t>%</a:t>
-            </a:r>
-          </a:p>
-          <a:p>
-            <a:pPr marL="0" indent="0">
-              <a:buNone/>
-            </a:pPr>
-            <a:endParaRPr lang="en-US" dirty="0"/>
-          </a:p>
-        </p:txBody>
-      </p:sp>
-      <p:pic>
-        <p:nvPicPr>
-          <p:cNvPr id="4" name="Picture 3" descr="discounts.jpg"/>
-          <p:cNvPicPr>
-            <a:picLocks noChangeAspect="1"/>
-          </p:cNvPicPr>
-          <p:nvPr/>
-        </p:nvPicPr>
-        <p:blipFill>
-          <a:blip r:embed="rId2">
-            <a:extLst>
-              <a:ext uri="{28A0092B-C50C-407E-A947-70E740481C1C}">
-                <a14:useLocalDpi xmlns:a14="http://schemas.microsoft.com/office/drawing/2010/main" val="0"/>
-              </a:ext>
-            </a:extLst>
-          </a:blip>
-          <a:stretch>
-            <a:fillRect/>
-          </a:stretch>
-        </p:blipFill>
-        <p:spPr>
-          <a:xfrm>
-            <a:off x="997467" y="2123161"/>
-            <a:ext cx="3079004" cy="2919421"/>
-          </a:xfrm>
-          <a:prstGeom prst="rect">
-            <a:avLst/>
-          </a:prstGeom>
-        </p:spPr>
-      </p:pic>
-    </p:spTree>
-    <p:extLst>
-      <p:ext uri="{BB962C8B-B14F-4D97-AF65-F5344CB8AC3E}">
-        <p14:creationId xmlns:p14="http://schemas.microsoft.com/office/powerpoint/2010/main" val="3881791542"/>
-      </p:ext>
-    </p:extLst>
-  </p:cSld>
-  <p:clrMapOvr>
-    <a:masterClrMapping/>
-  </p:clrMapOvr>
-</p:sld>
-</file>
-
-<file path=ppt/slides/slide7.xml><?xml version="1.0" encoding="utf-8"?>
-<p:sld xmlns:a="http://schemas.openxmlformats.org/drawingml/2006/main" xmlns:r="http://schemas.openxmlformats.org/officeDocument/2006/relationships" xmlns:p="http://schemas.openxmlformats.org/presentationml/2006/main">
-  <p:cSld>
-    <p:spTree>
-      <p:nvGrpSpPr>
-        <p:cNvPr id="1" name=""/>
-        <p:cNvGrpSpPr/>
-        <p:nvPr/>
-      </p:nvGrpSpPr>
-      <p:grpSpPr>
-        <a:xfrm>
-          <a:off x="0" y="0"/>
-          <a:ext cx="0" cy="0"/>
-          <a:chOff x="0" y="0"/>
-          <a:chExt cx="0" cy="0"/>
-        </a:xfrm>
-      </p:grpSpPr>
-      <p:sp>
-        <p:nvSpPr>
-          <p:cNvPr id="2" name="Title 1"/>
-          <p:cNvSpPr>
-            <a:spLocks noGrp="1"/>
-          </p:cNvSpPr>
-          <p:nvPr>
-            <p:ph type="title"/>
-          </p:nvPr>
-        </p:nvSpPr>
-        <p:spPr/>
-        <p:txBody>
-          <a:bodyPr/>
-          <a:lstStyle/>
-          <a:p>
-            <a:r>
-              <a:rPr lang="en-US" dirty="0" smtClean="0">
-                <a:solidFill>
-                  <a:srgbClr val="FF0000"/>
-                </a:solidFill>
-              </a:rPr>
               <a:t>5% or 25% ?</a:t>
             </a:r>
             <a:endParaRPr lang="en-US" dirty="0">
@@ -4478,6 +5183,294 @@
   <p:clrMapOvr>
     <a:masterClrMapping/>
   </p:clrMapOvr>
+  <p:timing>
+    <p:tnLst>
+      <p:par>
+        <p:cTn xmlns:p14="http://schemas.microsoft.com/office/powerpoint/2010/main" id="1" dur="indefinite" restart="never" nodeType="tmRoot"/>
+      </p:par>
+    </p:tnLst>
+  </p:timing>
+</p:sld>
+</file>
+
+<file path=ppt/slides/slide7.xml><?xml version="1.0" encoding="utf-8"?>
+<p:sld xmlns:a="http://schemas.openxmlformats.org/drawingml/2006/main" xmlns:r="http://schemas.openxmlformats.org/officeDocument/2006/relationships" xmlns:p="http://schemas.openxmlformats.org/presentationml/2006/main">
+  <p:cSld>
+    <p:spTree>
+      <p:nvGrpSpPr>
+        <p:cNvPr id="1" name=""/>
+        <p:cNvGrpSpPr/>
+        <p:nvPr/>
+      </p:nvGrpSpPr>
+      <p:grpSpPr>
+        <a:xfrm>
+          <a:off x="0" y="0"/>
+          <a:ext cx="0" cy="0"/>
+          <a:chOff x="0" y="0"/>
+          <a:chExt cx="0" cy="0"/>
+        </a:xfrm>
+      </p:grpSpPr>
+      <p:sp>
+        <p:nvSpPr>
+          <p:cNvPr id="2" name="Title 1"/>
+          <p:cNvSpPr>
+            <a:spLocks noGrp="1"/>
+          </p:cNvSpPr>
+          <p:nvPr>
+            <p:ph type="title"/>
+          </p:nvPr>
+        </p:nvSpPr>
+        <p:spPr>
+          <a:xfrm>
+            <a:off x="1693452" y="252643"/>
+            <a:ext cx="6684004" cy="1517578"/>
+          </a:xfrm>
+        </p:spPr>
+        <p:txBody>
+          <a:bodyPr>
+            <a:normAutofit/>
+          </a:bodyPr>
+          <a:lstStyle/>
+          <a:p>
+            <a:pPr algn="l"/>
+            <a:r>
+              <a:rPr lang="en-US" sz="3200" dirty="0" smtClean="0">
+                <a:solidFill>
+                  <a:srgbClr val="7F7F7F"/>
+                </a:solidFill>
+              </a:rPr>
+              <a:t>Discount effect on </a:t>
+            </a:r>
+            <a:r>
+              <a:rPr lang="en-US" sz="3200" u="sng" dirty="0" smtClean="0">
+                <a:solidFill>
+                  <a:srgbClr val="7F7F7F"/>
+                </a:solidFill>
+              </a:rPr>
+              <a:t>Total Spen</a:t>
+            </a:r>
+            <a:r>
+              <a:rPr lang="en-US" sz="3200" dirty="0" smtClean="0">
+                <a:solidFill>
+                  <a:srgbClr val="7F7F7F"/>
+                </a:solidFill>
+              </a:rPr>
+              <a:t>t </a:t>
+            </a:r>
+            <a:br>
+              <a:rPr lang="en-US" sz="3200" dirty="0" smtClean="0">
+                <a:solidFill>
+                  <a:srgbClr val="7F7F7F"/>
+                </a:solidFill>
+              </a:rPr>
+            </a:br>
+            <a:r>
+              <a:rPr lang="en-US" sz="3200" dirty="0" smtClean="0">
+                <a:solidFill>
+                  <a:srgbClr val="7F7F7F"/>
+                </a:solidFill>
+              </a:rPr>
+              <a:t>on products in </a:t>
+            </a:r>
+            <a:r>
+              <a:rPr lang="en-US" sz="3200" dirty="0">
+                <a:solidFill>
+                  <a:srgbClr val="7F7F7F"/>
+                </a:solidFill>
+              </a:rPr>
+              <a:t>an order</a:t>
+            </a:r>
+            <a:endParaRPr lang="en-US" sz="3200" dirty="0">
+              <a:solidFill>
+                <a:srgbClr val="7F7F7F"/>
+              </a:solidFill>
+            </a:endParaRPr>
+          </a:p>
+        </p:txBody>
+      </p:sp>
+      <p:pic>
+        <p:nvPicPr>
+          <p:cNvPr id="8" name="Picture 7"/>
+          <p:cNvPicPr>
+            <a:picLocks noChangeAspect="1"/>
+          </p:cNvPicPr>
+          <p:nvPr/>
+        </p:nvPicPr>
+        <p:blipFill>
+          <a:blip r:embed="rId2">
+            <a:extLst>
+              <a:ext uri="{28A0092B-C50C-407E-A947-70E740481C1C}">
+                <a14:useLocalDpi xmlns:a14="http://schemas.microsoft.com/office/drawing/2010/main" val="0"/>
+              </a:ext>
+            </a:extLst>
+          </a:blip>
+          <a:stretch>
+            <a:fillRect/>
+          </a:stretch>
+        </p:blipFill>
+        <p:spPr>
+          <a:xfrm>
+            <a:off x="7004734" y="252643"/>
+            <a:ext cx="1372722" cy="2002004"/>
+          </a:xfrm>
+          <a:prstGeom prst="rect">
+            <a:avLst/>
+          </a:prstGeom>
+        </p:spPr>
+      </p:pic>
+      <p:pic>
+        <p:nvPicPr>
+          <p:cNvPr id="10" name="Picture 9" descr="images.png"/>
+          <p:cNvPicPr>
+            <a:picLocks noChangeAspect="1"/>
+          </p:cNvPicPr>
+          <p:nvPr/>
+        </p:nvPicPr>
+        <p:blipFill>
+          <a:blip r:embed="rId3">
+            <a:extLst>
+              <a:ext uri="{28A0092B-C50C-407E-A947-70E740481C1C}">
+                <a14:useLocalDpi xmlns:a14="http://schemas.microsoft.com/office/drawing/2010/main" val="0"/>
+              </a:ext>
+            </a:extLst>
+          </a:blip>
+          <a:stretch>
+            <a:fillRect/>
+          </a:stretch>
+        </p:blipFill>
+        <p:spPr>
+          <a:xfrm>
+            <a:off x="6108700" y="2672617"/>
+            <a:ext cx="3086100" cy="2641600"/>
+          </a:xfrm>
+          <a:prstGeom prst="rect">
+            <a:avLst/>
+          </a:prstGeom>
+        </p:spPr>
+      </p:pic>
+      <p:sp>
+        <p:nvSpPr>
+          <p:cNvPr id="4" name="TextBox 3"/>
+          <p:cNvSpPr txBox="1"/>
+          <p:nvPr/>
+        </p:nvSpPr>
+        <p:spPr>
+          <a:xfrm>
+            <a:off x="1834573" y="2672617"/>
+            <a:ext cx="5439574" cy="984885"/>
+          </a:xfrm>
+          <a:prstGeom prst="rect">
+            <a:avLst/>
+          </a:prstGeom>
+          <a:noFill/>
+        </p:spPr>
+        <p:txBody>
+          <a:bodyPr wrap="square" rtlCol="0">
+            <a:spAutoFit/>
+          </a:bodyPr>
+          <a:lstStyle/>
+          <a:p>
+            <a:r>
+              <a:rPr lang="en-US" sz="2000" dirty="0">
+                <a:solidFill>
+                  <a:srgbClr val="7F7F7F"/>
+                </a:solidFill>
+              </a:rPr>
+              <a:t>Discount had a </a:t>
+            </a:r>
+            <a:r>
+              <a:rPr lang="en-US" sz="2000" b="1" dirty="0">
+                <a:solidFill>
+                  <a:srgbClr val="FF0000"/>
+                </a:solidFill>
+              </a:rPr>
+              <a:t>slight - medium</a:t>
+            </a:r>
+            <a:r>
+              <a:rPr lang="en-US" sz="2000" dirty="0">
+                <a:solidFill>
+                  <a:srgbClr val="7F7F7F"/>
+                </a:solidFill>
+              </a:rPr>
+              <a:t> effect on the </a:t>
+            </a:r>
+            <a:r>
+              <a:rPr lang="en-US" sz="2000" dirty="0" smtClean="0">
+                <a:solidFill>
+                  <a:srgbClr val="7F7F7F"/>
+                </a:solidFill>
+              </a:rPr>
+              <a:t>total spent on </a:t>
+            </a:r>
+            <a:r>
+              <a:rPr lang="en-US" sz="2000" dirty="0">
+                <a:solidFill>
+                  <a:srgbClr val="7F7F7F"/>
+                </a:solidFill>
+              </a:rPr>
+              <a:t>products in an order</a:t>
+            </a:r>
+          </a:p>
+          <a:p>
+            <a:endParaRPr lang="en-US" dirty="0"/>
+          </a:p>
+        </p:txBody>
+      </p:sp>
+      <p:sp>
+        <p:nvSpPr>
+          <p:cNvPr id="5" name="TextBox 4"/>
+          <p:cNvSpPr txBox="1"/>
+          <p:nvPr/>
+        </p:nvSpPr>
+        <p:spPr>
+          <a:xfrm>
+            <a:off x="872384" y="254889"/>
+            <a:ext cx="1359893" cy="1323439"/>
+          </a:xfrm>
+          <a:prstGeom prst="rect">
+            <a:avLst/>
+          </a:prstGeom>
+          <a:noFill/>
+        </p:spPr>
+        <p:txBody>
+          <a:bodyPr wrap="square" rtlCol="0">
+            <a:spAutoFit/>
+          </a:bodyPr>
+          <a:lstStyle/>
+          <a:p>
+            <a:r>
+              <a:rPr lang="en-US" sz="8000" b="1" dirty="0">
+                <a:solidFill>
+                  <a:srgbClr val="FF0000"/>
+                </a:solidFill>
+              </a:rPr>
+              <a:t>2</a:t>
+            </a:r>
+            <a:endParaRPr lang="en-US" sz="8000" b="1" dirty="0">
+              <a:solidFill>
+                <a:srgbClr val="FF0000"/>
+              </a:solidFill>
+            </a:endParaRPr>
+          </a:p>
+        </p:txBody>
+      </p:sp>
+    </p:spTree>
+    <p:extLst>
+      <p:ext uri="{BB962C8B-B14F-4D97-AF65-F5344CB8AC3E}">
+        <p14:creationId xmlns:p14="http://schemas.microsoft.com/office/powerpoint/2010/main" val="340239187"/>
+      </p:ext>
+    </p:extLst>
+  </p:cSld>
+  <p:clrMapOvr>
+    <a:masterClrMapping/>
+  </p:clrMapOvr>
+  <p:timing>
+    <p:tnLst>
+      <p:par>
+        <p:cTn xmlns:p14="http://schemas.microsoft.com/office/powerpoint/2010/main" id="1" dur="indefinite" restart="never" nodeType="tmRoot"/>
+      </p:par>
+    </p:tnLst>
+  </p:timing>
 </p:sld>
 </file>
 
@@ -4508,36 +5501,139 @@
             <p:ph type="title"/>
           </p:nvPr>
         </p:nvSpPr>
-        <p:spPr/>
-        <p:txBody>
-          <a:bodyPr>
-            <a:normAutofit fontScale="90000"/>
-          </a:bodyPr>
+        <p:spPr>
+          <a:xfrm>
+            <a:off x="2463202" y="274638"/>
+            <a:ext cx="6223597" cy="1143000"/>
+          </a:xfrm>
+        </p:spPr>
+        <p:txBody>
+          <a:bodyPr/>
           <a:lstStyle/>
           <a:p>
             <a:r>
               <a:rPr lang="en-US" dirty="0" smtClean="0">
                 <a:solidFill>
-                  <a:schemeClr val="accent3">
-                    <a:lumMod val="75000"/>
-                  </a:schemeClr>
-                </a:solidFill>
-              </a:rPr>
-              <a:t>Did Month have an effect on the quantity or total sale of products?</a:t>
+                  <a:srgbClr val="FF0000"/>
+                </a:solidFill>
+              </a:rPr>
+              <a:t>Most Effective Discounts?</a:t>
             </a:r>
             <a:endParaRPr lang="en-US" dirty="0">
               <a:solidFill>
-                <a:schemeClr val="accent3">
-                  <a:lumMod val="75000"/>
-                </a:schemeClr>
+                <a:srgbClr val="FF0000"/>
               </a:solidFill>
             </a:endParaRPr>
           </a:p>
         </p:txBody>
       </p:sp>
+      <p:sp>
+        <p:nvSpPr>
+          <p:cNvPr id="3" name="Content Placeholder 2"/>
+          <p:cNvSpPr>
+            <a:spLocks noGrp="1"/>
+          </p:cNvSpPr>
+          <p:nvPr>
+            <p:ph idx="1"/>
+          </p:nvPr>
+        </p:nvSpPr>
+        <p:spPr>
+          <a:xfrm>
+            <a:off x="2127879" y="2123161"/>
+            <a:ext cx="5083565" cy="4495923"/>
+          </a:xfrm>
+        </p:spPr>
+        <p:txBody>
+          <a:bodyPr>
+            <a:normAutofit/>
+          </a:bodyPr>
+          <a:lstStyle/>
+          <a:p>
+            <a:pPr marL="0" indent="0">
+              <a:buNone/>
+            </a:pPr>
+            <a:r>
+              <a:rPr lang="en-US" dirty="0" smtClean="0"/>
+              <a:t>	</a:t>
+            </a:r>
+            <a:r>
+              <a:rPr lang="en-US" dirty="0" smtClean="0">
+                <a:solidFill>
+                  <a:srgbClr val="FF0000"/>
+                </a:solidFill>
+              </a:rPr>
+              <a:t>5</a:t>
+            </a:r>
+            <a:r>
+              <a:rPr lang="en-US" dirty="0" smtClean="0">
+                <a:solidFill>
+                  <a:srgbClr val="FF0000"/>
+                </a:solidFill>
+              </a:rPr>
+              <a:t>%</a:t>
+            </a:r>
+            <a:endParaRPr lang="en-US" dirty="0">
+              <a:solidFill>
+                <a:srgbClr val="FF0000"/>
+              </a:solidFill>
+            </a:endParaRPr>
+          </a:p>
+          <a:p>
+            <a:pPr marL="0" indent="0">
+              <a:buNone/>
+            </a:pPr>
+            <a:r>
+              <a:rPr lang="en-US" dirty="0" smtClean="0">
+                <a:solidFill>
+                  <a:srgbClr val="FF0000"/>
+                </a:solidFill>
+              </a:rPr>
+              <a:t>	25</a:t>
+            </a:r>
+            <a:r>
+              <a:rPr lang="en-US" dirty="0" smtClean="0">
+                <a:solidFill>
+                  <a:srgbClr val="FF0000"/>
+                </a:solidFill>
+              </a:rPr>
+              <a:t>%</a:t>
+            </a:r>
+          </a:p>
+          <a:p>
+            <a:pPr marL="0" indent="0">
+              <a:buNone/>
+            </a:pPr>
+            <a:endParaRPr lang="en-US" dirty="0"/>
+          </a:p>
+          <a:p>
+            <a:pPr marL="0" indent="0">
+              <a:buNone/>
+            </a:pPr>
+            <a:r>
+              <a:rPr lang="en-US" dirty="0" smtClean="0">
+                <a:solidFill>
+                  <a:srgbClr val="7F7F7F"/>
+                </a:solidFill>
+              </a:rPr>
+              <a:t>Discounts were of similar effect</a:t>
+            </a:r>
+            <a:endParaRPr lang="en-US" dirty="0">
+              <a:solidFill>
+                <a:srgbClr val="7F7F7F"/>
+              </a:solidFill>
+            </a:endParaRPr>
+          </a:p>
+          <a:p>
+            <a:pPr marL="0" indent="0">
+              <a:buNone/>
+            </a:pPr>
+            <a:endParaRPr lang="en-US" dirty="0"/>
+          </a:p>
+        </p:txBody>
+      </p:sp>
       <p:pic>
         <p:nvPicPr>
-          <p:cNvPr id="5" name="Picture 4" descr="calendar.png"/>
+          <p:cNvPr id="4" name="Picture 3" descr="discounts.jpg"/>
           <p:cNvPicPr>
             <a:picLocks noChangeAspect="1"/>
           </p:cNvPicPr>
@@ -4557,38 +5653,8 @@
         </p:blipFill>
         <p:spPr>
           <a:xfrm>
-            <a:off x="284388" y="1720373"/>
-            <a:ext cx="2287357" cy="1850447"/>
-          </a:xfrm>
-          <a:prstGeom prst="rect">
-            <a:avLst/>
-          </a:prstGeom>
-        </p:spPr>
-      </p:pic>
-      <p:pic>
-        <p:nvPicPr>
-          <p:cNvPr id="6" name="Picture 5" descr="Screen Shot 2020-03-07 at 15.27.31.png"/>
-          <p:cNvPicPr>
-            <a:picLocks noChangeAspect="1"/>
-          </p:cNvPicPr>
-          <p:nvPr/>
-        </p:nvPicPr>
-        <p:blipFill>
-          <a:blip r:embed="rId3">
-            <a:extLst>
-              <a:ext uri="{28A0092B-C50C-407E-A947-70E740481C1C}">
-                <a14:useLocalDpi xmlns:a14="http://schemas.microsoft.com/office/drawing/2010/main" val="0"/>
-              </a:ext>
-            </a:extLst>
-          </a:blip>
-          <a:stretch>
-            <a:fillRect/>
-          </a:stretch>
-        </p:blipFill>
-        <p:spPr>
-          <a:xfrm>
-            <a:off x="2571746" y="1720373"/>
-            <a:ext cx="5911832" cy="3795532"/>
+            <a:off x="946149" y="274638"/>
+            <a:ext cx="1517053" cy="1438425"/>
           </a:xfrm>
           <a:prstGeom prst="rect">
             <a:avLst/>
@@ -4598,13 +5664,20 @@
     </p:spTree>
     <p:extLst>
       <p:ext uri="{BB962C8B-B14F-4D97-AF65-F5344CB8AC3E}">
-        <p14:creationId xmlns:p14="http://schemas.microsoft.com/office/powerpoint/2010/main" val="1677585941"/>
+        <p14:creationId xmlns:p14="http://schemas.microsoft.com/office/powerpoint/2010/main" val="2918206554"/>
       </p:ext>
     </p:extLst>
   </p:cSld>
   <p:clrMapOvr>
     <a:masterClrMapping/>
   </p:clrMapOvr>
+  <p:timing>
+    <p:tnLst>
+      <p:par>
+        <p:cTn xmlns:p14="http://schemas.microsoft.com/office/powerpoint/2010/main" id="1" dur="indefinite" restart="never" nodeType="tmRoot"/>
+      </p:par>
+    </p:tnLst>
+  </p:timing>
 </p:sld>
 </file>
 
@@ -4625,9 +5698,126 @@
           <a:chExt cx="0" cy="0"/>
         </a:xfrm>
       </p:grpSpPr>
+      <p:sp>
+        <p:nvSpPr>
+          <p:cNvPr id="2" name="Title 1"/>
+          <p:cNvSpPr>
+            <a:spLocks noGrp="1"/>
+          </p:cNvSpPr>
+          <p:nvPr>
+            <p:ph type="title"/>
+          </p:nvPr>
+        </p:nvSpPr>
+        <p:spPr>
+          <a:xfrm>
+            <a:off x="1693452" y="252643"/>
+            <a:ext cx="6684004" cy="1517578"/>
+          </a:xfrm>
+        </p:spPr>
+        <p:txBody>
+          <a:bodyPr>
+            <a:normAutofit fontScale="90000"/>
+          </a:bodyPr>
+          <a:lstStyle/>
+          <a:p>
+            <a:pPr algn="l"/>
+            <a:r>
+              <a:rPr lang="en-US" sz="3200" dirty="0" smtClean="0">
+                <a:solidFill>
+                  <a:srgbClr val="7F7F7F"/>
+                </a:solidFill>
+              </a:rPr>
+              <a:t>Month with </a:t>
+            </a:r>
+            <a:r>
+              <a:rPr lang="en-US" sz="3200" dirty="0" smtClean="0">
+                <a:solidFill>
+                  <a:srgbClr val="7F7F7F"/>
+                </a:solidFill>
+              </a:rPr>
+              <a:t>d</a:t>
+            </a:r>
+            <a:r>
+              <a:rPr lang="en-US" sz="3200" dirty="0" smtClean="0">
+                <a:solidFill>
+                  <a:srgbClr val="7F7F7F"/>
+                </a:solidFill>
+              </a:rPr>
+              <a:t>iscounts effect on </a:t>
+            </a:r>
+            <a:br>
+              <a:rPr lang="en-US" sz="3200" dirty="0" smtClean="0">
+                <a:solidFill>
+                  <a:srgbClr val="7F7F7F"/>
+                </a:solidFill>
+              </a:rPr>
+            </a:br>
+            <a:r>
+              <a:rPr lang="en-US" sz="3200" u="sng" dirty="0" smtClean="0">
+                <a:solidFill>
+                  <a:srgbClr val="7F7F7F"/>
+                </a:solidFill>
+              </a:rPr>
+              <a:t>Quantity</a:t>
+            </a:r>
+            <a:r>
+              <a:rPr lang="en-US" sz="3200" dirty="0">
+                <a:solidFill>
+                  <a:srgbClr val="7F7F7F"/>
+                </a:solidFill>
+              </a:rPr>
+              <a:t> </a:t>
+            </a:r>
+            <a:r>
+              <a:rPr lang="en-US" sz="3200" dirty="0" smtClean="0">
+                <a:solidFill>
+                  <a:srgbClr val="7F7F7F"/>
+                </a:solidFill>
+              </a:rPr>
+              <a:t>on products in </a:t>
+            </a:r>
+            <a:r>
+              <a:rPr lang="en-US" sz="3200" dirty="0">
+                <a:solidFill>
+                  <a:srgbClr val="7F7F7F"/>
+                </a:solidFill>
+              </a:rPr>
+              <a:t>an </a:t>
+            </a:r>
+            <a:r>
+              <a:rPr lang="en-US" sz="3200" dirty="0" smtClean="0">
+                <a:solidFill>
+                  <a:srgbClr val="7F7F7F"/>
+                </a:solidFill>
+              </a:rPr>
+              <a:t/>
+            </a:r>
+            <a:br>
+              <a:rPr lang="en-US" sz="3200" dirty="0" smtClean="0">
+                <a:solidFill>
+                  <a:srgbClr val="7F7F7F"/>
+                </a:solidFill>
+              </a:rPr>
+            </a:br>
+            <a:r>
+              <a:rPr lang="en-US" sz="3200" dirty="0" smtClean="0">
+                <a:solidFill>
+                  <a:srgbClr val="7F7F7F"/>
+                </a:solidFill>
+              </a:rPr>
+              <a:t>order</a:t>
+            </a:r>
+            <a:endParaRPr lang="en-US" sz="3200" dirty="0">
+              <a:solidFill>
+                <a:srgbClr val="7F7F7F"/>
+              </a:solidFill>
+            </a:endParaRPr>
+          </a:p>
+        </p:txBody>
+      </p:sp>
       <p:pic>
         <p:nvPicPr>
-          <p:cNvPr id="4" name="Picture 3" descr="Screen Shot 2020-03-07 at 15.29.05.png"/>
+          <p:cNvPr id="8" name="Picture 7"/>
           <p:cNvPicPr>
             <a:picLocks noChangeAspect="1"/>
           </p:cNvPicPr>
@@ -4647,24 +5837,140 @@
         </p:blipFill>
         <p:spPr>
           <a:xfrm>
-            <a:off x="533400" y="1143000"/>
-            <a:ext cx="8064500" cy="4559300"/>
+            <a:off x="7004734" y="252643"/>
+            <a:ext cx="1372722" cy="2002004"/>
           </a:xfrm>
           <a:prstGeom prst="rect">
             <a:avLst/>
           </a:prstGeom>
         </p:spPr>
       </p:pic>
+      <p:pic>
+        <p:nvPicPr>
+          <p:cNvPr id="10" name="Picture 9" descr="images.png"/>
+          <p:cNvPicPr>
+            <a:picLocks noChangeAspect="1"/>
+          </p:cNvPicPr>
+          <p:nvPr/>
+        </p:nvPicPr>
+        <p:blipFill>
+          <a:blip r:embed="rId3">
+            <a:extLst>
+              <a:ext uri="{28A0092B-C50C-407E-A947-70E740481C1C}">
+                <a14:useLocalDpi xmlns:a14="http://schemas.microsoft.com/office/drawing/2010/main" val="0"/>
+              </a:ext>
+            </a:extLst>
+          </a:blip>
+          <a:stretch>
+            <a:fillRect/>
+          </a:stretch>
+        </p:blipFill>
+        <p:spPr>
+          <a:xfrm>
+            <a:off x="6108700" y="2672617"/>
+            <a:ext cx="3086100" cy="2641600"/>
+          </a:xfrm>
+          <a:prstGeom prst="rect">
+            <a:avLst/>
+          </a:prstGeom>
+        </p:spPr>
+      </p:pic>
+      <p:sp>
+        <p:nvSpPr>
+          <p:cNvPr id="4" name="TextBox 3"/>
+          <p:cNvSpPr txBox="1"/>
+          <p:nvPr/>
+        </p:nvSpPr>
+        <p:spPr>
+          <a:xfrm>
+            <a:off x="1834573" y="2672617"/>
+            <a:ext cx="5439574" cy="1015663"/>
+          </a:xfrm>
+          <a:prstGeom prst="rect">
+            <a:avLst/>
+          </a:prstGeom>
+          <a:noFill/>
+        </p:spPr>
+        <p:txBody>
+          <a:bodyPr wrap="square" rtlCol="0">
+            <a:spAutoFit/>
+          </a:bodyPr>
+          <a:lstStyle/>
+          <a:p>
+            <a:r>
+              <a:rPr lang="en-US" sz="2000" dirty="0" smtClean="0">
+                <a:solidFill>
+                  <a:srgbClr val="FF0000"/>
+                </a:solidFill>
+              </a:rPr>
+              <a:t>There were no months with discounts that had a particularly significant effect </a:t>
+            </a:r>
+            <a:r>
+              <a:rPr lang="en-US" sz="2000" dirty="0" smtClean="0">
+                <a:solidFill>
+                  <a:srgbClr val="7F7F7F"/>
+                </a:solidFill>
+              </a:rPr>
+              <a:t>on the quantity as compared to other months with discounts.</a:t>
+            </a:r>
+          </a:p>
+        </p:txBody>
+      </p:sp>
+      <p:sp>
+        <p:nvSpPr>
+          <p:cNvPr id="5" name="TextBox 4"/>
+          <p:cNvSpPr txBox="1"/>
+          <p:nvPr/>
+        </p:nvSpPr>
+        <p:spPr>
+          <a:xfrm>
+            <a:off x="872384" y="254889"/>
+            <a:ext cx="1359893" cy="1323439"/>
+          </a:xfrm>
+          <a:prstGeom prst="rect">
+            <a:avLst/>
+          </a:prstGeom>
+          <a:noFill/>
+        </p:spPr>
+        <p:txBody>
+          <a:bodyPr wrap="square" rtlCol="0">
+            <a:spAutoFit/>
+          </a:bodyPr>
+          <a:lstStyle/>
+          <a:p>
+            <a:r>
+              <a:rPr lang="en-US" sz="8000" b="1" dirty="0" smtClean="0">
+                <a:solidFill>
+                  <a:srgbClr val="FF0000"/>
+                </a:solidFill>
+              </a:rPr>
+              <a:t>3</a:t>
+            </a:r>
+            <a:endParaRPr lang="en-US" sz="8000" b="1" dirty="0">
+              <a:solidFill>
+                <a:srgbClr val="FF0000"/>
+              </a:solidFill>
+            </a:endParaRPr>
+          </a:p>
+        </p:txBody>
+      </p:sp>
     </p:spTree>
     <p:extLst>
       <p:ext uri="{BB962C8B-B14F-4D97-AF65-F5344CB8AC3E}">
-        <p14:creationId xmlns:p14="http://schemas.microsoft.com/office/powerpoint/2010/main" val="3118551509"/>
+        <p14:creationId xmlns:p14="http://schemas.microsoft.com/office/powerpoint/2010/main" val="3726461525"/>
       </p:ext>
     </p:extLst>
   </p:cSld>
   <p:clrMapOvr>
     <a:masterClrMapping/>
   </p:clrMapOvr>
+  <p:timing>
+    <p:tnLst>
+      <p:par>
+        <p:cTn xmlns:p14="http://schemas.microsoft.com/office/powerpoint/2010/main" id="1" dur="indefinite" restart="never" nodeType="tmRoot"/>
+      </p:par>
+    </p:tnLst>
+  </p:timing>
 </p:sld>
 </file>
 

--- a/Project2_HypothesisTesting_NonTechnicalPresentation.pptx
+++ b/Project2_HypothesisTesting_NonTechnicalPresentation.pptx
@@ -301,7 +301,7 @@
           <a:p>
             <a:fld id="{DA2E1FCE-6484-8846-A653-8EE9D37FC717}" type="datetimeFigureOut">
               <a:rPr lang="en-US" smtClean="0"/>
-              <a:t>07/03/20</a:t>
+              <a:t>09/03/20</a:t>
             </a:fld>
             <a:endParaRPr lang="en-US"/>
           </a:p>
@@ -471,7 +471,7 @@
           <a:p>
             <a:fld id="{DA2E1FCE-6484-8846-A653-8EE9D37FC717}" type="datetimeFigureOut">
               <a:rPr lang="en-US" smtClean="0"/>
-              <a:t>07/03/20</a:t>
+              <a:t>09/03/20</a:t>
             </a:fld>
             <a:endParaRPr lang="en-US"/>
           </a:p>
@@ -651,7 +651,7 @@
           <a:p>
             <a:fld id="{DA2E1FCE-6484-8846-A653-8EE9D37FC717}" type="datetimeFigureOut">
               <a:rPr lang="en-US" smtClean="0"/>
-              <a:t>07/03/20</a:t>
+              <a:t>09/03/20</a:t>
             </a:fld>
             <a:endParaRPr lang="en-US"/>
           </a:p>
@@ -821,7 +821,7 @@
           <a:p>
             <a:fld id="{DA2E1FCE-6484-8846-A653-8EE9D37FC717}" type="datetimeFigureOut">
               <a:rPr lang="en-US" smtClean="0"/>
-              <a:t>07/03/20</a:t>
+              <a:t>09/03/20</a:t>
             </a:fld>
             <a:endParaRPr lang="en-US"/>
           </a:p>
@@ -1067,7 +1067,7 @@
           <a:p>
             <a:fld id="{DA2E1FCE-6484-8846-A653-8EE9D37FC717}" type="datetimeFigureOut">
               <a:rPr lang="en-US" smtClean="0"/>
-              <a:t>07/03/20</a:t>
+              <a:t>09/03/20</a:t>
             </a:fld>
             <a:endParaRPr lang="en-US"/>
           </a:p>
@@ -1355,7 +1355,7 @@
           <a:p>
             <a:fld id="{DA2E1FCE-6484-8846-A653-8EE9D37FC717}" type="datetimeFigureOut">
               <a:rPr lang="en-US" smtClean="0"/>
-              <a:t>07/03/20</a:t>
+              <a:t>09/03/20</a:t>
             </a:fld>
             <a:endParaRPr lang="en-US"/>
           </a:p>
@@ -1777,7 +1777,7 @@
           <a:p>
             <a:fld id="{DA2E1FCE-6484-8846-A653-8EE9D37FC717}" type="datetimeFigureOut">
               <a:rPr lang="en-US" smtClean="0"/>
-              <a:t>07/03/20</a:t>
+              <a:t>09/03/20</a:t>
             </a:fld>
             <a:endParaRPr lang="en-US"/>
           </a:p>
@@ -1895,7 +1895,7 @@
           <a:p>
             <a:fld id="{DA2E1FCE-6484-8846-A653-8EE9D37FC717}" type="datetimeFigureOut">
               <a:rPr lang="en-US" smtClean="0"/>
-              <a:t>07/03/20</a:t>
+              <a:t>09/03/20</a:t>
             </a:fld>
             <a:endParaRPr lang="en-US"/>
           </a:p>
@@ -1990,7 +1990,7 @@
           <a:p>
             <a:fld id="{DA2E1FCE-6484-8846-A653-8EE9D37FC717}" type="datetimeFigureOut">
               <a:rPr lang="en-US" smtClean="0"/>
-              <a:t>07/03/20</a:t>
+              <a:t>09/03/20</a:t>
             </a:fld>
             <a:endParaRPr lang="en-US"/>
           </a:p>
@@ -2267,7 +2267,7 @@
           <a:p>
             <a:fld id="{DA2E1FCE-6484-8846-A653-8EE9D37FC717}" type="datetimeFigureOut">
               <a:rPr lang="en-US" smtClean="0"/>
-              <a:t>07/03/20</a:t>
+              <a:t>09/03/20</a:t>
             </a:fld>
             <a:endParaRPr lang="en-US"/>
           </a:p>
@@ -2520,7 +2520,7 @@
           <a:p>
             <a:fld id="{DA2E1FCE-6484-8846-A653-8EE9D37FC717}" type="datetimeFigureOut">
               <a:rPr lang="en-US" smtClean="0"/>
-              <a:t>07/03/20</a:t>
+              <a:t>09/03/20</a:t>
             </a:fld>
             <a:endParaRPr lang="en-US"/>
           </a:p>
@@ -2733,7 +2733,7 @@
           <a:p>
             <a:fld id="{DA2E1FCE-6484-8846-A653-8EE9D37FC717}" type="datetimeFigureOut">
               <a:rPr lang="en-US" smtClean="0"/>
-              <a:t>07/03/20</a:t>
+              <a:t>09/03/20</a:t>
             </a:fld>
             <a:endParaRPr lang="en-US"/>
           </a:p>
@@ -3349,23 +3349,7 @@
                   <a:srgbClr val="7F7F7F"/>
                 </a:solidFill>
               </a:rPr>
-              <a:t>Month with </a:t>
-            </a:r>
-            <a:r>
-              <a:rPr lang="en-US" sz="3200" dirty="0" smtClean="0">
-                <a:solidFill>
-                  <a:srgbClr val="7F7F7F"/>
-                </a:solidFill>
-              </a:rPr>
-              <a:t>d</a:t>
-            </a:r>
-            <a:r>
-              <a:rPr lang="en-US" sz="3200" dirty="0" smtClean="0">
-                <a:solidFill>
-                  <a:srgbClr val="7F7F7F"/>
-                </a:solidFill>
-              </a:rPr>
-              <a:t>iscounts effect on </a:t>
+              <a:t>Month with discounts effect on </a:t>
             </a:r>
             <a:br>
               <a:rPr lang="en-US" sz="3200" dirty="0" smtClean="0">
@@ -3525,7 +3509,31 @@
                   <a:srgbClr val="7F7F7F"/>
                 </a:solidFill>
               </a:rPr>
-              <a:t>on the total sales as compared to other months with discounts.</a:t>
+              <a:t>on the </a:t>
+            </a:r>
+            <a:r>
+              <a:rPr lang="en-US" sz="2000" smtClean="0">
+                <a:solidFill>
+                  <a:srgbClr val="7F7F7F"/>
+                </a:solidFill>
+              </a:rPr>
+              <a:t>total </a:t>
+            </a:r>
+            <a:r>
+              <a:rPr lang="en-US" sz="2000" smtClean="0">
+                <a:solidFill>
+                  <a:srgbClr val="7F7F7F"/>
+                </a:solidFill>
+              </a:rPr>
+              <a:t>spent </a:t>
+            </a:r>
+            <a:r>
+              <a:rPr lang="en-US" sz="2000" dirty="0" smtClean="0">
+                <a:solidFill>
+                  <a:srgbClr val="7F7F7F"/>
+                </a:solidFill>
+              </a:rPr>
+              <a:t>as compared to other months with discounts.</a:t>
             </a:r>
           </a:p>
         </p:txBody>
@@ -3560,11 +3568,6 @@
               </a:rPr>
               <a:t>4</a:t>
             </a:r>
-            <a:endParaRPr lang="en-US" sz="8000" b="1" dirty="0">
-              <a:solidFill>
-                <a:srgbClr val="FF0000"/>
-              </a:solidFill>
-            </a:endParaRPr>
           </a:p>
         </p:txBody>
       </p:sp>
@@ -3747,7 +3750,7 @@
                   </a:schemeClr>
                 </a:solidFill>
               </a:rPr>
-              <a:t>has sl</a:t>
+              <a:t>had </a:t>
             </a:r>
             <a:r>
               <a:rPr lang="en-US" dirty="0" smtClean="0">
@@ -3757,7 +3760,7 @@
                   </a:schemeClr>
                 </a:solidFill>
               </a:rPr>
-              <a:t>ight – medium effect on quantity ordered.</a:t>
+              <a:t>slight – medium effect on quantity ordered.</a:t>
             </a:r>
           </a:p>
           <a:p>
@@ -3821,13 +3824,6 @@
               </a:rPr>
               <a:t>total sales in an order.</a:t>
             </a:r>
-            <a:endParaRPr lang="en-US" dirty="0" smtClean="0">
-              <a:solidFill>
-                <a:schemeClr val="bg1">
-                  <a:lumMod val="50000"/>
-                </a:schemeClr>
-              </a:solidFill>
-            </a:endParaRPr>
           </a:p>
           <a:p>
             <a:r>
@@ -3838,8 +3834,10 @@
                   </a:schemeClr>
                 </a:solidFill>
               </a:rPr>
-              <a:t>Offering </a:t>
-            </a:r>
+              <a:t>Offering a 5% discount instead of 25% may be profitable as they both have similar effects on the quantity and total sale of products.</a:t>
+            </a:r>
+          </a:p>
+          <a:p>
             <a:r>
               <a:rPr lang="en-US" dirty="0" smtClean="0">
                 <a:solidFill>
@@ -3848,37 +3846,8 @@
                   </a:schemeClr>
                 </a:solidFill>
               </a:rPr>
-              <a:t>a 5% discount instead of 25% may be profitable as they both have similar effects on the quantity and total sale of products</a:t>
-            </a:r>
-            <a:r>
-              <a:rPr lang="en-US" dirty="0" smtClean="0">
-                <a:solidFill>
-                  <a:schemeClr val="bg1">
-                    <a:lumMod val="50000"/>
-                  </a:schemeClr>
-                </a:solidFill>
-              </a:rPr>
-              <a:t>.</a:t>
-            </a:r>
-          </a:p>
-          <a:p>
-            <a:r>
-              <a:rPr lang="en-US" dirty="0" smtClean="0">
-                <a:solidFill>
-                  <a:schemeClr val="bg1">
-                    <a:lumMod val="50000"/>
-                  </a:schemeClr>
-                </a:solidFill>
-              </a:rPr>
               <a:t>The discounted month does not have a significantly different effect to other discounted months.</a:t>
             </a:r>
-            <a:endParaRPr lang="en-US" dirty="0" smtClean="0">
-              <a:solidFill>
-                <a:schemeClr val="bg1">
-                  <a:lumMod val="50000"/>
-                </a:schemeClr>
-              </a:solidFill>
-            </a:endParaRPr>
           </a:p>
           <a:p>
             <a:r>
@@ -4083,20 +4052,10 @@
                   </a:schemeClr>
                 </a:solidFill>
               </a:rPr>
-              <a:t>Does any month with discounts have a significant effect on the Quantity in an order?</a:t>
-            </a:r>
-          </a:p>
-          <a:p>
+              <a:t>Do </a:t>
+            </a:r>
             <a:r>
               <a:rPr lang="en-US" dirty="0" smtClean="0">
-                <a:solidFill>
-                  <a:srgbClr val="FF0000"/>
-                </a:solidFill>
-              </a:rPr>
-              <a:t>4] </a:t>
-            </a:r>
-            <a:r>
-              <a:rPr lang="en-US" dirty="0">
                 <a:solidFill>
                   <a:schemeClr val="tx1">
                     <a:lumMod val="50000"/>
@@ -4104,7 +4063,83 @@
                   </a:schemeClr>
                 </a:solidFill>
               </a:rPr>
-              <a:t>Does any month with discounts have a significant effect on the </a:t>
+              <a:t>any </a:t>
+            </a:r>
+            <a:r>
+              <a:rPr lang="en-US" dirty="0" smtClean="0">
+                <a:solidFill>
+                  <a:schemeClr val="tx1">
+                    <a:lumMod val="50000"/>
+                    <a:lumOff val="50000"/>
+                  </a:schemeClr>
+                </a:solidFill>
+              </a:rPr>
+              <a:t>months </a:t>
+            </a:r>
+            <a:r>
+              <a:rPr lang="en-US" dirty="0" smtClean="0">
+                <a:solidFill>
+                  <a:schemeClr val="tx1">
+                    <a:lumMod val="50000"/>
+                    <a:lumOff val="50000"/>
+                  </a:schemeClr>
+                </a:solidFill>
+              </a:rPr>
+              <a:t>with discounts have a significant effect on the Quantity in an order?</a:t>
+            </a:r>
+          </a:p>
+          <a:p>
+            <a:r>
+              <a:rPr lang="en-US" dirty="0" smtClean="0">
+                <a:solidFill>
+                  <a:srgbClr val="FF0000"/>
+                </a:solidFill>
+              </a:rPr>
+              <a:t>4] </a:t>
+            </a:r>
+            <a:r>
+              <a:rPr lang="en-US" dirty="0" smtClean="0">
+                <a:solidFill>
+                  <a:schemeClr val="tx1">
+                    <a:lumMod val="50000"/>
+                    <a:lumOff val="50000"/>
+                  </a:schemeClr>
+                </a:solidFill>
+              </a:rPr>
+              <a:t>Do </a:t>
+            </a:r>
+            <a:r>
+              <a:rPr lang="en-US" dirty="0">
+                <a:solidFill>
+                  <a:schemeClr val="tx1">
+                    <a:lumMod val="50000"/>
+                    <a:lumOff val="50000"/>
+                  </a:schemeClr>
+                </a:solidFill>
+              </a:rPr>
+              <a:t>any </a:t>
+            </a:r>
+            <a:r>
+              <a:rPr lang="en-US" dirty="0" smtClean="0">
+                <a:solidFill>
+                  <a:schemeClr val="tx1">
+                    <a:lumMod val="50000"/>
+                    <a:lumOff val="50000"/>
+                  </a:schemeClr>
+                </a:solidFill>
+              </a:rPr>
+              <a:t>months </a:t>
+            </a:r>
+            <a:r>
+              <a:rPr lang="en-US" dirty="0">
+                <a:solidFill>
+                  <a:schemeClr val="tx1">
+                    <a:lumMod val="50000"/>
+                    <a:lumOff val="50000"/>
+                  </a:schemeClr>
+                </a:solidFill>
+              </a:rPr>
+              <a:t>with discounts have a significant effect on the </a:t>
             </a:r>
             <a:r>
               <a:rPr lang="en-US" dirty="0" smtClean="0">
@@ -4141,6 +4176,13 @@
   <p:clrMapOvr>
     <a:masterClrMapping/>
   </p:clrMapOvr>
+  <p:timing>
+    <p:tnLst>
+      <p:par>
+        <p:cTn xmlns:p14="http://schemas.microsoft.com/office/powerpoint/2010/main" id="1" dur="indefinite" restart="never" nodeType="tmRoot"/>
+      </p:par>
+    </p:tnLst>
+  </p:timing>
 </p:sld>
 </file>
 
@@ -4547,11 +4589,6 @@
               </a:rPr>
               <a:t>an order</a:t>
             </a:r>
-            <a:endParaRPr lang="en-US" sz="3200" dirty="0">
-              <a:solidFill>
-                <a:srgbClr val="7F7F7F"/>
-              </a:solidFill>
-            </a:endParaRPr>
           </a:p>
         </p:txBody>
       </p:sp>
@@ -4908,11 +4945,7 @@
             </a:r>
             <a:r>
               <a:rPr lang="en-US" dirty="0" smtClean="0"/>
-              <a:t>		20</a:t>
-            </a:r>
-            <a:r>
-              <a:rPr lang="en-US" dirty="0" smtClean="0"/>
-              <a:t>%</a:t>
+              <a:t>		20%</a:t>
             </a:r>
           </a:p>
           <a:p>
@@ -5280,11 +5313,6 @@
               </a:rPr>
               <a:t>an order</a:t>
             </a:r>
-            <a:endParaRPr lang="en-US" sz="3200" dirty="0">
-              <a:solidFill>
-                <a:srgbClr val="7F7F7F"/>
-              </a:solidFill>
-            </a:endParaRPr>
           </a:p>
         </p:txBody>
       </p:sp>
@@ -5446,11 +5474,6 @@
               </a:rPr>
               <a:t>2</a:t>
             </a:r>
-            <a:endParaRPr lang="en-US" sz="8000" b="1" dirty="0">
-              <a:solidFill>
-                <a:srgbClr val="FF0000"/>
-              </a:solidFill>
-            </a:endParaRPr>
           </a:p>
         </p:txBody>
       </p:sp>
@@ -5562,15 +5585,7 @@
                   <a:srgbClr val="FF0000"/>
                 </a:solidFill>
               </a:rPr>
-              <a:t>5</a:t>
-            </a:r>
-            <a:r>
-              <a:rPr lang="en-US" dirty="0" smtClean="0">
-                <a:solidFill>
-                  <a:srgbClr val="FF0000"/>
-                </a:solidFill>
-              </a:rPr>
-              <a:t>%</a:t>
+              <a:t>5%</a:t>
             </a:r>
             <a:endParaRPr lang="en-US" dirty="0">
               <a:solidFill>
@@ -5588,15 +5603,7 @@
                   <a:srgbClr val="FF0000"/>
                 </a:solidFill>
               </a:rPr>
-              <a:t>	25</a:t>
-            </a:r>
-            <a:r>
-              <a:rPr lang="en-US" dirty="0" smtClean="0">
-                <a:solidFill>
-                  <a:srgbClr val="FF0000"/>
-                </a:solidFill>
-              </a:rPr>
-              <a:t>%</a:t>
+              <a:t>	25%</a:t>
             </a:r>
           </a:p>
           <a:p>
@@ -5727,23 +5734,7 @@
                   <a:srgbClr val="7F7F7F"/>
                 </a:solidFill>
               </a:rPr>
-              <a:t>Month with </a:t>
-            </a:r>
-            <a:r>
-              <a:rPr lang="en-US" sz="3200" dirty="0" smtClean="0">
-                <a:solidFill>
-                  <a:srgbClr val="7F7F7F"/>
-                </a:solidFill>
-              </a:rPr>
-              <a:t>d</a:t>
-            </a:r>
-            <a:r>
-              <a:rPr lang="en-US" sz="3200" dirty="0" smtClean="0">
-                <a:solidFill>
-                  <a:srgbClr val="7F7F7F"/>
-                </a:solidFill>
-              </a:rPr>
-              <a:t>iscounts effect on </a:t>
+              <a:t>Month with discounts effect on </a:t>
             </a:r>
             <a:br>
               <a:rPr lang="en-US" sz="3200" dirty="0" smtClean="0">
@@ -5774,7 +5765,15 @@
                   <a:srgbClr val="7F7F7F"/>
                 </a:solidFill>
               </a:rPr>
-              <a:t>on products in </a:t>
+              <a:t>of </a:t>
+            </a:r>
+            <a:r>
+              <a:rPr lang="en-US" sz="3200" dirty="0" smtClean="0">
+                <a:solidFill>
+                  <a:srgbClr val="7F7F7F"/>
+                </a:solidFill>
+              </a:rPr>
+              <a:t>products in </a:t>
             </a:r>
             <a:r>
               <a:rPr lang="en-US" sz="3200" dirty="0">

--- a/Project2_HypothesisTesting_NonTechnicalPresentation.pptx
+++ b/Project2_HypothesisTesting_NonTechnicalPresentation.pptx
@@ -13,12 +13,12 @@
     <p:sldId id="261" r:id="rId7"/>
     <p:sldId id="268" r:id="rId8"/>
     <p:sldId id="269" r:id="rId9"/>
-    <p:sldId id="270" r:id="rId10"/>
-    <p:sldId id="257" r:id="rId11"/>
-    <p:sldId id="271" r:id="rId12"/>
-    <p:sldId id="259" r:id="rId13"/>
-    <p:sldId id="265" r:id="rId14"/>
-    <p:sldId id="266" r:id="rId15"/>
+    <p:sldId id="274" r:id="rId10"/>
+    <p:sldId id="275" r:id="rId11"/>
+    <p:sldId id="265" r:id="rId12"/>
+    <p:sldId id="272" r:id="rId13"/>
+    <p:sldId id="266" r:id="rId14"/>
+    <p:sldId id="273" r:id="rId15"/>
   </p:sldIdLst>
   <p:sldSz cx="9144000" cy="6858000" type="screen4x3"/>
   <p:notesSz cx="6858000" cy="9144000"/>
@@ -3223,16 +3223,283 @@
           <a:chExt cx="0" cy="0"/>
         </a:xfrm>
       </p:grpSpPr>
+      <p:sp>
+        <p:nvSpPr>
+          <p:cNvPr id="4" name="Title 1"/>
+          <p:cNvSpPr>
+            <a:spLocks noGrp="1"/>
+          </p:cNvSpPr>
+          <p:nvPr>
+            <p:ph type="title"/>
+          </p:nvPr>
+        </p:nvSpPr>
+        <p:spPr>
+          <a:xfrm>
+            <a:off x="1693451" y="252643"/>
+            <a:ext cx="7056051" cy="1517578"/>
+          </a:xfrm>
+        </p:spPr>
+        <p:txBody>
+          <a:bodyPr>
+            <a:normAutofit/>
+          </a:bodyPr>
+          <a:lstStyle/>
+          <a:p>
+            <a:pPr algn="l"/>
+            <a:r>
+              <a:rPr lang="en-US" sz="2400" dirty="0" smtClean="0">
+                <a:solidFill>
+                  <a:srgbClr val="7F7F7F"/>
+                </a:solidFill>
+              </a:rPr>
+              <a:t>Months </a:t>
+            </a:r>
+            <a:r>
+              <a:rPr lang="en-US" sz="2400" dirty="0" smtClean="0">
+                <a:solidFill>
+                  <a:srgbClr val="7F7F7F"/>
+                </a:solidFill>
+              </a:rPr>
+              <a:t>with discounts effect on </a:t>
+            </a:r>
+            <a:br>
+              <a:rPr lang="en-US" sz="2400" dirty="0" smtClean="0">
+                <a:solidFill>
+                  <a:srgbClr val="7F7F7F"/>
+                </a:solidFill>
+              </a:rPr>
+            </a:br>
+            <a:r>
+              <a:rPr lang="en-US" sz="2400" u="sng" dirty="0" smtClean="0">
+                <a:solidFill>
+                  <a:srgbClr val="7F7F7F"/>
+                </a:solidFill>
+              </a:rPr>
+              <a:t>Total Spent</a:t>
+            </a:r>
+            <a:r>
+              <a:rPr lang="en-US" sz="2400" dirty="0" smtClean="0">
+                <a:solidFill>
+                  <a:srgbClr val="7F7F7F"/>
+                </a:solidFill>
+              </a:rPr>
+              <a:t> on </a:t>
+            </a:r>
+            <a:r>
+              <a:rPr lang="en-US" sz="2400" dirty="0" smtClean="0">
+                <a:solidFill>
+                  <a:srgbClr val="7F7F7F"/>
+                </a:solidFill>
+              </a:rPr>
+              <a:t>products in </a:t>
+            </a:r>
+            <a:r>
+              <a:rPr lang="en-US" sz="2400" dirty="0">
+                <a:solidFill>
+                  <a:srgbClr val="7F7F7F"/>
+                </a:solidFill>
+              </a:rPr>
+              <a:t>an </a:t>
+            </a:r>
+            <a:r>
+              <a:rPr lang="en-US" sz="2400" dirty="0" smtClean="0">
+                <a:solidFill>
+                  <a:srgbClr val="7F7F7F"/>
+                </a:solidFill>
+              </a:rPr>
+              <a:t>order</a:t>
+            </a:r>
+            <a:endParaRPr lang="en-US" sz="2400" dirty="0">
+              <a:solidFill>
+                <a:srgbClr val="7F7F7F"/>
+              </a:solidFill>
+            </a:endParaRPr>
+          </a:p>
+        </p:txBody>
+      </p:sp>
+      <p:sp>
+        <p:nvSpPr>
+          <p:cNvPr id="7" name="TextBox 6"/>
+          <p:cNvSpPr txBox="1"/>
+          <p:nvPr/>
+        </p:nvSpPr>
+        <p:spPr>
+          <a:xfrm>
+            <a:off x="872384" y="254889"/>
+            <a:ext cx="1359893" cy="1323439"/>
+          </a:xfrm>
+          <a:prstGeom prst="rect">
+            <a:avLst/>
+          </a:prstGeom>
+          <a:noFill/>
+        </p:spPr>
+        <p:txBody>
+          <a:bodyPr wrap="square" rtlCol="0">
+            <a:spAutoFit/>
+          </a:bodyPr>
+          <a:lstStyle/>
+          <a:p>
+            <a:r>
+              <a:rPr lang="en-US" sz="8000" b="1" dirty="0">
+                <a:solidFill>
+                  <a:srgbClr val="FF0000"/>
+                </a:solidFill>
+              </a:rPr>
+              <a:t>4</a:t>
+            </a:r>
+            <a:endParaRPr lang="en-US" sz="8000" b="1" dirty="0">
+              <a:solidFill>
+                <a:srgbClr val="FF0000"/>
+              </a:solidFill>
+            </a:endParaRPr>
+          </a:p>
+        </p:txBody>
+      </p:sp>
+      <p:grpSp>
+        <p:nvGrpSpPr>
+          <p:cNvPr id="8" name="Group 7"/>
+          <p:cNvGrpSpPr/>
+          <p:nvPr/>
+        </p:nvGrpSpPr>
+        <p:grpSpPr>
+          <a:xfrm>
+            <a:off x="6850784" y="252643"/>
+            <a:ext cx="2344016" cy="5061574"/>
+            <a:chOff x="6108700" y="252643"/>
+            <a:chExt cx="3086100" cy="5061574"/>
+          </a:xfrm>
+        </p:grpSpPr>
+        <p:pic>
+          <p:nvPicPr>
+            <p:cNvPr id="9" name="Picture 8"/>
+            <p:cNvPicPr>
+              <a:picLocks noChangeAspect="1"/>
+            </p:cNvPicPr>
+            <p:nvPr/>
+          </p:nvPicPr>
+          <p:blipFill>
+            <a:blip r:embed="rId2">
+              <a:extLst>
+                <a:ext uri="{28A0092B-C50C-407E-A947-70E740481C1C}">
+                  <a14:useLocalDpi xmlns:a14="http://schemas.microsoft.com/office/drawing/2010/main" val="0"/>
+                </a:ext>
+              </a:extLst>
+            </a:blip>
+            <a:stretch>
+              <a:fillRect/>
+            </a:stretch>
+          </p:blipFill>
+          <p:spPr>
+            <a:xfrm>
+              <a:off x="7004734" y="252643"/>
+              <a:ext cx="1372722" cy="2002004"/>
+            </a:xfrm>
+            <a:prstGeom prst="rect">
+              <a:avLst/>
+            </a:prstGeom>
+          </p:spPr>
+        </p:pic>
+        <p:pic>
+          <p:nvPicPr>
+            <p:cNvPr id="10" name="Picture 9" descr="images.png"/>
+            <p:cNvPicPr>
+              <a:picLocks noChangeAspect="1"/>
+            </p:cNvPicPr>
+            <p:nvPr/>
+          </p:nvPicPr>
+          <p:blipFill>
+            <a:blip r:embed="rId3">
+              <a:extLst>
+                <a:ext uri="{28A0092B-C50C-407E-A947-70E740481C1C}">
+                  <a14:useLocalDpi xmlns:a14="http://schemas.microsoft.com/office/drawing/2010/main" val="0"/>
+                </a:ext>
+              </a:extLst>
+            </a:blip>
+            <a:stretch>
+              <a:fillRect/>
+            </a:stretch>
+          </p:blipFill>
+          <p:spPr>
+            <a:xfrm>
+              <a:off x="6108700" y="2672617"/>
+              <a:ext cx="3086100" cy="2641600"/>
+            </a:xfrm>
+            <a:prstGeom prst="rect">
+              <a:avLst/>
+            </a:prstGeom>
+          </p:spPr>
+        </p:pic>
+      </p:grpSp>
+      <p:sp>
+        <p:nvSpPr>
+          <p:cNvPr id="3" name="TextBox 2"/>
+          <p:cNvSpPr txBox="1"/>
+          <p:nvPr/>
+        </p:nvSpPr>
+        <p:spPr>
+          <a:xfrm>
+            <a:off x="1068922" y="5823768"/>
+            <a:ext cx="7389610" cy="923330"/>
+          </a:xfrm>
+          <a:prstGeom prst="rect">
+            <a:avLst/>
+          </a:prstGeom>
+          <a:noFill/>
+        </p:spPr>
+        <p:txBody>
+          <a:bodyPr wrap="square" rtlCol="0">
+            <a:spAutoFit/>
+          </a:bodyPr>
+          <a:lstStyle/>
+          <a:p>
+            <a:r>
+              <a:rPr lang="en-US" dirty="0">
+                <a:solidFill>
+                  <a:srgbClr val="FF0000"/>
+                </a:solidFill>
+              </a:rPr>
+              <a:t>There were no months with discounts that had a particularly significant effect </a:t>
+            </a:r>
+            <a:r>
+              <a:rPr lang="en-US" dirty="0">
+                <a:solidFill>
+                  <a:srgbClr val="7F7F7F"/>
+                </a:solidFill>
+              </a:rPr>
+              <a:t>on the </a:t>
+            </a:r>
+            <a:r>
+              <a:rPr lang="en-US" dirty="0" smtClean="0">
+                <a:solidFill>
+                  <a:srgbClr val="7F7F7F"/>
+                </a:solidFill>
+              </a:rPr>
+              <a:t>total spent </a:t>
+            </a:r>
+            <a:r>
+              <a:rPr lang="en-US" dirty="0">
+                <a:solidFill>
+                  <a:srgbClr val="7F7F7F"/>
+                </a:solidFill>
+              </a:rPr>
+              <a:t>as compared to other months with discounts.</a:t>
+            </a:r>
+          </a:p>
+          <a:p>
+            <a:endParaRPr lang="en-US" dirty="0"/>
+          </a:p>
+        </p:txBody>
+      </p:sp>
       <p:pic>
         <p:nvPicPr>
-          <p:cNvPr id="5" name="Picture 4" descr="calendar.png"/>
+          <p:cNvPr id="11" name="Picture 10" descr="Screen Shot 2020-03-07 at 15.29.05.png"/>
           <p:cNvPicPr>
             <a:picLocks noChangeAspect="1"/>
           </p:cNvPicPr>
           <p:nvPr/>
         </p:nvPicPr>
         <p:blipFill>
-          <a:blip r:embed="rId2">
+          <a:blip r:embed="rId4">
             <a:extLst>
               <a:ext uri="{28A0092B-C50C-407E-A947-70E740481C1C}">
                 <a14:useLocalDpi xmlns:a14="http://schemas.microsoft.com/office/drawing/2010/main" val="0"/>
@@ -3245,38 +3512,8 @@
         </p:blipFill>
         <p:spPr>
           <a:xfrm>
-            <a:off x="284388" y="1720373"/>
-            <a:ext cx="2287357" cy="1850447"/>
-          </a:xfrm>
-          <a:prstGeom prst="rect">
-            <a:avLst/>
-          </a:prstGeom>
-        </p:spPr>
-      </p:pic>
-      <p:pic>
-        <p:nvPicPr>
-          <p:cNvPr id="6" name="Picture 5" descr="Screen Shot 2020-03-07 at 15.27.31.png"/>
-          <p:cNvPicPr>
-            <a:picLocks noChangeAspect="1"/>
-          </p:cNvPicPr>
-          <p:nvPr/>
-        </p:nvPicPr>
-        <p:blipFill>
-          <a:blip r:embed="rId3">
-            <a:extLst>
-              <a:ext uri="{28A0092B-C50C-407E-A947-70E740481C1C}">
-                <a14:useLocalDpi xmlns:a14="http://schemas.microsoft.com/office/drawing/2010/main" val="0"/>
-              </a:ext>
-            </a:extLst>
-          </a:blip>
-          <a:stretch>
-            <a:fillRect/>
-          </a:stretch>
-        </p:blipFill>
-        <p:spPr>
-          <a:xfrm>
-            <a:off x="2571746" y="1720373"/>
-            <a:ext cx="5911832" cy="3795532"/>
+            <a:off x="533400" y="1672492"/>
+            <a:ext cx="6548309" cy="3821313"/>
           </a:xfrm>
           <a:prstGeom prst="rect">
             <a:avLst/>
@@ -3286,7 +3523,7 @@
     </p:spTree>
     <p:extLst>
       <p:ext uri="{BB962C8B-B14F-4D97-AF65-F5344CB8AC3E}">
-        <p14:creationId xmlns:p14="http://schemas.microsoft.com/office/powerpoint/2010/main" val="1677585941"/>
+        <p14:creationId xmlns:p14="http://schemas.microsoft.com/office/powerpoint/2010/main" val="2433586158"/>
       </p:ext>
     </p:extLst>
   </p:cSld>
@@ -3330,251 +3567,241 @@
             <p:ph type="title"/>
           </p:nvPr>
         </p:nvSpPr>
+        <p:spPr/>
+        <p:txBody>
+          <a:bodyPr/>
+          <a:lstStyle/>
+          <a:p>
+            <a:r>
+              <a:rPr lang="en-US" dirty="0" smtClean="0">
+                <a:solidFill>
+                  <a:schemeClr val="accent3">
+                    <a:lumMod val="75000"/>
+                  </a:schemeClr>
+                </a:solidFill>
+              </a:rPr>
+              <a:t>Recommendations</a:t>
+            </a:r>
+            <a:endParaRPr lang="en-US" dirty="0">
+              <a:solidFill>
+                <a:schemeClr val="accent3">
+                  <a:lumMod val="75000"/>
+                </a:schemeClr>
+              </a:solidFill>
+            </a:endParaRPr>
+          </a:p>
+        </p:txBody>
+      </p:sp>
+      <p:sp>
+        <p:nvSpPr>
+          <p:cNvPr id="3" name="Content Placeholder 2"/>
+          <p:cNvSpPr>
+            <a:spLocks noGrp="1"/>
+          </p:cNvSpPr>
+          <p:nvPr>
+            <p:ph idx="1"/>
+          </p:nvPr>
+        </p:nvSpPr>
         <p:spPr>
           <a:xfrm>
-            <a:off x="1693452" y="252643"/>
-            <a:ext cx="6684004" cy="1517578"/>
+            <a:off x="457200" y="1834358"/>
+            <a:ext cx="8229600" cy="4291805"/>
           </a:xfrm>
         </p:spPr>
         <p:txBody>
           <a:bodyPr>
-            <a:normAutofit fontScale="90000"/>
+            <a:normAutofit/>
           </a:bodyPr>
           <a:lstStyle/>
           <a:p>
-            <a:pPr algn="l"/>
-            <a:r>
-              <a:rPr lang="en-US" sz="3200" dirty="0" smtClean="0">
-                <a:solidFill>
-                  <a:srgbClr val="7F7F7F"/>
-                </a:solidFill>
-              </a:rPr>
-              <a:t>Month with discounts effect on </a:t>
-            </a:r>
-            <a:br>
-              <a:rPr lang="en-US" sz="3200" dirty="0" smtClean="0">
-                <a:solidFill>
-                  <a:srgbClr val="7F7F7F"/>
-                </a:solidFill>
-              </a:rPr>
-            </a:br>
-            <a:r>
-              <a:rPr lang="en-US" sz="3200" u="sng" dirty="0" smtClean="0">
-                <a:solidFill>
-                  <a:srgbClr val="7F7F7F"/>
-                </a:solidFill>
-              </a:rPr>
-              <a:t>Total Spent</a:t>
-            </a:r>
-            <a:r>
-              <a:rPr lang="en-US" sz="3200" dirty="0" smtClean="0">
-                <a:solidFill>
-                  <a:srgbClr val="7F7F7F"/>
-                </a:solidFill>
-              </a:rPr>
-              <a:t> on products in </a:t>
-            </a:r>
-            <a:r>
-              <a:rPr lang="en-US" sz="3200" dirty="0">
-                <a:solidFill>
-                  <a:srgbClr val="7F7F7F"/>
-                </a:solidFill>
-              </a:rPr>
-              <a:t>an </a:t>
-            </a:r>
-            <a:r>
-              <a:rPr lang="en-US" sz="3200" dirty="0" smtClean="0">
-                <a:solidFill>
-                  <a:srgbClr val="7F7F7F"/>
-                </a:solidFill>
-              </a:rPr>
-              <a:t/>
-            </a:r>
-            <a:br>
-              <a:rPr lang="en-US" sz="3200" dirty="0" smtClean="0">
-                <a:solidFill>
-                  <a:srgbClr val="7F7F7F"/>
-                </a:solidFill>
-              </a:rPr>
-            </a:br>
-            <a:r>
-              <a:rPr lang="en-US" sz="3200" dirty="0" smtClean="0">
-                <a:solidFill>
-                  <a:srgbClr val="7F7F7F"/>
-                </a:solidFill>
-              </a:rPr>
-              <a:t>order</a:t>
-            </a:r>
-            <a:endParaRPr lang="en-US" sz="3200" dirty="0">
-              <a:solidFill>
-                <a:srgbClr val="7F7F7F"/>
-              </a:solidFill>
-            </a:endParaRPr>
-          </a:p>
-        </p:txBody>
-      </p:sp>
-      <p:pic>
-        <p:nvPicPr>
-          <p:cNvPr id="8" name="Picture 7"/>
-          <p:cNvPicPr>
-            <a:picLocks noChangeAspect="1"/>
-          </p:cNvPicPr>
-          <p:nvPr/>
-        </p:nvPicPr>
-        <p:blipFill>
-          <a:blip r:embed="rId2">
-            <a:extLst>
-              <a:ext uri="{28A0092B-C50C-407E-A947-70E740481C1C}">
-                <a14:useLocalDpi xmlns:a14="http://schemas.microsoft.com/office/drawing/2010/main" val="0"/>
-              </a:ext>
-            </a:extLst>
-          </a:blip>
-          <a:stretch>
-            <a:fillRect/>
-          </a:stretch>
-        </p:blipFill>
-        <p:spPr>
-          <a:xfrm>
-            <a:off x="7004734" y="252643"/>
-            <a:ext cx="1372722" cy="2002004"/>
-          </a:xfrm>
-          <a:prstGeom prst="rect">
-            <a:avLst/>
-          </a:prstGeom>
-        </p:spPr>
-      </p:pic>
-      <p:pic>
-        <p:nvPicPr>
-          <p:cNvPr id="10" name="Picture 9" descr="images.png"/>
-          <p:cNvPicPr>
-            <a:picLocks noChangeAspect="1"/>
-          </p:cNvPicPr>
-          <p:nvPr/>
-        </p:nvPicPr>
-        <p:blipFill>
-          <a:blip r:embed="rId3">
-            <a:extLst>
-              <a:ext uri="{28A0092B-C50C-407E-A947-70E740481C1C}">
-                <a14:useLocalDpi xmlns:a14="http://schemas.microsoft.com/office/drawing/2010/main" val="0"/>
-              </a:ext>
-            </a:extLst>
-          </a:blip>
-          <a:stretch>
-            <a:fillRect/>
-          </a:stretch>
-        </p:blipFill>
-        <p:spPr>
-          <a:xfrm>
-            <a:off x="6108700" y="2672617"/>
-            <a:ext cx="3086100" cy="2641600"/>
-          </a:xfrm>
-          <a:prstGeom prst="rect">
-            <a:avLst/>
-          </a:prstGeom>
-        </p:spPr>
-      </p:pic>
-      <p:sp>
-        <p:nvSpPr>
-          <p:cNvPr id="4" name="TextBox 3"/>
-          <p:cNvSpPr txBox="1"/>
-          <p:nvPr/>
-        </p:nvSpPr>
-        <p:spPr>
-          <a:xfrm>
-            <a:off x="1834573" y="2672617"/>
-            <a:ext cx="5439574" cy="1015663"/>
-          </a:xfrm>
-          <a:prstGeom prst="rect">
-            <a:avLst/>
-          </a:prstGeom>
-          <a:noFill/>
-        </p:spPr>
-        <p:txBody>
-          <a:bodyPr wrap="square" rtlCol="0">
-            <a:spAutoFit/>
-          </a:bodyPr>
-          <a:lstStyle/>
-          <a:p>
-            <a:r>
-              <a:rPr lang="en-US" sz="2000" dirty="0" smtClean="0">
-                <a:solidFill>
-                  <a:srgbClr val="FF0000"/>
-                </a:solidFill>
-              </a:rPr>
-              <a:t>There were no months with discounts that had a particularly significant effect </a:t>
-            </a:r>
-            <a:r>
-              <a:rPr lang="en-US" sz="2000" dirty="0" smtClean="0">
-                <a:solidFill>
-                  <a:srgbClr val="7F7F7F"/>
-                </a:solidFill>
-              </a:rPr>
-              <a:t>on the </a:t>
-            </a:r>
-            <a:r>
-              <a:rPr lang="en-US" sz="2000" smtClean="0">
-                <a:solidFill>
-                  <a:srgbClr val="7F7F7F"/>
-                </a:solidFill>
-              </a:rPr>
-              <a:t>total </a:t>
-            </a:r>
-            <a:r>
-              <a:rPr lang="en-US" sz="2000" smtClean="0">
-                <a:solidFill>
-                  <a:srgbClr val="7F7F7F"/>
-                </a:solidFill>
-              </a:rPr>
-              <a:t>spent </a:t>
-            </a:r>
-            <a:r>
-              <a:rPr lang="en-US" sz="2000" dirty="0" smtClean="0">
-                <a:solidFill>
-                  <a:srgbClr val="7F7F7F"/>
-                </a:solidFill>
-              </a:rPr>
-              <a:t>as compared to other months with discounts.</a:t>
-            </a:r>
-          </a:p>
-        </p:txBody>
-      </p:sp>
-      <p:sp>
-        <p:nvSpPr>
-          <p:cNvPr id="5" name="TextBox 4"/>
-          <p:cNvSpPr txBox="1"/>
-          <p:nvPr/>
-        </p:nvSpPr>
-        <p:spPr>
-          <a:xfrm>
-            <a:off x="872384" y="254889"/>
-            <a:ext cx="1359893" cy="1323439"/>
-          </a:xfrm>
-          <a:prstGeom prst="rect">
-            <a:avLst/>
-          </a:prstGeom>
-          <a:noFill/>
-        </p:spPr>
-        <p:txBody>
-          <a:bodyPr wrap="square" rtlCol="0">
-            <a:spAutoFit/>
-          </a:bodyPr>
-          <a:lstStyle/>
-          <a:p>
-            <a:r>
-              <a:rPr lang="en-US" sz="8000" b="1" dirty="0">
-                <a:solidFill>
-                  <a:srgbClr val="FF0000"/>
-                </a:solidFill>
-              </a:rPr>
-              <a:t>4</a:t>
-            </a:r>
+            <a:r>
+              <a:rPr lang="en-US" sz="2200" dirty="0" smtClean="0">
+                <a:solidFill>
+                  <a:schemeClr val="bg1">
+                    <a:lumMod val="50000"/>
+                  </a:schemeClr>
+                </a:solidFill>
+              </a:rPr>
+              <a:t>The discount amounts </a:t>
+            </a:r>
+            <a:r>
+              <a:rPr lang="en-US" sz="2200" b="1" dirty="0" smtClean="0">
+                <a:solidFill>
+                  <a:schemeClr val="bg1">
+                    <a:lumMod val="50000"/>
+                  </a:schemeClr>
+                </a:solidFill>
+              </a:rPr>
+              <a:t>15%, 25%, 5%, 25% </a:t>
+            </a:r>
+            <a:r>
+              <a:rPr lang="en-US" sz="2200" dirty="0" smtClean="0">
+                <a:solidFill>
+                  <a:schemeClr val="bg1">
+                    <a:lumMod val="50000"/>
+                  </a:schemeClr>
+                </a:solidFill>
+              </a:rPr>
+              <a:t>had </a:t>
+            </a:r>
+            <a:r>
+              <a:rPr lang="en-US" sz="2200" dirty="0" smtClean="0">
+                <a:solidFill>
+                  <a:schemeClr val="bg1">
+                    <a:lumMod val="50000"/>
+                  </a:schemeClr>
+                </a:solidFill>
+              </a:rPr>
+              <a:t>slight – medium effect on quantity ordered.</a:t>
+            </a:r>
+          </a:p>
+          <a:p>
+            <a:r>
+              <a:rPr lang="en-US" sz="2200" dirty="0">
+                <a:solidFill>
+                  <a:schemeClr val="bg1">
+                    <a:lumMod val="50000"/>
+                  </a:schemeClr>
+                </a:solidFill>
+              </a:rPr>
+              <a:t>The discount amounts </a:t>
+            </a:r>
+            <a:r>
+              <a:rPr lang="en-US" sz="2200" b="1" dirty="0" smtClean="0">
+                <a:solidFill>
+                  <a:schemeClr val="bg1">
+                    <a:lumMod val="50000"/>
+                  </a:schemeClr>
+                </a:solidFill>
+              </a:rPr>
+              <a:t>5</a:t>
+            </a:r>
+            <a:r>
+              <a:rPr lang="en-US" sz="2200" b="1" dirty="0">
+                <a:solidFill>
+                  <a:schemeClr val="bg1">
+                    <a:lumMod val="50000"/>
+                  </a:schemeClr>
+                </a:solidFill>
+              </a:rPr>
+              <a:t>%, 25% </a:t>
+            </a:r>
+            <a:r>
+              <a:rPr lang="en-US" sz="2200" dirty="0" smtClean="0">
+                <a:solidFill>
+                  <a:schemeClr val="bg1">
+                    <a:lumMod val="50000"/>
+                  </a:schemeClr>
+                </a:solidFill>
+              </a:rPr>
+              <a:t>had </a:t>
+            </a:r>
+            <a:r>
+              <a:rPr lang="en-US" sz="2200" dirty="0">
+                <a:solidFill>
+                  <a:schemeClr val="bg1">
+                    <a:lumMod val="50000"/>
+                  </a:schemeClr>
+                </a:solidFill>
+              </a:rPr>
+              <a:t>slight – medium effect on </a:t>
+            </a:r>
+            <a:r>
+              <a:rPr lang="en-US" sz="2200" dirty="0" smtClean="0">
+                <a:solidFill>
+                  <a:schemeClr val="bg1">
+                    <a:lumMod val="50000"/>
+                  </a:schemeClr>
+                </a:solidFill>
+              </a:rPr>
+              <a:t>total sales in an order.</a:t>
+            </a:r>
+          </a:p>
+          <a:p>
+            <a:r>
+              <a:rPr lang="en-US" sz="2200" dirty="0" smtClean="0">
+                <a:solidFill>
+                  <a:schemeClr val="bg1">
+                    <a:lumMod val="50000"/>
+                  </a:schemeClr>
+                </a:solidFill>
+              </a:rPr>
+              <a:t>Offering a </a:t>
+            </a:r>
+            <a:r>
+              <a:rPr lang="en-US" sz="2200" b="1" dirty="0" smtClean="0">
+                <a:solidFill>
+                  <a:schemeClr val="bg1">
+                    <a:lumMod val="50000"/>
+                  </a:schemeClr>
+                </a:solidFill>
+              </a:rPr>
+              <a:t>5% </a:t>
+            </a:r>
+            <a:r>
+              <a:rPr lang="en-US" sz="2200" dirty="0" smtClean="0">
+                <a:solidFill>
+                  <a:schemeClr val="bg1">
+                    <a:lumMod val="50000"/>
+                  </a:schemeClr>
+                </a:solidFill>
+              </a:rPr>
+              <a:t>discount instead of </a:t>
+            </a:r>
+            <a:r>
+              <a:rPr lang="en-US" sz="2200" b="1" dirty="0" smtClean="0">
+                <a:solidFill>
+                  <a:schemeClr val="bg1">
+                    <a:lumMod val="50000"/>
+                  </a:schemeClr>
+                </a:solidFill>
+              </a:rPr>
+              <a:t>25% </a:t>
+            </a:r>
+            <a:r>
+              <a:rPr lang="en-US" sz="2200" dirty="0" smtClean="0">
+                <a:solidFill>
+                  <a:schemeClr val="bg1">
+                    <a:lumMod val="50000"/>
+                  </a:schemeClr>
+                </a:solidFill>
+              </a:rPr>
+              <a:t>may be profitable as they both have similar effects on the quantity and total sale of products.</a:t>
+            </a:r>
+          </a:p>
+          <a:p>
+            <a:r>
+              <a:rPr lang="en-US" sz="2200" dirty="0" smtClean="0">
+                <a:solidFill>
+                  <a:schemeClr val="bg1">
+                    <a:lumMod val="50000"/>
+                  </a:schemeClr>
+                </a:solidFill>
+              </a:rPr>
+              <a:t>The discounted month does not have a significantly different effect to other discounted months.</a:t>
+            </a:r>
+          </a:p>
+          <a:p>
+            <a:r>
+              <a:rPr lang="en-US" sz="2200" dirty="0" smtClean="0">
+                <a:solidFill>
+                  <a:schemeClr val="bg1">
+                    <a:lumMod val="50000"/>
+                  </a:schemeClr>
+                </a:solidFill>
+              </a:rPr>
+              <a:t>A larger amount of even sales data between discounted orders and full price orders may be more effective.</a:t>
+            </a:r>
+          </a:p>
+          <a:p>
+            <a:endParaRPr lang="en-US" dirty="0"/>
           </a:p>
         </p:txBody>
       </p:sp>
     </p:spTree>
     <p:extLst>
       <p:ext uri="{BB962C8B-B14F-4D97-AF65-F5344CB8AC3E}">
-        <p14:creationId xmlns:p14="http://schemas.microsoft.com/office/powerpoint/2010/main" val="2276380942"/>
+        <p14:creationId xmlns:p14="http://schemas.microsoft.com/office/powerpoint/2010/main" val="746679616"/>
       </p:ext>
     </p:extLst>
   </p:cSld>
@@ -3608,40 +3835,441 @@
           <a:chExt cx="0" cy="0"/>
         </a:xfrm>
       </p:grpSpPr>
-      <p:pic>
-        <p:nvPicPr>
-          <p:cNvPr id="4" name="Picture 3" descr="Screen Shot 2020-03-07 at 15.29.05.png"/>
-          <p:cNvPicPr>
-            <a:picLocks noChangeAspect="1"/>
-          </p:cNvPicPr>
-          <p:nvPr/>
-        </p:nvPicPr>
-        <p:blipFill>
-          <a:blip r:embed="rId2">
-            <a:extLst>
-              <a:ext uri="{28A0092B-C50C-407E-A947-70E740481C1C}">
-                <a14:useLocalDpi xmlns:a14="http://schemas.microsoft.com/office/drawing/2010/main" val="0"/>
-              </a:ext>
-            </a:extLst>
-          </a:blip>
-          <a:stretch>
-            <a:fillRect/>
-          </a:stretch>
-        </p:blipFill>
+      <p:sp>
+        <p:nvSpPr>
+          <p:cNvPr id="2" name="Title 1"/>
+          <p:cNvSpPr>
+            <a:spLocks noGrp="1"/>
+          </p:cNvSpPr>
+          <p:nvPr>
+            <p:ph type="title"/>
+          </p:nvPr>
+        </p:nvSpPr>
+        <p:spPr/>
+        <p:txBody>
+          <a:bodyPr/>
+          <a:lstStyle/>
+          <a:p>
+            <a:r>
+              <a:rPr lang="en-US" dirty="0" smtClean="0">
+                <a:solidFill>
+                  <a:schemeClr val="accent3">
+                    <a:lumMod val="75000"/>
+                  </a:schemeClr>
+                </a:solidFill>
+              </a:rPr>
+              <a:t>Future Work</a:t>
+            </a:r>
+            <a:endParaRPr lang="en-US" dirty="0"/>
+          </a:p>
+        </p:txBody>
+      </p:sp>
+      <p:sp>
+        <p:nvSpPr>
+          <p:cNvPr id="3" name="Content Placeholder 2"/>
+          <p:cNvSpPr>
+            <a:spLocks noGrp="1"/>
+          </p:cNvSpPr>
+          <p:nvPr>
+            <p:ph idx="1"/>
+          </p:nvPr>
+        </p:nvSpPr>
         <p:spPr>
           <a:xfrm>
-            <a:off x="533400" y="1143000"/>
-            <a:ext cx="8064500" cy="4559300"/>
+            <a:off x="320730" y="1600200"/>
+            <a:ext cx="8366070" cy="4525963"/>
           </a:xfrm>
-          <a:prstGeom prst="rect">
-            <a:avLst/>
-          </a:prstGeom>
         </p:spPr>
-      </p:pic>
+        <p:txBody>
+          <a:bodyPr>
+            <a:normAutofit fontScale="25000" lnSpcReduction="20000"/>
+          </a:bodyPr>
+          <a:lstStyle/>
+          <a:p>
+            <a:pPr marL="0" indent="0">
+              <a:buNone/>
+            </a:pPr>
+            <a:r>
+              <a:rPr lang="en-US" dirty="0" smtClean="0">
+                <a:solidFill>
+                  <a:schemeClr val="tx1">
+                    <a:lumMod val="65000"/>
+                    <a:lumOff val="35000"/>
+                  </a:schemeClr>
+                </a:solidFill>
+              </a:rPr>
+              <a:t>	</a:t>
+            </a:r>
+            <a:r>
+              <a:rPr lang="en-US" sz="6400" b="1" dirty="0" smtClean="0">
+                <a:solidFill>
+                  <a:schemeClr val="tx1">
+                    <a:lumMod val="65000"/>
+                    <a:lumOff val="35000"/>
+                  </a:schemeClr>
+                </a:solidFill>
+              </a:rPr>
+              <a:t>Potential further analysis of discount:</a:t>
+            </a:r>
+          </a:p>
+          <a:p>
+            <a:pPr marL="0" indent="0">
+              <a:buNone/>
+            </a:pPr>
+            <a:endParaRPr lang="en-US" sz="6400" dirty="0">
+              <a:solidFill>
+                <a:schemeClr val="tx1">
+                  <a:lumMod val="65000"/>
+                  <a:lumOff val="35000"/>
+                </a:schemeClr>
+              </a:solidFill>
+            </a:endParaRPr>
+          </a:p>
+          <a:p>
+            <a:pPr marL="0" indent="0">
+              <a:buNone/>
+            </a:pPr>
+            <a:r>
+              <a:rPr lang="en-US" sz="6400" dirty="0" smtClean="0">
+                <a:solidFill>
+                  <a:schemeClr val="tx1">
+                    <a:lumMod val="65000"/>
+                    <a:lumOff val="35000"/>
+                  </a:schemeClr>
+                </a:solidFill>
+              </a:rPr>
+              <a:t>	</a:t>
+            </a:r>
+            <a:r>
+              <a:rPr lang="en-US" sz="6400" b="1" dirty="0" smtClean="0">
+                <a:solidFill>
+                  <a:schemeClr val="tx1">
+                    <a:lumMod val="65000"/>
+                    <a:lumOff val="35000"/>
+                  </a:schemeClr>
+                </a:solidFill>
+              </a:rPr>
+              <a:t>?</a:t>
+            </a:r>
+            <a:r>
+              <a:rPr lang="en-US" sz="6400" dirty="0" smtClean="0">
+                <a:solidFill>
+                  <a:schemeClr val="tx1">
+                    <a:lumMod val="65000"/>
+                    <a:lumOff val="35000"/>
+                  </a:schemeClr>
+                </a:solidFill>
+              </a:rPr>
+              <a:t> 	Does the shipping destination have a significant effect on quantity of discounted products		purchased in an order.</a:t>
+            </a:r>
+          </a:p>
+          <a:p>
+            <a:pPr marL="0" indent="0">
+              <a:buNone/>
+            </a:pPr>
+            <a:r>
+              <a:rPr lang="en-US" sz="6400" dirty="0" smtClean="0">
+                <a:solidFill>
+                  <a:schemeClr val="tx1">
+                    <a:lumMod val="65000"/>
+                    <a:lumOff val="35000"/>
+                  </a:schemeClr>
+                </a:solidFill>
+              </a:rPr>
+              <a:t>	</a:t>
+            </a:r>
+          </a:p>
+          <a:p>
+            <a:pPr marL="0" indent="0">
+              <a:buNone/>
+            </a:pPr>
+            <a:r>
+              <a:rPr lang="en-US" sz="6400" dirty="0">
+                <a:solidFill>
+                  <a:schemeClr val="tx1">
+                    <a:lumMod val="65000"/>
+                    <a:lumOff val="35000"/>
+                  </a:schemeClr>
+                </a:solidFill>
+              </a:rPr>
+              <a:t>	</a:t>
+            </a:r>
+            <a:r>
+              <a:rPr lang="en-US" sz="6400" b="1" dirty="0" smtClean="0">
+                <a:solidFill>
+                  <a:schemeClr val="tx1">
+                    <a:lumMod val="65000"/>
+                    <a:lumOff val="35000"/>
+                  </a:schemeClr>
+                </a:solidFill>
+              </a:rPr>
+              <a:t>?</a:t>
+            </a:r>
+            <a:r>
+              <a:rPr lang="en-US" sz="6400" dirty="0" smtClean="0">
+                <a:solidFill>
+                  <a:schemeClr val="tx1">
+                    <a:lumMod val="65000"/>
+                    <a:lumOff val="35000"/>
+                  </a:schemeClr>
+                </a:solidFill>
+              </a:rPr>
+              <a:t>	Does offering a customer demo on a discounted product increase the quantity of orders for 		the product.</a:t>
+            </a:r>
+          </a:p>
+          <a:p>
+            <a:pPr marL="0" indent="0">
+              <a:buNone/>
+            </a:pPr>
+            <a:endParaRPr lang="en-US" sz="6400" dirty="0">
+              <a:solidFill>
+                <a:schemeClr val="tx1">
+                  <a:lumMod val="65000"/>
+                  <a:lumOff val="35000"/>
+                </a:schemeClr>
+              </a:solidFill>
+            </a:endParaRPr>
+          </a:p>
+          <a:p>
+            <a:pPr marL="0" indent="0">
+              <a:buNone/>
+            </a:pPr>
+            <a:r>
+              <a:rPr lang="en-US" sz="6400" dirty="0" smtClean="0">
+                <a:solidFill>
+                  <a:schemeClr val="tx1">
+                    <a:lumMod val="65000"/>
+                    <a:lumOff val="35000"/>
+                  </a:schemeClr>
+                </a:solidFill>
+              </a:rPr>
+              <a:t>	</a:t>
+            </a:r>
+            <a:r>
+              <a:rPr lang="en-US" sz="6400" b="1" dirty="0" smtClean="0">
+                <a:solidFill>
+                  <a:schemeClr val="tx1">
+                    <a:lumMod val="65000"/>
+                    <a:lumOff val="35000"/>
+                  </a:schemeClr>
+                </a:solidFill>
+              </a:rPr>
+              <a:t>?</a:t>
+            </a:r>
+            <a:r>
+              <a:rPr lang="en-US" sz="6400" dirty="0" smtClean="0">
+                <a:solidFill>
+                  <a:schemeClr val="tx1">
+                    <a:lumMod val="65000"/>
+                    <a:lumOff val="35000"/>
+                  </a:schemeClr>
+                </a:solidFill>
+              </a:rPr>
+              <a:t>	Does category of product have a significant effect on discounted orders for the 			product and if so which categories.</a:t>
+            </a:r>
+          </a:p>
+          <a:p>
+            <a:pPr marL="0" indent="0">
+              <a:buNone/>
+            </a:pPr>
+            <a:endParaRPr lang="en-US" sz="6400" dirty="0" smtClean="0">
+              <a:solidFill>
+                <a:schemeClr val="tx1">
+                  <a:lumMod val="65000"/>
+                  <a:lumOff val="35000"/>
+                </a:schemeClr>
+              </a:solidFill>
+            </a:endParaRPr>
+          </a:p>
+          <a:p>
+            <a:pPr marL="0" indent="0">
+              <a:buNone/>
+            </a:pPr>
+            <a:r>
+              <a:rPr lang="en-US" sz="6400" b="1" dirty="0" smtClean="0">
+                <a:solidFill>
+                  <a:schemeClr val="tx1">
+                    <a:lumMod val="65000"/>
+                    <a:lumOff val="35000"/>
+                  </a:schemeClr>
+                </a:solidFill>
+              </a:rPr>
+              <a:t>	?</a:t>
+            </a:r>
+            <a:r>
+              <a:rPr lang="en-US" sz="6400" dirty="0">
+                <a:solidFill>
+                  <a:schemeClr val="tx1">
+                    <a:lumMod val="65000"/>
+                    <a:lumOff val="35000"/>
+                  </a:schemeClr>
+                </a:solidFill>
+              </a:rPr>
+              <a:t>	Does </a:t>
+            </a:r>
+            <a:r>
+              <a:rPr lang="en-US" sz="6400" dirty="0" smtClean="0">
+                <a:solidFill>
+                  <a:schemeClr val="tx1">
+                    <a:lumMod val="65000"/>
+                    <a:lumOff val="35000"/>
+                  </a:schemeClr>
+                </a:solidFill>
+              </a:rPr>
+              <a:t>category </a:t>
+            </a:r>
+            <a:r>
+              <a:rPr lang="en-US" sz="6400" dirty="0">
+                <a:solidFill>
+                  <a:schemeClr val="tx1">
+                    <a:lumMod val="65000"/>
+                    <a:lumOff val="35000"/>
+                  </a:schemeClr>
+                </a:solidFill>
+              </a:rPr>
+              <a:t>of product have a significant effect on discounted orders for the 		</a:t>
+            </a:r>
+            <a:r>
+              <a:rPr lang="en-US" sz="6400" dirty="0" smtClean="0">
+                <a:solidFill>
+                  <a:schemeClr val="tx1">
+                    <a:lumMod val="65000"/>
+                    <a:lumOff val="35000"/>
+                  </a:schemeClr>
+                </a:solidFill>
+              </a:rPr>
+              <a:t>	product in a particular month </a:t>
+            </a:r>
+            <a:r>
+              <a:rPr lang="en-US" sz="6400" dirty="0">
+                <a:solidFill>
+                  <a:schemeClr val="tx1">
+                    <a:lumMod val="65000"/>
+                    <a:lumOff val="35000"/>
+                  </a:schemeClr>
+                </a:solidFill>
+              </a:rPr>
+              <a:t>and if so which </a:t>
+            </a:r>
+            <a:r>
+              <a:rPr lang="en-US" sz="6400" dirty="0" smtClean="0">
+                <a:solidFill>
+                  <a:schemeClr val="tx1">
+                    <a:lumMod val="65000"/>
+                    <a:lumOff val="35000"/>
+                  </a:schemeClr>
+                </a:solidFill>
+              </a:rPr>
+              <a:t>categories and months</a:t>
+            </a:r>
+          </a:p>
+          <a:p>
+            <a:pPr marL="0" indent="0">
+              <a:buNone/>
+            </a:pPr>
+            <a:endParaRPr lang="en-US" sz="6400" dirty="0">
+              <a:solidFill>
+                <a:schemeClr val="tx1">
+                  <a:lumMod val="65000"/>
+                  <a:lumOff val="35000"/>
+                </a:schemeClr>
+              </a:solidFill>
+            </a:endParaRPr>
+          </a:p>
+          <a:p>
+            <a:pPr marL="0" indent="0">
+              <a:buNone/>
+            </a:pPr>
+            <a:r>
+              <a:rPr lang="en-US" sz="6400" dirty="0" smtClean="0">
+                <a:solidFill>
+                  <a:schemeClr val="tx1">
+                    <a:lumMod val="65000"/>
+                    <a:lumOff val="35000"/>
+                  </a:schemeClr>
+                </a:solidFill>
+              </a:rPr>
+              <a:t>	</a:t>
+            </a:r>
+            <a:r>
+              <a:rPr lang="en-US" sz="6400" b="1" dirty="0" smtClean="0">
+                <a:solidFill>
+                  <a:schemeClr val="tx1">
+                    <a:lumMod val="65000"/>
+                    <a:lumOff val="35000"/>
+                  </a:schemeClr>
+                </a:solidFill>
+              </a:rPr>
+              <a:t>?</a:t>
+            </a:r>
+            <a:r>
+              <a:rPr lang="en-US" sz="6400" dirty="0" smtClean="0">
+                <a:solidFill>
+                  <a:schemeClr val="tx1">
+                    <a:lumMod val="65000"/>
+                    <a:lumOff val="35000"/>
+                  </a:schemeClr>
+                </a:solidFill>
+              </a:rPr>
+              <a:t>	Are there any particular customers that are companies which have a significant effect on the 		quantity of discounted orders and  </a:t>
+            </a:r>
+            <a:r>
+              <a:rPr lang="en-US" sz="6400" dirty="0">
+                <a:solidFill>
+                  <a:schemeClr val="tx1">
+                    <a:lumMod val="65000"/>
+                    <a:lumOff val="35000"/>
+                  </a:schemeClr>
+                </a:solidFill>
+              </a:rPr>
+              <a:t>i</a:t>
+            </a:r>
+            <a:r>
+              <a:rPr lang="en-US" sz="6400" dirty="0" smtClean="0">
+                <a:solidFill>
+                  <a:schemeClr val="tx1">
+                    <a:lumMod val="65000"/>
+                    <a:lumOff val="35000"/>
+                  </a:schemeClr>
+                </a:solidFill>
+              </a:rPr>
+              <a:t>f so which customers.</a:t>
+            </a:r>
+          </a:p>
+          <a:p>
+            <a:pPr marL="0" indent="0" algn="just">
+              <a:buNone/>
+            </a:pPr>
+            <a:r>
+              <a:rPr lang="en-US" sz="2600" dirty="0"/>
+              <a:t>	</a:t>
+            </a:r>
+            <a:endParaRPr lang="en-US" sz="2600" dirty="0" smtClean="0"/>
+          </a:p>
+          <a:p>
+            <a:pPr marL="0" indent="0">
+              <a:buNone/>
+            </a:pPr>
+            <a:endParaRPr lang="en-US" dirty="0"/>
+          </a:p>
+          <a:p>
+            <a:pPr marL="0" indent="0">
+              <a:buNone/>
+            </a:pPr>
+            <a:r>
+              <a:rPr lang="en-US" dirty="0" smtClean="0"/>
+              <a:t>	</a:t>
+            </a:r>
+          </a:p>
+          <a:p>
+            <a:endParaRPr lang="en-US" dirty="0"/>
+          </a:p>
+        </p:txBody>
+      </p:sp>
     </p:spTree>
     <p:extLst>
       <p:ext uri="{BB962C8B-B14F-4D97-AF65-F5344CB8AC3E}">
-        <p14:creationId xmlns:p14="http://schemas.microsoft.com/office/powerpoint/2010/main" val="3118551509"/>
+        <p14:creationId xmlns:p14="http://schemas.microsoft.com/office/powerpoint/2010/main" val="1447878541"/>
       </p:ext>
     </p:extLst>
   </p:cSld>
@@ -3659,234 +4287,6 @@
 </file>
 
 <file path=ppt/slides/slide13.xml><?xml version="1.0" encoding="utf-8"?>
-<p:sld xmlns:a="http://schemas.openxmlformats.org/drawingml/2006/main" xmlns:r="http://schemas.openxmlformats.org/officeDocument/2006/relationships" xmlns:p="http://schemas.openxmlformats.org/presentationml/2006/main">
-  <p:cSld>
-    <p:spTree>
-      <p:nvGrpSpPr>
-        <p:cNvPr id="1" name=""/>
-        <p:cNvGrpSpPr/>
-        <p:nvPr/>
-      </p:nvGrpSpPr>
-      <p:grpSpPr>
-        <a:xfrm>
-          <a:off x="0" y="0"/>
-          <a:ext cx="0" cy="0"/>
-          <a:chOff x="0" y="0"/>
-          <a:chExt cx="0" cy="0"/>
-        </a:xfrm>
-      </p:grpSpPr>
-      <p:sp>
-        <p:nvSpPr>
-          <p:cNvPr id="2" name="Title 1"/>
-          <p:cNvSpPr>
-            <a:spLocks noGrp="1"/>
-          </p:cNvSpPr>
-          <p:nvPr>
-            <p:ph type="title"/>
-          </p:nvPr>
-        </p:nvSpPr>
-        <p:spPr/>
-        <p:txBody>
-          <a:bodyPr/>
-          <a:lstStyle/>
-          <a:p>
-            <a:r>
-              <a:rPr lang="en-US" dirty="0" smtClean="0">
-                <a:solidFill>
-                  <a:schemeClr val="accent3">
-                    <a:lumMod val="75000"/>
-                  </a:schemeClr>
-                </a:solidFill>
-              </a:rPr>
-              <a:t>Recommendations</a:t>
-            </a:r>
-            <a:endParaRPr lang="en-US" dirty="0">
-              <a:solidFill>
-                <a:schemeClr val="accent3">
-                  <a:lumMod val="75000"/>
-                </a:schemeClr>
-              </a:solidFill>
-            </a:endParaRPr>
-          </a:p>
-        </p:txBody>
-      </p:sp>
-      <p:sp>
-        <p:nvSpPr>
-          <p:cNvPr id="3" name="Content Placeholder 2"/>
-          <p:cNvSpPr>
-            <a:spLocks noGrp="1"/>
-          </p:cNvSpPr>
-          <p:nvPr>
-            <p:ph idx="1"/>
-          </p:nvPr>
-        </p:nvSpPr>
-        <p:spPr>
-          <a:xfrm>
-            <a:off x="457200" y="1192976"/>
-            <a:ext cx="8229600" cy="4933188"/>
-          </a:xfrm>
-        </p:spPr>
-        <p:txBody>
-          <a:bodyPr>
-            <a:normAutofit fontScale="85000" lnSpcReduction="10000"/>
-          </a:bodyPr>
-          <a:lstStyle/>
-          <a:p>
-            <a:r>
-              <a:rPr lang="en-US" dirty="0" smtClean="0">
-                <a:solidFill>
-                  <a:schemeClr val="bg1">
-                    <a:lumMod val="50000"/>
-                  </a:schemeClr>
-                </a:solidFill>
-              </a:rPr>
-              <a:t>The discount amounts 15%, 25%, 5%, 25% </a:t>
-            </a:r>
-            <a:r>
-              <a:rPr lang="en-US" dirty="0" smtClean="0">
-                <a:solidFill>
-                  <a:schemeClr val="bg1">
-                    <a:lumMod val="50000"/>
-                  </a:schemeClr>
-                </a:solidFill>
-              </a:rPr>
-              <a:t>had </a:t>
-            </a:r>
-            <a:r>
-              <a:rPr lang="en-US" dirty="0" smtClean="0">
-                <a:solidFill>
-                  <a:schemeClr val="bg1">
-                    <a:lumMod val="50000"/>
-                  </a:schemeClr>
-                </a:solidFill>
-              </a:rPr>
-              <a:t>slight – medium effect on quantity ordered.</a:t>
-            </a:r>
-          </a:p>
-          <a:p>
-            <a:r>
-              <a:rPr lang="en-US" dirty="0">
-                <a:solidFill>
-                  <a:schemeClr val="bg1">
-                    <a:lumMod val="50000"/>
-                  </a:schemeClr>
-                </a:solidFill>
-              </a:rPr>
-              <a:t>The discount amounts </a:t>
-            </a:r>
-            <a:r>
-              <a:rPr lang="en-US" dirty="0" smtClean="0">
-                <a:solidFill>
-                  <a:schemeClr val="bg1">
-                    <a:lumMod val="50000"/>
-                  </a:schemeClr>
-                </a:solidFill>
-              </a:rPr>
-              <a:t>5</a:t>
-            </a:r>
-            <a:r>
-              <a:rPr lang="en-US" dirty="0">
-                <a:solidFill>
-                  <a:schemeClr val="bg1">
-                    <a:lumMod val="50000"/>
-                  </a:schemeClr>
-                </a:solidFill>
-              </a:rPr>
-              <a:t>%, 25% </a:t>
-            </a:r>
-            <a:r>
-              <a:rPr lang="en-US" dirty="0" smtClean="0">
-                <a:solidFill>
-                  <a:schemeClr val="bg1">
-                    <a:lumMod val="50000"/>
-                  </a:schemeClr>
-                </a:solidFill>
-              </a:rPr>
-              <a:t>had </a:t>
-            </a:r>
-            <a:r>
-              <a:rPr lang="en-US" dirty="0">
-                <a:solidFill>
-                  <a:schemeClr val="bg1">
-                    <a:lumMod val="50000"/>
-                  </a:schemeClr>
-                </a:solidFill>
-              </a:rPr>
-              <a:t>slight – medium effect on </a:t>
-            </a:r>
-            <a:r>
-              <a:rPr lang="en-US" dirty="0" smtClean="0">
-                <a:solidFill>
-                  <a:schemeClr val="bg1">
-                    <a:lumMod val="50000"/>
-                  </a:schemeClr>
-                </a:solidFill>
-              </a:rPr>
-              <a:t>total sales in an order.</a:t>
-            </a:r>
-          </a:p>
-          <a:p>
-            <a:r>
-              <a:rPr lang="en-US" dirty="0" smtClean="0">
-                <a:solidFill>
-                  <a:schemeClr val="bg1">
-                    <a:lumMod val="50000"/>
-                  </a:schemeClr>
-                </a:solidFill>
-              </a:rPr>
-              <a:t>Offering a 5% discount instead of 25% may be profitable as they both have similar effects on the quantity and total sale of products.</a:t>
-            </a:r>
-          </a:p>
-          <a:p>
-            <a:r>
-              <a:rPr lang="en-US" dirty="0" smtClean="0">
-                <a:solidFill>
-                  <a:schemeClr val="bg1">
-                    <a:lumMod val="50000"/>
-                  </a:schemeClr>
-                </a:solidFill>
-              </a:rPr>
-              <a:t>The discounted month does not have a significantly different effect to other discounted months.</a:t>
-            </a:r>
-          </a:p>
-          <a:p>
-            <a:r>
-              <a:rPr lang="en-US" dirty="0" smtClean="0">
-                <a:solidFill>
-                  <a:schemeClr val="bg1">
-                    <a:lumMod val="50000"/>
-                  </a:schemeClr>
-                </a:solidFill>
-              </a:rPr>
-              <a:t>A larger amount of even sales data between discounted orders and full price orders may be more effective.</a:t>
-            </a:r>
-          </a:p>
-          <a:p>
-            <a:endParaRPr lang="en-US" dirty="0"/>
-          </a:p>
-        </p:txBody>
-      </p:sp>
-    </p:spTree>
-    <p:extLst>
-      <p:ext uri="{BB962C8B-B14F-4D97-AF65-F5344CB8AC3E}">
-        <p14:creationId xmlns:p14="http://schemas.microsoft.com/office/powerpoint/2010/main" val="746679616"/>
-      </p:ext>
-    </p:extLst>
-  </p:cSld>
-  <p:clrMapOvr>
-    <a:masterClrMapping/>
-  </p:clrMapOvr>
-  <p:timing>
-    <p:tnLst>
-      <p:par>
-        <p:cTn xmlns:p14="http://schemas.microsoft.com/office/powerpoint/2010/main" id="1" dur="indefinite" restart="never" nodeType="tmRoot"/>
-      </p:par>
-    </p:tnLst>
-  </p:timing>
-</p:sld>
-</file>
-
-<file path=ppt/slides/slide14.xml><?xml version="1.0" encoding="utf-8"?>
 <p:sld xmlns:a="http://schemas.openxmlformats.org/drawingml/2006/main" xmlns:r="http://schemas.openxmlformats.org/officeDocument/2006/relationships" xmlns:p="http://schemas.openxmlformats.org/presentationml/2006/main">
   <p:cSld>
     <p:spTree>
@@ -3953,6 +4353,116 @@
 </p:sld>
 </file>
 
+<file path=ppt/slides/slide14.xml><?xml version="1.0" encoding="utf-8"?>
+<p:sld xmlns:a="http://schemas.openxmlformats.org/drawingml/2006/main" xmlns:r="http://schemas.openxmlformats.org/officeDocument/2006/relationships" xmlns:p="http://schemas.openxmlformats.org/presentationml/2006/main">
+  <p:cSld>
+    <p:spTree>
+      <p:nvGrpSpPr>
+        <p:cNvPr id="1" name=""/>
+        <p:cNvGrpSpPr/>
+        <p:nvPr/>
+      </p:nvGrpSpPr>
+      <p:grpSpPr>
+        <a:xfrm>
+          <a:off x="0" y="0"/>
+          <a:ext cx="0" cy="0"/>
+          <a:chOff x="0" y="0"/>
+          <a:chExt cx="0" cy="0"/>
+        </a:xfrm>
+      </p:grpSpPr>
+      <p:sp>
+        <p:nvSpPr>
+          <p:cNvPr id="3" name="Content Placeholder 2"/>
+          <p:cNvSpPr>
+            <a:spLocks noGrp="1"/>
+          </p:cNvSpPr>
+          <p:nvPr>
+            <p:ph idx="1"/>
+          </p:nvPr>
+        </p:nvSpPr>
+        <p:spPr/>
+        <p:txBody>
+          <a:bodyPr>
+            <a:normAutofit lnSpcReduction="10000"/>
+          </a:bodyPr>
+          <a:lstStyle/>
+          <a:p>
+            <a:endParaRPr lang="en-US" dirty="0" smtClean="0"/>
+          </a:p>
+          <a:p>
+            <a:endParaRPr lang="en-US" dirty="0"/>
+          </a:p>
+          <a:p>
+            <a:endParaRPr lang="en-US" dirty="0" smtClean="0"/>
+          </a:p>
+          <a:p>
+            <a:endParaRPr lang="en-US" dirty="0"/>
+          </a:p>
+          <a:p>
+            <a:endParaRPr lang="en-US" dirty="0" smtClean="0"/>
+          </a:p>
+          <a:p>
+            <a:endParaRPr lang="en-US" dirty="0"/>
+          </a:p>
+          <a:p>
+            <a:pPr marL="0" indent="0" algn="ctr">
+              <a:buNone/>
+            </a:pPr>
+            <a:r>
+              <a:rPr lang="en-US" sz="1600" dirty="0" smtClean="0"/>
+              <a:t>Presented by  Susanna Mir</a:t>
+            </a:r>
+          </a:p>
+          <a:p>
+            <a:pPr marL="0" indent="0" algn="ctr">
+              <a:buNone/>
+            </a:pPr>
+            <a:r>
+              <a:rPr lang="en-US" sz="1600" dirty="0" smtClean="0"/>
+              <a:t>Project 2  </a:t>
+            </a:r>
+          </a:p>
+          <a:p>
+            <a:pPr marL="0" indent="0" algn="ctr">
+              <a:buNone/>
+            </a:pPr>
+            <a:r>
+              <a:rPr lang="en-US" sz="1600" dirty="0" smtClean="0"/>
+              <a:t>Hypothesis Testing on Northwind Database</a:t>
+            </a:r>
+          </a:p>
+          <a:p>
+            <a:pPr marL="0" indent="0" algn="ctr">
+              <a:buNone/>
+            </a:pPr>
+            <a:r>
+              <a:rPr lang="en-US" sz="1600" dirty="0" smtClean="0"/>
+              <a:t>12/03/2020</a:t>
+            </a:r>
+            <a:endParaRPr lang="en-US" sz="1600" dirty="0"/>
+          </a:p>
+        </p:txBody>
+      </p:sp>
+    </p:spTree>
+    <p:extLst>
+      <p:ext uri="{BB962C8B-B14F-4D97-AF65-F5344CB8AC3E}">
+        <p14:creationId xmlns:p14="http://schemas.microsoft.com/office/powerpoint/2010/main" val="4169329909"/>
+      </p:ext>
+    </p:extLst>
+  </p:cSld>
+  <p:clrMapOvr>
+    <a:masterClrMapping/>
+  </p:clrMapOvr>
+  <p:timing>
+    <p:tnLst>
+      <p:par>
+        <p:cTn xmlns:p14="http://schemas.microsoft.com/office/powerpoint/2010/main" id="1" dur="indefinite" restart="never" nodeType="tmRoot"/>
+      </p:par>
+    </p:tnLst>
+  </p:timing>
+</p:sld>
+</file>
+
 <file path=ppt/slides/slide2.xml><?xml version="1.0" encoding="utf-8"?>
 <p:sld xmlns:a="http://schemas.openxmlformats.org/drawingml/2006/main" xmlns:r="http://schemas.openxmlformats.org/officeDocument/2006/relationships" xmlns:p="http://schemas.openxmlformats.org/presentationml/2006/main">
   <p:cSld>
@@ -3982,8 +4492,8 @@
         </p:nvSpPr>
         <p:spPr>
           <a:xfrm>
-            <a:off x="457200" y="230898"/>
-            <a:ext cx="8229600" cy="5895265"/>
+            <a:off x="615800" y="230898"/>
+            <a:ext cx="8070999" cy="5895265"/>
           </a:xfrm>
         </p:spPr>
         <p:txBody>
@@ -3993,6 +4503,9 @@
             <a:endParaRPr lang="en-US" dirty="0" smtClean="0"/>
           </a:p>
           <a:p>
+            <a:pPr marL="0" indent="0">
+              <a:buNone/>
+            </a:pPr>
             <a:r>
               <a:rPr lang="en-US" dirty="0" smtClean="0">
                 <a:solidFill>
@@ -4010,17 +4523,7 @@
                   </a:schemeClr>
                 </a:solidFill>
               </a:rPr>
-              <a:t>Does Discount have a significant effect on the Quantity of products in an order?</a:t>
-            </a:r>
-          </a:p>
-          <a:p>
-            <a:r>
-              <a:rPr lang="en-US" dirty="0" smtClean="0">
-                <a:solidFill>
-                  <a:srgbClr val="FF0000"/>
-                </a:solidFill>
-              </a:rPr>
-              <a:t>2] </a:t>
+              <a:t>Does Discount have a significant effect on </a:t>
             </a:r>
             <a:r>
               <a:rPr lang="en-US" dirty="0" smtClean="0">
@@ -4031,17 +4534,7 @@
                   </a:schemeClr>
                 </a:solidFill>
               </a:rPr>
-              <a:t>Does Discount have a significant effect on the Total Price paid in an order?</a:t>
-            </a:r>
-          </a:p>
-          <a:p>
-            <a:r>
-              <a:rPr lang="en-US" dirty="0" smtClean="0">
-                <a:solidFill>
-                  <a:srgbClr val="FF0000"/>
-                </a:solidFill>
-              </a:rPr>
-              <a:t>3] </a:t>
+              <a:t>	the </a:t>
             </a:r>
             <a:r>
               <a:rPr lang="en-US" dirty="0" smtClean="0">
@@ -4052,7 +4545,20 @@
                   </a:schemeClr>
                 </a:solidFill>
               </a:rPr>
-              <a:t>Do </a:t>
+              <a:t>Quantity of products in an order?</a:t>
+            </a:r>
+          </a:p>
+          <a:p>
+            <a:pPr marL="0" indent="0">
+              <a:buNone/>
+            </a:pPr>
+            <a:r>
+              <a:rPr lang="en-US" dirty="0" smtClean="0">
+                <a:solidFill>
+                  <a:srgbClr val="FF0000"/>
+                </a:solidFill>
+              </a:rPr>
+              <a:t>2] </a:t>
             </a:r>
             <a:r>
               <a:rPr lang="en-US" dirty="0" smtClean="0">
@@ -4063,7 +4569,7 @@
                   </a:schemeClr>
                 </a:solidFill>
               </a:rPr>
-              <a:t>any </a:t>
+              <a:t>Does Discount have a significant effect on </a:t>
             </a:r>
             <a:r>
               <a:rPr lang="en-US" dirty="0" smtClean="0">
@@ -4074,7 +4580,7 @@
                   </a:schemeClr>
                 </a:solidFill>
               </a:rPr>
-              <a:t>months </a:t>
+              <a:t>	the </a:t>
             </a:r>
             <a:r>
               <a:rPr lang="en-US" dirty="0" smtClean="0">
@@ -4085,17 +4591,20 @@
                   </a:schemeClr>
                 </a:solidFill>
               </a:rPr>
-              <a:t>with discounts have a significant effect on the Quantity in an order?</a:t>
-            </a:r>
-          </a:p>
-          <a:p>
+              <a:t>Total Price paid in an order?</a:t>
+            </a:r>
+          </a:p>
+          <a:p>
+            <a:pPr marL="0" indent="0">
+              <a:buNone/>
+            </a:pPr>
             <a:r>
               <a:rPr lang="en-US" dirty="0" smtClean="0">
                 <a:solidFill>
                   <a:srgbClr val="FF0000"/>
                 </a:solidFill>
               </a:rPr>
-              <a:t>4] </a:t>
+              <a:t>3] </a:t>
             </a:r>
             <a:r>
               <a:rPr lang="en-US" dirty="0" smtClean="0">
@@ -4109,7 +4618,7 @@
               <a:t>Do </a:t>
             </a:r>
             <a:r>
-              <a:rPr lang="en-US" dirty="0">
+              <a:rPr lang="en-US" dirty="0" smtClean="0">
                 <a:solidFill>
                   <a:schemeClr val="tx1">
                     <a:lumMod val="50000"/>
@@ -4131,7 +4640,7 @@
               <a:t>months </a:t>
             </a:r>
             <a:r>
-              <a:rPr lang="en-US" dirty="0">
+              <a:rPr lang="en-US" dirty="0" smtClean="0">
                 <a:solidFill>
                   <a:schemeClr val="tx1">
                     <a:lumMod val="50000"/>
@@ -4139,7 +4648,7 @@
                   </a:schemeClr>
                 </a:solidFill>
               </a:rPr>
-              <a:t>with discounts have a significant effect on the </a:t>
+              <a:t>with discounts have a </a:t>
             </a:r>
             <a:r>
               <a:rPr lang="en-US" dirty="0" smtClean="0">
@@ -4150,7 +4659,152 @@
                   </a:schemeClr>
                 </a:solidFill>
               </a:rPr>
-              <a:t>Total Price paid in an order?</a:t>
+              <a:t>	significant </a:t>
+            </a:r>
+            <a:r>
+              <a:rPr lang="en-US" dirty="0" smtClean="0">
+                <a:solidFill>
+                  <a:schemeClr val="tx1">
+                    <a:lumMod val="50000"/>
+                    <a:lumOff val="50000"/>
+                  </a:schemeClr>
+                </a:solidFill>
+              </a:rPr>
+              <a:t>effect on the Quantity in an </a:t>
+            </a:r>
+            <a:r>
+              <a:rPr lang="en-US" dirty="0" smtClean="0">
+                <a:solidFill>
+                  <a:schemeClr val="tx1">
+                    <a:lumMod val="50000"/>
+                    <a:lumOff val="50000"/>
+                  </a:schemeClr>
+                </a:solidFill>
+              </a:rPr>
+              <a:t>	order</a:t>
+            </a:r>
+            <a:r>
+              <a:rPr lang="en-US" dirty="0" smtClean="0">
+                <a:solidFill>
+                  <a:schemeClr val="tx1">
+                    <a:lumMod val="50000"/>
+                    <a:lumOff val="50000"/>
+                  </a:schemeClr>
+                </a:solidFill>
+              </a:rPr>
+              <a:t>?</a:t>
+            </a:r>
+          </a:p>
+          <a:p>
+            <a:pPr marL="0" indent="0">
+              <a:buNone/>
+            </a:pPr>
+            <a:r>
+              <a:rPr lang="en-US" dirty="0" smtClean="0">
+                <a:solidFill>
+                  <a:srgbClr val="FF0000"/>
+                </a:solidFill>
+              </a:rPr>
+              <a:t>4] </a:t>
+            </a:r>
+            <a:r>
+              <a:rPr lang="en-US" dirty="0" smtClean="0">
+                <a:solidFill>
+                  <a:schemeClr val="tx1">
+                    <a:lumMod val="50000"/>
+                    <a:lumOff val="50000"/>
+                  </a:schemeClr>
+                </a:solidFill>
+              </a:rPr>
+              <a:t>Do </a:t>
+            </a:r>
+            <a:r>
+              <a:rPr lang="en-US" dirty="0">
+                <a:solidFill>
+                  <a:schemeClr val="tx1">
+                    <a:lumMod val="50000"/>
+                    <a:lumOff val="50000"/>
+                  </a:schemeClr>
+                </a:solidFill>
+              </a:rPr>
+              <a:t>any </a:t>
+            </a:r>
+            <a:r>
+              <a:rPr lang="en-US" dirty="0" smtClean="0">
+                <a:solidFill>
+                  <a:schemeClr val="tx1">
+                    <a:lumMod val="50000"/>
+                    <a:lumOff val="50000"/>
+                  </a:schemeClr>
+                </a:solidFill>
+              </a:rPr>
+              <a:t>months </a:t>
+            </a:r>
+            <a:r>
+              <a:rPr lang="en-US" dirty="0">
+                <a:solidFill>
+                  <a:schemeClr val="tx1">
+                    <a:lumMod val="50000"/>
+                    <a:lumOff val="50000"/>
+                  </a:schemeClr>
+                </a:solidFill>
+              </a:rPr>
+              <a:t>with discounts have a </a:t>
+            </a:r>
+            <a:r>
+              <a:rPr lang="en-US" dirty="0" smtClean="0">
+                <a:solidFill>
+                  <a:schemeClr val="tx1">
+                    <a:lumMod val="50000"/>
+                    <a:lumOff val="50000"/>
+                  </a:schemeClr>
+                </a:solidFill>
+              </a:rPr>
+              <a:t>	significant </a:t>
+            </a:r>
+            <a:r>
+              <a:rPr lang="en-US" dirty="0">
+                <a:solidFill>
+                  <a:schemeClr val="tx1">
+                    <a:lumMod val="50000"/>
+                    <a:lumOff val="50000"/>
+                  </a:schemeClr>
+                </a:solidFill>
+              </a:rPr>
+              <a:t>effect on the </a:t>
+            </a:r>
+            <a:r>
+              <a:rPr lang="en-US" dirty="0" smtClean="0">
+                <a:solidFill>
+                  <a:schemeClr val="tx1">
+                    <a:lumMod val="50000"/>
+                    <a:lumOff val="50000"/>
+                  </a:schemeClr>
+                </a:solidFill>
+              </a:rPr>
+              <a:t>Total Price paid in an </a:t>
+            </a:r>
+            <a:r>
+              <a:rPr lang="en-US" dirty="0" smtClean="0">
+                <a:solidFill>
+                  <a:schemeClr val="tx1">
+                    <a:lumMod val="50000"/>
+                    <a:lumOff val="50000"/>
+                  </a:schemeClr>
+                </a:solidFill>
+              </a:rPr>
+              <a:t>	order</a:t>
+            </a:r>
+            <a:r>
+              <a:rPr lang="en-US" dirty="0" smtClean="0">
+                <a:solidFill>
+                  <a:schemeClr val="tx1">
+                    <a:lumMod val="50000"/>
+                    <a:lumOff val="50000"/>
+                  </a:schemeClr>
+                </a:solidFill>
+              </a:rPr>
+              <a:t>?</a:t>
             </a:r>
             <a:endParaRPr lang="en-US" dirty="0">
               <a:solidFill>
@@ -4223,8 +4877,8 @@
               <a:t>Data </a:t>
             </a:r>
             <a:r>
-              <a:rPr lang="en-US" dirty="0" err="1" smtClean="0"/>
-              <a:t>Analysed</a:t>
+              <a:rPr lang="en-US" dirty="0" smtClean="0"/>
+              <a:t>Analyzed</a:t>
             </a:r>
             <a:endParaRPr lang="en-US" dirty="0"/>
           </a:p>
@@ -4807,7 +5461,7 @@
         </p:nvSpPr>
         <p:spPr>
           <a:xfrm>
-            <a:off x="2463202" y="274638"/>
+            <a:off x="1665691" y="292722"/>
             <a:ext cx="6223597" cy="1143000"/>
           </a:xfrm>
         </p:spPr>
@@ -4843,31 +5497,19 @@
         </p:nvSpPr>
         <p:spPr>
           <a:xfrm>
-            <a:off x="3603235" y="2123161"/>
-            <a:ext cx="5083565" cy="4495923"/>
+            <a:off x="2411886" y="4903304"/>
+            <a:ext cx="5221478" cy="1693255"/>
           </a:xfrm>
         </p:spPr>
         <p:txBody>
           <a:bodyPr>
-            <a:normAutofit/>
+            <a:normAutofit fontScale="55000" lnSpcReduction="20000"/>
           </a:bodyPr>
           <a:lstStyle/>
           <a:p>
             <a:pPr marL="0" indent="0">
               <a:buNone/>
             </a:pPr>
-            <a:r>
-              <a:rPr lang="en-US" dirty="0" smtClean="0"/>
-              <a:t>				</a:t>
-            </a:r>
-            <a:r>
-              <a:rPr lang="en-US" dirty="0" smtClean="0">
-                <a:solidFill>
-                  <a:srgbClr val="FF0000"/>
-                </a:solidFill>
-              </a:rPr>
-              <a:t>1</a:t>
-            </a:r>
             <a:r>
               <a:rPr lang="en-US" dirty="0" smtClean="0"/>
               <a:t>		15</a:t>
@@ -4883,19 +5525,11 @@
             </a:pPr>
             <a:r>
               <a:rPr lang="en-US" dirty="0" smtClean="0"/>
-              <a:t>				</a:t>
-            </a:r>
-            <a:r>
-              <a:rPr lang="en-US" dirty="0" smtClean="0">
-                <a:solidFill>
-                  <a:srgbClr val="FF0000"/>
-                </a:solidFill>
-              </a:rPr>
-              <a:t>2</a:t>
+              <a:t>		25</a:t>
             </a:r>
             <a:r>
               <a:rPr lang="en-US" dirty="0" smtClean="0"/>
-              <a:t>		25%</a:t>
+              <a:t>%</a:t>
             </a:r>
           </a:p>
           <a:p>
@@ -4903,24 +5537,12 @@
               <a:buNone/>
             </a:pPr>
             <a:r>
-              <a:rPr lang="en-US" dirty="0"/>
-              <a:t>	</a:t>
-            </a:r>
-            <a:r>
               <a:rPr lang="en-US" dirty="0" smtClean="0"/>
-              <a:t>			</a:t>
-            </a:r>
-            <a:r>
-              <a:rPr lang="en-US" dirty="0" smtClean="0">
-                <a:solidFill>
-                  <a:srgbClr val="FF0000"/>
-                </a:solidFill>
-              </a:rPr>
-              <a:t>3</a:t>
+              <a:t>		5</a:t>
             </a:r>
             <a:r>
               <a:rPr lang="en-US" dirty="0" smtClean="0"/>
-              <a:t>		5%</a:t>
+              <a:t>%</a:t>
             </a:r>
           </a:p>
           <a:p>
@@ -4928,24 +5550,12 @@
               <a:buNone/>
             </a:pPr>
             <a:r>
-              <a:rPr lang="en-US" dirty="0"/>
-              <a:t>	</a:t>
-            </a:r>
-            <a:r>
               <a:rPr lang="en-US" dirty="0" smtClean="0"/>
-              <a:t>			</a:t>
-            </a:r>
-            <a:r>
-              <a:rPr lang="en-US" dirty="0" smtClean="0">
-                <a:solidFill>
-                  <a:srgbClr val="FF0000"/>
-                </a:solidFill>
-              </a:rPr>
-              <a:t>4</a:t>
+              <a:t>		20</a:t>
             </a:r>
             <a:r>
               <a:rPr lang="en-US" dirty="0" smtClean="0"/>
-              <a:t>		20%</a:t>
+              <a:t>%</a:t>
             </a:r>
           </a:p>
           <a:p>
@@ -4959,14 +5569,38 @@
               <a:buNone/>
             </a:pPr>
             <a:r>
-              <a:rPr lang="en-US" dirty="0" smtClean="0">
+              <a:rPr lang="en-US" sz="3300" dirty="0" smtClean="0">
                 <a:solidFill>
                   <a:srgbClr val="7F7F7F"/>
                 </a:solidFill>
               </a:rPr>
-              <a:t>Discounts were of similar effect</a:t>
-            </a:r>
-            <a:endParaRPr lang="en-US" dirty="0">
+              <a:t>		Discounts </a:t>
+            </a:r>
+            <a:r>
+              <a:rPr lang="en-US" sz="3300" dirty="0" smtClean="0">
+                <a:solidFill>
+                  <a:srgbClr val="7F7F7F"/>
+                </a:solidFill>
+              </a:rPr>
+              <a:t>were of </a:t>
+            </a:r>
+            <a:r>
+              <a:rPr lang="en-US" sz="3300" dirty="0" smtClean="0">
+                <a:solidFill>
+                  <a:srgbClr val="7F7F7F"/>
+                </a:solidFill>
+              </a:rPr>
+              <a:t>similar </a:t>
+            </a:r>
+            <a:r>
+              <a:rPr lang="en-US" sz="3300" dirty="0" smtClean="0">
+                <a:solidFill>
+                  <a:srgbClr val="7F7F7F"/>
+                </a:solidFill>
+              </a:rPr>
+              <a:t>effect</a:t>
+            </a:r>
+            <a:endParaRPr lang="en-US" sz="3300" dirty="0">
               <a:solidFill>
                 <a:srgbClr val="7F7F7F"/>
               </a:solidFill>
@@ -4982,7 +5616,7 @@
       </p:sp>
       <p:pic>
         <p:nvPicPr>
-          <p:cNvPr id="4" name="Picture 3" descr="discounts.jpg"/>
+          <p:cNvPr id="6" name="Picture 5" descr="Screen Shot 2020-03-08 at 21.44.04.png"/>
           <p:cNvPicPr>
             <a:picLocks noChangeAspect="1"/>
           </p:cNvPicPr>
@@ -5002,38 +5636,8 @@
         </p:blipFill>
         <p:spPr>
           <a:xfrm>
-            <a:off x="946149" y="274638"/>
-            <a:ext cx="1517053" cy="1438425"/>
-          </a:xfrm>
-          <a:prstGeom prst="rect">
-            <a:avLst/>
-          </a:prstGeom>
-        </p:spPr>
-      </p:pic>
-      <p:pic>
-        <p:nvPicPr>
-          <p:cNvPr id="6" name="Picture 5" descr="Screen Shot 2020-03-08 at 21.44.04.png"/>
-          <p:cNvPicPr>
-            <a:picLocks noChangeAspect="1"/>
-          </p:cNvPicPr>
-          <p:nvPr/>
-        </p:nvPicPr>
-        <p:blipFill>
-          <a:blip r:embed="rId3">
-            <a:extLst>
-              <a:ext uri="{28A0092B-C50C-407E-A947-70E740481C1C}">
-                <a14:useLocalDpi xmlns:a14="http://schemas.microsoft.com/office/drawing/2010/main" val="0"/>
-              </a:ext>
-            </a:extLst>
-          </a:blip>
-          <a:stretch>
-            <a:fillRect/>
-          </a:stretch>
-        </p:blipFill>
-        <p:spPr>
-          <a:xfrm>
-            <a:off x="633490" y="2123161"/>
-            <a:ext cx="4144000" cy="2800844"/>
+            <a:off x="1839432" y="1186739"/>
+            <a:ext cx="5498859" cy="3716565"/>
           </a:xfrm>
           <a:prstGeom prst="rect">
             <a:avLst/>
@@ -5206,6 +5810,41 @@
           </a:prstGeom>
         </p:spPr>
       </p:pic>
+      <p:sp>
+        <p:nvSpPr>
+          <p:cNvPr id="6" name="TextBox 5"/>
+          <p:cNvSpPr txBox="1"/>
+          <p:nvPr/>
+        </p:nvSpPr>
+        <p:spPr>
+          <a:xfrm>
+            <a:off x="1321406" y="5926390"/>
+            <a:ext cx="6478737" cy="646331"/>
+          </a:xfrm>
+          <a:prstGeom prst="rect">
+            <a:avLst/>
+          </a:prstGeom>
+          <a:noFill/>
+        </p:spPr>
+        <p:txBody>
+          <a:bodyPr wrap="square" rtlCol="0">
+            <a:spAutoFit/>
+          </a:bodyPr>
+          <a:lstStyle/>
+          <a:p>
+            <a:r>
+              <a:rPr lang="en-US" dirty="0">
+                <a:solidFill>
+                  <a:schemeClr val="bg1">
+                    <a:lumMod val="50000"/>
+                  </a:schemeClr>
+                </a:solidFill>
+              </a:rPr>
+              <a:t>Offering a 5% discount instead of 25% may be profitable as they both have similar effects on the quantity and total sale of products.</a:t>
+            </a:r>
+          </a:p>
+        </p:txBody>
+      </p:sp>
     </p:spTree>
     <p:extLst>
       <p:ext uri="{BB962C8B-B14F-4D97-AF65-F5344CB8AC3E}">
@@ -5280,7 +5919,7 @@
                   <a:srgbClr val="7F7F7F"/>
                 </a:solidFill>
               </a:rPr>
-              <a:t>Total Spen</a:t>
+              <a:t>Total Spent</a:t>
             </a:r>
             <a:r>
               <a:rPr lang="en-US" sz="3200" dirty="0" smtClean="0">
@@ -5288,7 +5927,7 @@
                   <a:srgbClr val="7F7F7F"/>
                 </a:solidFill>
               </a:rPr>
-              <a:t>t </a:t>
+              <a:t> </a:t>
             </a:r>
             <a:br>
               <a:rPr lang="en-US" sz="3200" dirty="0" smtClean="0">
@@ -5338,8 +5977,8 @@
         </p:blipFill>
         <p:spPr>
           <a:xfrm>
-            <a:off x="7004734" y="252643"/>
-            <a:ext cx="1372722" cy="2002004"/>
+            <a:off x="7274146" y="252643"/>
+            <a:ext cx="1103309" cy="2002004"/>
           </a:xfrm>
           <a:prstGeom prst="rect">
             <a:avLst/>
@@ -5368,8 +6007,8 @@
         </p:blipFill>
         <p:spPr>
           <a:xfrm>
-            <a:off x="6108700" y="2672617"/>
-            <a:ext cx="3086100" cy="2641600"/>
+            <a:off x="6594200" y="2672617"/>
+            <a:ext cx="2600600" cy="2641600"/>
           </a:xfrm>
           <a:prstGeom prst="rect">
             <a:avLst/>
@@ -5526,8 +6165,8 @@
         </p:nvSpPr>
         <p:spPr>
           <a:xfrm>
-            <a:off x="2463202" y="274638"/>
-            <a:ext cx="6223597" cy="1143000"/>
+            <a:off x="885214" y="274638"/>
+            <a:ext cx="7801586" cy="1143000"/>
           </a:xfrm>
         </p:spPr>
         <p:txBody>
@@ -5562,8 +6201,8 @@
         </p:nvSpPr>
         <p:spPr>
           <a:xfrm>
-            <a:off x="2127879" y="2123161"/>
-            <a:ext cx="5083565" cy="4495923"/>
+            <a:off x="1308577" y="2591192"/>
+            <a:ext cx="6825125" cy="4027892"/>
           </a:xfrm>
         </p:spPr>
         <p:txBody>
@@ -5622,7 +6261,15 @@
                   <a:srgbClr val="7F7F7F"/>
                 </a:solidFill>
               </a:rPr>
-              <a:t>Discounts were of similar effect</a:t>
+              <a:t>	Discounts </a:t>
+            </a:r>
+            <a:r>
+              <a:rPr lang="en-US" dirty="0" smtClean="0">
+                <a:solidFill>
+                  <a:srgbClr val="7F7F7F"/>
+                </a:solidFill>
+              </a:rPr>
+              <a:t>were of similar effect</a:t>
             </a:r>
             <a:endParaRPr lang="en-US" dirty="0">
               <a:solidFill>
@@ -5638,36 +6285,6 @@
           </a:p>
         </p:txBody>
       </p:sp>
-      <p:pic>
-        <p:nvPicPr>
-          <p:cNvPr id="4" name="Picture 3" descr="discounts.jpg"/>
-          <p:cNvPicPr>
-            <a:picLocks noChangeAspect="1"/>
-          </p:cNvPicPr>
-          <p:nvPr/>
-        </p:nvPicPr>
-        <p:blipFill>
-          <a:blip r:embed="rId2">
-            <a:extLst>
-              <a:ext uri="{28A0092B-C50C-407E-A947-70E740481C1C}">
-                <a14:useLocalDpi xmlns:a14="http://schemas.microsoft.com/office/drawing/2010/main" val="0"/>
-              </a:ext>
-            </a:extLst>
-          </a:blip>
-          <a:stretch>
-            <a:fillRect/>
-          </a:stretch>
-        </p:blipFill>
-        <p:spPr>
-          <a:xfrm>
-            <a:off x="946149" y="274638"/>
-            <a:ext cx="1517053" cy="1438425"/>
-          </a:xfrm>
-          <a:prstGeom prst="rect">
-            <a:avLst/>
-          </a:prstGeom>
-        </p:spPr>
-      </p:pic>
     </p:spTree>
     <p:extLst>
       <p:ext uri="{BB962C8B-B14F-4D97-AF65-F5344CB8AC3E}">
@@ -5705,118 +6322,9 @@
           <a:chExt cx="0" cy="0"/>
         </a:xfrm>
       </p:grpSpPr>
-      <p:sp>
-        <p:nvSpPr>
-          <p:cNvPr id="2" name="Title 1"/>
-          <p:cNvSpPr>
-            <a:spLocks noGrp="1"/>
-          </p:cNvSpPr>
-          <p:nvPr>
-            <p:ph type="title"/>
-          </p:nvPr>
-        </p:nvSpPr>
-        <p:spPr>
-          <a:xfrm>
-            <a:off x="1693452" y="252643"/>
-            <a:ext cx="6684004" cy="1517578"/>
-          </a:xfrm>
-        </p:spPr>
-        <p:txBody>
-          <a:bodyPr>
-            <a:normAutofit fontScale="90000"/>
-          </a:bodyPr>
-          <a:lstStyle/>
-          <a:p>
-            <a:pPr algn="l"/>
-            <a:r>
-              <a:rPr lang="en-US" sz="3200" dirty="0" smtClean="0">
-                <a:solidFill>
-                  <a:srgbClr val="7F7F7F"/>
-                </a:solidFill>
-              </a:rPr>
-              <a:t>Month with discounts effect on </a:t>
-            </a:r>
-            <a:br>
-              <a:rPr lang="en-US" sz="3200" dirty="0" smtClean="0">
-                <a:solidFill>
-                  <a:srgbClr val="7F7F7F"/>
-                </a:solidFill>
-              </a:rPr>
-            </a:br>
-            <a:r>
-              <a:rPr lang="en-US" sz="3200" u="sng" dirty="0" smtClean="0">
-                <a:solidFill>
-                  <a:srgbClr val="7F7F7F"/>
-                </a:solidFill>
-              </a:rPr>
-              <a:t>Quantity</a:t>
-            </a:r>
-            <a:r>
-              <a:rPr lang="en-US" sz="3200" dirty="0">
-                <a:solidFill>
-                  <a:srgbClr val="7F7F7F"/>
-                </a:solidFill>
-              </a:rPr>
-              <a:t> </a:t>
-            </a:r>
-            <a:r>
-              <a:rPr lang="en-US" sz="3200" dirty="0" smtClean="0">
-                <a:solidFill>
-                  <a:srgbClr val="7F7F7F"/>
-                </a:solidFill>
-              </a:rPr>
-              <a:t>of </a:t>
-            </a:r>
-            <a:r>
-              <a:rPr lang="en-US" sz="3200" dirty="0" smtClean="0">
-                <a:solidFill>
-                  <a:srgbClr val="7F7F7F"/>
-                </a:solidFill>
-              </a:rPr>
-              <a:t>products in </a:t>
-            </a:r>
-            <a:r>
-              <a:rPr lang="en-US" sz="3200" dirty="0">
-                <a:solidFill>
-                  <a:srgbClr val="7F7F7F"/>
-                </a:solidFill>
-              </a:rPr>
-              <a:t>an </a:t>
-            </a:r>
-            <a:r>
-              <a:rPr lang="en-US" sz="3200" dirty="0" smtClean="0">
-                <a:solidFill>
-                  <a:srgbClr val="7F7F7F"/>
-                </a:solidFill>
-              </a:rPr>
-              <a:t/>
-            </a:r>
-            <a:br>
-              <a:rPr lang="en-US" sz="3200" dirty="0" smtClean="0">
-                <a:solidFill>
-                  <a:srgbClr val="7F7F7F"/>
-                </a:solidFill>
-              </a:rPr>
-            </a:br>
-            <a:r>
-              <a:rPr lang="en-US" sz="3200" dirty="0" smtClean="0">
-                <a:solidFill>
-                  <a:srgbClr val="7F7F7F"/>
-                </a:solidFill>
-              </a:rPr>
-              <a:t>order</a:t>
-            </a:r>
-            <a:endParaRPr lang="en-US" sz="3200" dirty="0">
-              <a:solidFill>
-                <a:srgbClr val="7F7F7F"/>
-              </a:solidFill>
-            </a:endParaRPr>
-          </a:p>
-        </p:txBody>
-      </p:sp>
       <p:pic>
         <p:nvPicPr>
-          <p:cNvPr id="8" name="Picture 7"/>
+          <p:cNvPr id="6" name="Picture 5" descr="Screen Shot 2020-03-07 at 15.27.31.png"/>
           <p:cNvPicPr>
             <a:picLocks noChangeAspect="1"/>
           </p:cNvPicPr>
@@ -5836,88 +6344,119 @@
         </p:blipFill>
         <p:spPr>
           <a:xfrm>
-            <a:off x="7004734" y="252643"/>
-            <a:ext cx="1372722" cy="2002004"/>
+            <a:off x="872384" y="1720373"/>
+            <a:ext cx="5978400" cy="3795532"/>
           </a:xfrm>
           <a:prstGeom prst="rect">
             <a:avLst/>
           </a:prstGeom>
         </p:spPr>
       </p:pic>
-      <p:pic>
-        <p:nvPicPr>
-          <p:cNvPr id="10" name="Picture 9" descr="images.png"/>
-          <p:cNvPicPr>
-            <a:picLocks noChangeAspect="1"/>
-          </p:cNvPicPr>
-          <p:nvPr/>
-        </p:nvPicPr>
-        <p:blipFill>
-          <a:blip r:embed="rId3">
-            <a:extLst>
-              <a:ext uri="{28A0092B-C50C-407E-A947-70E740481C1C}">
-                <a14:useLocalDpi xmlns:a14="http://schemas.microsoft.com/office/drawing/2010/main" val="0"/>
-              </a:ext>
-            </a:extLst>
-          </a:blip>
-          <a:stretch>
-            <a:fillRect/>
-          </a:stretch>
-        </p:blipFill>
+      <p:sp>
+        <p:nvSpPr>
+          <p:cNvPr id="4" name="Title 1"/>
+          <p:cNvSpPr>
+            <a:spLocks noGrp="1"/>
+          </p:cNvSpPr>
+          <p:nvPr>
+            <p:ph type="title"/>
+          </p:nvPr>
+        </p:nvSpPr>
         <p:spPr>
           <a:xfrm>
-            <a:off x="6108700" y="2672617"/>
-            <a:ext cx="3086100" cy="2641600"/>
+            <a:off x="1693451" y="252643"/>
+            <a:ext cx="7056051" cy="1517578"/>
           </a:xfrm>
-          <a:prstGeom prst="rect">
-            <a:avLst/>
-          </a:prstGeom>
         </p:spPr>
-      </p:pic>
-      <p:sp>
-        <p:nvSpPr>
-          <p:cNvPr id="4" name="TextBox 3"/>
-          <p:cNvSpPr txBox="1"/>
-          <p:nvPr/>
-        </p:nvSpPr>
-        <p:spPr>
-          <a:xfrm>
-            <a:off x="1834573" y="2672617"/>
-            <a:ext cx="5439574" cy="1015663"/>
-          </a:xfrm>
-          <a:prstGeom prst="rect">
-            <a:avLst/>
-          </a:prstGeom>
-          <a:noFill/>
-        </p:spPr>
-        <p:txBody>
-          <a:bodyPr wrap="square" rtlCol="0">
-            <a:spAutoFit/>
+        <p:txBody>
+          <a:bodyPr>
+            <a:normAutofit/>
           </a:bodyPr>
           <a:lstStyle/>
           <a:p>
-            <a:r>
-              <a:rPr lang="en-US" sz="2000" dirty="0" smtClean="0">
-                <a:solidFill>
-                  <a:srgbClr val="FF0000"/>
-                </a:solidFill>
-              </a:rPr>
-              <a:t>There were no months with discounts that had a particularly significant effect </a:t>
-            </a:r>
-            <a:r>
-              <a:rPr lang="en-US" sz="2000" dirty="0" smtClean="0">
+            <a:pPr algn="l"/>
+            <a:r>
+              <a:rPr lang="en-US" sz="2400" dirty="0" smtClean="0">
                 <a:solidFill>
                   <a:srgbClr val="7F7F7F"/>
                 </a:solidFill>
               </a:rPr>
-              <a:t>on the quantity as compared to other months with discounts.</a:t>
-            </a:r>
-          </a:p>
-        </p:txBody>
-      </p:sp>
-      <p:sp>
-        <p:nvSpPr>
-          <p:cNvPr id="5" name="TextBox 4"/>
+              <a:t>Months </a:t>
+            </a:r>
+            <a:r>
+              <a:rPr lang="en-US" sz="2400" dirty="0" smtClean="0">
+                <a:solidFill>
+                  <a:srgbClr val="7F7F7F"/>
+                </a:solidFill>
+              </a:rPr>
+              <a:t>with discounts effect on </a:t>
+            </a:r>
+            <a:br>
+              <a:rPr lang="en-US" sz="2400" dirty="0" smtClean="0">
+                <a:solidFill>
+                  <a:srgbClr val="7F7F7F"/>
+                </a:solidFill>
+              </a:rPr>
+            </a:br>
+            <a:r>
+              <a:rPr lang="en-US" sz="2400" u="sng" dirty="0" smtClean="0">
+                <a:solidFill>
+                  <a:srgbClr val="7F7F7F"/>
+                </a:solidFill>
+              </a:rPr>
+              <a:t>Quantity</a:t>
+            </a:r>
+            <a:r>
+              <a:rPr lang="en-US" sz="2400" dirty="0">
+                <a:solidFill>
+                  <a:srgbClr val="7F7F7F"/>
+                </a:solidFill>
+              </a:rPr>
+              <a:t> </a:t>
+            </a:r>
+            <a:r>
+              <a:rPr lang="en-US" sz="2400" dirty="0" smtClean="0">
+                <a:solidFill>
+                  <a:srgbClr val="7F7F7F"/>
+                </a:solidFill>
+              </a:rPr>
+              <a:t>of </a:t>
+            </a:r>
+            <a:r>
+              <a:rPr lang="en-US" sz="2400" dirty="0" smtClean="0">
+                <a:solidFill>
+                  <a:srgbClr val="7F7F7F"/>
+                </a:solidFill>
+              </a:rPr>
+              <a:t>products in </a:t>
+            </a:r>
+            <a:r>
+              <a:rPr lang="en-US" sz="2400" dirty="0">
+                <a:solidFill>
+                  <a:srgbClr val="7F7F7F"/>
+                </a:solidFill>
+              </a:rPr>
+              <a:t>an </a:t>
+            </a:r>
+            <a:r>
+              <a:rPr lang="en-US" sz="2400" dirty="0" smtClean="0">
+                <a:solidFill>
+                  <a:srgbClr val="7F7F7F"/>
+                </a:solidFill>
+              </a:rPr>
+              <a:t>order</a:t>
+            </a:r>
+            <a:endParaRPr lang="en-US" sz="2400" dirty="0">
+              <a:solidFill>
+                <a:srgbClr val="7F7F7F"/>
+              </a:solidFill>
+            </a:endParaRPr>
+          </a:p>
+        </p:txBody>
+      </p:sp>
+      <p:sp>
+        <p:nvSpPr>
+          <p:cNvPr id="7" name="TextBox 6"/>
           <p:cNvSpPr txBox="1"/>
           <p:nvPr/>
         </p:nvSpPr>
@@ -5953,10 +6492,129 @@
           </a:p>
         </p:txBody>
       </p:sp>
+      <p:grpSp>
+        <p:nvGrpSpPr>
+          <p:cNvPr id="8" name="Group 7"/>
+          <p:cNvGrpSpPr/>
+          <p:nvPr/>
+        </p:nvGrpSpPr>
+        <p:grpSpPr>
+          <a:xfrm>
+            <a:off x="6850784" y="252643"/>
+            <a:ext cx="2344016" cy="5061574"/>
+            <a:chOff x="6108700" y="252643"/>
+            <a:chExt cx="3086100" cy="5061574"/>
+          </a:xfrm>
+        </p:grpSpPr>
+        <p:pic>
+          <p:nvPicPr>
+            <p:cNvPr id="9" name="Picture 8"/>
+            <p:cNvPicPr>
+              <a:picLocks noChangeAspect="1"/>
+            </p:cNvPicPr>
+            <p:nvPr/>
+          </p:nvPicPr>
+          <p:blipFill>
+            <a:blip r:embed="rId3">
+              <a:extLst>
+                <a:ext uri="{28A0092B-C50C-407E-A947-70E740481C1C}">
+                  <a14:useLocalDpi xmlns:a14="http://schemas.microsoft.com/office/drawing/2010/main" val="0"/>
+                </a:ext>
+              </a:extLst>
+            </a:blip>
+            <a:stretch>
+              <a:fillRect/>
+            </a:stretch>
+          </p:blipFill>
+          <p:spPr>
+            <a:xfrm>
+              <a:off x="7004734" y="252643"/>
+              <a:ext cx="1372722" cy="2002004"/>
+            </a:xfrm>
+            <a:prstGeom prst="rect">
+              <a:avLst/>
+            </a:prstGeom>
+          </p:spPr>
+        </p:pic>
+        <p:pic>
+          <p:nvPicPr>
+            <p:cNvPr id="10" name="Picture 9" descr="images.png"/>
+            <p:cNvPicPr>
+              <a:picLocks noChangeAspect="1"/>
+            </p:cNvPicPr>
+            <p:nvPr/>
+          </p:nvPicPr>
+          <p:blipFill>
+            <a:blip r:embed="rId4">
+              <a:extLst>
+                <a:ext uri="{28A0092B-C50C-407E-A947-70E740481C1C}">
+                  <a14:useLocalDpi xmlns:a14="http://schemas.microsoft.com/office/drawing/2010/main" val="0"/>
+                </a:ext>
+              </a:extLst>
+            </a:blip>
+            <a:stretch>
+              <a:fillRect/>
+            </a:stretch>
+          </p:blipFill>
+          <p:spPr>
+            <a:xfrm>
+              <a:off x="6108700" y="2672617"/>
+              <a:ext cx="3086100" cy="2641600"/>
+            </a:xfrm>
+            <a:prstGeom prst="rect">
+              <a:avLst/>
+            </a:prstGeom>
+          </p:spPr>
+        </p:pic>
+      </p:grpSp>
+      <p:sp>
+        <p:nvSpPr>
+          <p:cNvPr id="3" name="TextBox 2"/>
+          <p:cNvSpPr txBox="1"/>
+          <p:nvPr/>
+        </p:nvSpPr>
+        <p:spPr>
+          <a:xfrm>
+            <a:off x="1068922" y="5823768"/>
+            <a:ext cx="7389610" cy="923330"/>
+          </a:xfrm>
+          <a:prstGeom prst="rect">
+            <a:avLst/>
+          </a:prstGeom>
+          <a:noFill/>
+        </p:spPr>
+        <p:txBody>
+          <a:bodyPr wrap="square" rtlCol="0">
+            <a:spAutoFit/>
+          </a:bodyPr>
+          <a:lstStyle/>
+          <a:p>
+            <a:r>
+              <a:rPr lang="en-US" dirty="0">
+                <a:solidFill>
+                  <a:srgbClr val="FF0000"/>
+                </a:solidFill>
+              </a:rPr>
+              <a:t>There were no months with discounts that had a particularly significant effect </a:t>
+            </a:r>
+            <a:r>
+              <a:rPr lang="en-US" dirty="0">
+                <a:solidFill>
+                  <a:srgbClr val="7F7F7F"/>
+                </a:solidFill>
+              </a:rPr>
+              <a:t>on the quantity as compared to other months with discounts.</a:t>
+            </a:r>
+          </a:p>
+          <a:p>
+            <a:endParaRPr lang="en-US" dirty="0"/>
+          </a:p>
+        </p:txBody>
+      </p:sp>
     </p:spTree>
     <p:extLst>
       <p:ext uri="{BB962C8B-B14F-4D97-AF65-F5344CB8AC3E}">
-        <p14:creationId xmlns:p14="http://schemas.microsoft.com/office/powerpoint/2010/main" val="3726461525"/>
+        <p14:creationId xmlns:p14="http://schemas.microsoft.com/office/powerpoint/2010/main" val="2573845635"/>
       </p:ext>
     </p:extLst>
   </p:cSld>
